--- a/docs/ADTSnapShot.pptx
+++ b/docs/ADTSnapShot.pptx
@@ -104,6 +104,11 @@
       </a:defRPr>
     </a:lvl9pPr>
   </p:defaultTextStyle>
+  <p:extLst>
+    <p:ext uri="{EFAFB233-063F-42B5-8137-9DF3F51BA10A}">
+      <p15:sldGuideLst xmlns:p15="http://schemas.microsoft.com/office/powerpoint/2012/main"/>
+    </p:ext>
+  </p:extLst>
 </p:presentation>
 </file>
 
@@ -3018,8 +3023,8 @@
         </p:nvSpPr>
         <p:spPr>
           <a:xfrm>
-            <a:off x="86497" y="86752"/>
-            <a:ext cx="4917989" cy="3472248"/>
+            <a:off x="86498" y="86752"/>
+            <a:ext cx="4753896" cy="3472248"/>
           </a:xfrm>
           <a:prstGeom prst="ellipse">
             <a:avLst/>
@@ -3048,7 +3053,6 @@
           <a:bodyPr rtlCol="0" anchor="ctr"/>
           <a:lstStyle/>
           <a:p>
-            <a:pPr algn="ctr"/>
             <a:r>
               <a:rPr lang="en-US" sz="2400" dirty="0" smtClean="0">
                 <a:solidFill>
@@ -3067,14 +3071,14 @@
       </p:sp>
       <p:sp>
         <p:nvSpPr>
-          <p:cNvPr id="12" name="Oval 11"/>
+          <p:cNvPr id="13" name="Oval 12"/>
           <p:cNvSpPr/>
           <p:nvPr/>
         </p:nvSpPr>
         <p:spPr>
           <a:xfrm>
-            <a:off x="86497" y="3602039"/>
-            <a:ext cx="1952368" cy="1909076"/>
+            <a:off x="176099" y="3730801"/>
+            <a:ext cx="1785546" cy="1661706"/>
           </a:xfrm>
           <a:prstGeom prst="ellipse">
             <a:avLst/>
@@ -3082,49 +3086,7 @@
           <a:solidFill>
             <a:schemeClr val="bg1"/>
           </a:solidFill>
-        </p:spPr>
-        <p:style>
-          <a:lnRef idx="2">
-            <a:schemeClr val="accent1">
-              <a:shade val="50000"/>
-            </a:schemeClr>
-          </a:lnRef>
-          <a:fillRef idx="1">
-            <a:schemeClr val="accent1"/>
-          </a:fillRef>
-          <a:effectRef idx="0">
-            <a:schemeClr val="accent1"/>
-          </a:effectRef>
-          <a:fontRef idx="minor">
-            <a:schemeClr val="lt1"/>
-          </a:fontRef>
-        </p:style>
-        <p:txBody>
-          <a:bodyPr rtlCol="0" anchor="ctr"/>
-          <a:lstStyle/>
-          <a:p>
-            <a:pPr algn="ctr"/>
-            <a:endParaRPr lang="en-US"/>
-          </a:p>
-        </p:txBody>
-      </p:sp>
-      <p:sp>
-        <p:nvSpPr>
-          <p:cNvPr id="13" name="Oval 12"/>
-          <p:cNvSpPr/>
-          <p:nvPr/>
-        </p:nvSpPr>
-        <p:spPr>
-          <a:xfrm>
-            <a:off x="142108" y="3730518"/>
-            <a:ext cx="1785546" cy="1661706"/>
-          </a:xfrm>
-          <a:prstGeom prst="ellipse">
-            <a:avLst/>
-          </a:prstGeom>
-          <a:solidFill>
-            <a:schemeClr val="bg1"/>
-          </a:solidFill>
+          <a:ln w="57150" cmpd="dbl"/>
         </p:spPr>
         <p:style>
           <a:lnRef idx="2">
@@ -3192,14 +3154,14 @@
       </p:sp>
       <p:sp>
         <p:nvSpPr>
-          <p:cNvPr id="14" name="Oval 13"/>
+          <p:cNvPr id="15" name="Oval 14"/>
           <p:cNvSpPr/>
           <p:nvPr/>
         </p:nvSpPr>
         <p:spPr>
           <a:xfrm>
-            <a:off x="2207748" y="3640073"/>
-            <a:ext cx="2094464" cy="1909075"/>
+            <a:off x="2249969" y="3636543"/>
+            <a:ext cx="1926973" cy="1794006"/>
           </a:xfrm>
           <a:prstGeom prst="ellipse">
             <a:avLst/>
@@ -3207,49 +3169,7 @@
           <a:solidFill>
             <a:schemeClr val="bg1"/>
           </a:solidFill>
-        </p:spPr>
-        <p:style>
-          <a:lnRef idx="2">
-            <a:schemeClr val="accent1">
-              <a:shade val="50000"/>
-            </a:schemeClr>
-          </a:lnRef>
-          <a:fillRef idx="1">
-            <a:schemeClr val="accent1"/>
-          </a:fillRef>
-          <a:effectRef idx="0">
-            <a:schemeClr val="accent1"/>
-          </a:effectRef>
-          <a:fontRef idx="minor">
-            <a:schemeClr val="lt1"/>
-          </a:fontRef>
-        </p:style>
-        <p:txBody>
-          <a:bodyPr rtlCol="0" anchor="ctr"/>
-          <a:lstStyle/>
-          <a:p>
-            <a:pPr algn="ctr"/>
-            <a:endParaRPr lang="en-US"/>
-          </a:p>
-        </p:txBody>
-      </p:sp>
-      <p:sp>
-        <p:nvSpPr>
-          <p:cNvPr id="15" name="Oval 14"/>
-          <p:cNvSpPr/>
-          <p:nvPr/>
-        </p:nvSpPr>
-        <p:spPr>
-          <a:xfrm>
-            <a:off x="2278798" y="3816557"/>
-            <a:ext cx="1952364" cy="1681141"/>
-          </a:xfrm>
-          <a:prstGeom prst="ellipse">
-            <a:avLst/>
-          </a:prstGeom>
-          <a:solidFill>
-            <a:schemeClr val="bg1"/>
-          </a:solidFill>
+          <a:ln w="57150" cmpd="dbl"/>
         </p:spPr>
         <p:style>
           <a:lnRef idx="2">
@@ -3332,6 +3252,7 @@
           <a:solidFill>
             <a:schemeClr val="bg1"/>
           </a:solidFill>
+          <a:ln w="31750"/>
         </p:spPr>
         <p:style>
           <a:lnRef idx="2">
@@ -3400,7 +3321,7 @@
           <a:prstGeom prst="straightConnector1">
             <a:avLst/>
           </a:prstGeom>
-          <a:ln>
+          <a:ln w="19050">
             <a:tailEnd type="triangle"/>
           </a:ln>
         </p:spPr>
@@ -3466,7 +3387,7 @@
           <a:prstGeom prst="straightConnector1">
             <a:avLst/>
           </a:prstGeom>
-          <a:ln>
+          <a:ln w="19050">
             <a:solidFill>
               <a:srgbClr val="FF0000"/>
             </a:solidFill>
@@ -3496,7 +3417,7 @@
         </p:nvSpPr>
         <p:spPr>
           <a:xfrm>
-            <a:off x="469557" y="5826687"/>
+            <a:off x="437276" y="5700108"/>
             <a:ext cx="2785423" cy="889687"/>
           </a:xfrm>
           <a:prstGeom prst="rect">
@@ -3505,6 +3426,7 @@
           <a:solidFill>
             <a:schemeClr val="bg1"/>
           </a:solidFill>
+          <a:ln w="31750"/>
         </p:spPr>
         <p:style>
           <a:lnRef idx="2">
@@ -3594,13 +3516,13 @@
         </p:nvCxnSpPr>
         <p:spPr>
           <a:xfrm flipH="1" flipV="1">
-            <a:off x="1736646" y="3730518"/>
-            <a:ext cx="542152" cy="1969590"/>
+            <a:off x="1548936" y="3726501"/>
+            <a:ext cx="729862" cy="1973607"/>
           </a:xfrm>
           <a:prstGeom prst="straightConnector1">
             <a:avLst/>
           </a:prstGeom>
-          <a:ln>
+          <a:ln w="19050">
             <a:solidFill>
               <a:srgbClr val="FF0000"/>
             </a:solidFill>
@@ -3636,7 +3558,7 @@
           <a:prstGeom prst="line">
             <a:avLst/>
           </a:prstGeom>
-          <a:ln>
+          <a:ln w="19050">
             <a:solidFill>
               <a:srgbClr val="FF0000"/>
             </a:solidFill>
@@ -3671,7 +3593,7 @@
           <a:prstGeom prst="line">
             <a:avLst/>
           </a:prstGeom>
-          <a:ln>
+          <a:ln w="19050">
             <a:solidFill>
               <a:srgbClr val="FF0000"/>
             </a:solidFill>
@@ -3702,6 +3624,525 @@
           <a:xfrm>
             <a:off x="1941562" y="545223"/>
             <a:ext cx="2192297" cy="312031"/>
+          </a:xfrm>
+          <a:prstGeom prst="rect">
+            <a:avLst/>
+          </a:prstGeom>
+          <a:noFill/>
+          <a:ln>
+            <a:noFill/>
+          </a:ln>
+        </p:spPr>
+        <p:style>
+          <a:lnRef idx="2">
+            <a:schemeClr val="accent1">
+              <a:shade val="50000"/>
+            </a:schemeClr>
+          </a:lnRef>
+          <a:fillRef idx="1">
+            <a:schemeClr val="accent1"/>
+          </a:fillRef>
+          <a:effectRef idx="0">
+            <a:schemeClr val="accent1"/>
+          </a:effectRef>
+          <a:fontRef idx="minor">
+            <a:schemeClr val="lt1"/>
+          </a:fontRef>
+        </p:style>
+        <p:txBody>
+          <a:bodyPr rtlCol="0" anchor="ctr"/>
+          <a:lstStyle/>
+          <a:p>
+            <a:pPr algn="ctr"/>
+            <a:r>
+              <a:rPr lang="en-US" dirty="0" err="1" smtClean="0">
+                <a:solidFill>
+                  <a:schemeClr val="tx1"/>
+                </a:solidFill>
+              </a:rPr>
+              <a:t>int</a:t>
+            </a:r>
+            <a:r>
+              <a:rPr lang="en-US" dirty="0" smtClean="0">
+                <a:solidFill>
+                  <a:schemeClr val="tx1"/>
+                </a:solidFill>
+              </a:rPr>
+              <a:t> DEFAULT_WIDTH</a:t>
+            </a:r>
+            <a:endParaRPr lang="en-US" dirty="0">
+              <a:solidFill>
+                <a:schemeClr val="tx1"/>
+              </a:solidFill>
+            </a:endParaRPr>
+          </a:p>
+        </p:txBody>
+      </p:sp>
+      <p:sp>
+        <p:nvSpPr>
+          <p:cNvPr id="37" name="Rectangle 36"/>
+          <p:cNvSpPr/>
+          <p:nvPr/>
+        </p:nvSpPr>
+        <p:spPr>
+          <a:xfrm>
+            <a:off x="2278798" y="844825"/>
+            <a:ext cx="2231418" cy="315572"/>
+          </a:xfrm>
+          <a:prstGeom prst="rect">
+            <a:avLst/>
+          </a:prstGeom>
+          <a:noFill/>
+          <a:ln>
+            <a:noFill/>
+          </a:ln>
+        </p:spPr>
+        <p:style>
+          <a:lnRef idx="2">
+            <a:schemeClr val="accent1">
+              <a:shade val="50000"/>
+            </a:schemeClr>
+          </a:lnRef>
+          <a:fillRef idx="1">
+            <a:schemeClr val="accent1"/>
+          </a:fillRef>
+          <a:effectRef idx="0">
+            <a:schemeClr val="accent1"/>
+          </a:effectRef>
+          <a:fontRef idx="minor">
+            <a:schemeClr val="lt1"/>
+          </a:fontRef>
+        </p:style>
+        <p:txBody>
+          <a:bodyPr rtlCol="0" anchor="ctr"/>
+          <a:lstStyle/>
+          <a:p>
+            <a:pPr algn="ctr"/>
+            <a:r>
+              <a:rPr lang="en-US" dirty="0" err="1" smtClean="0">
+                <a:solidFill>
+                  <a:schemeClr val="tx1"/>
+                </a:solidFill>
+              </a:rPr>
+              <a:t>int</a:t>
+            </a:r>
+            <a:r>
+              <a:rPr lang="en-US" dirty="0" smtClean="0">
+                <a:solidFill>
+                  <a:schemeClr val="tx1"/>
+                </a:solidFill>
+              </a:rPr>
+              <a:t> DEFAULT_HEIGHT</a:t>
+            </a:r>
+            <a:endParaRPr lang="en-US" dirty="0">
+              <a:solidFill>
+                <a:schemeClr val="tx1"/>
+              </a:solidFill>
+            </a:endParaRPr>
+          </a:p>
+        </p:txBody>
+      </p:sp>
+      <p:sp>
+        <p:nvSpPr>
+          <p:cNvPr id="38" name="Rectangle 37"/>
+          <p:cNvSpPr/>
+          <p:nvPr/>
+        </p:nvSpPr>
+        <p:spPr>
+          <a:xfrm>
+            <a:off x="2644346" y="1160398"/>
+            <a:ext cx="2014151" cy="253314"/>
+          </a:xfrm>
+          <a:prstGeom prst="rect">
+            <a:avLst/>
+          </a:prstGeom>
+          <a:noFill/>
+          <a:ln>
+            <a:noFill/>
+          </a:ln>
+        </p:spPr>
+        <p:style>
+          <a:lnRef idx="2">
+            <a:schemeClr val="accent1">
+              <a:shade val="50000"/>
+            </a:schemeClr>
+          </a:lnRef>
+          <a:fillRef idx="1">
+            <a:schemeClr val="accent1"/>
+          </a:fillRef>
+          <a:effectRef idx="0">
+            <a:schemeClr val="accent1"/>
+          </a:effectRef>
+          <a:fontRef idx="minor">
+            <a:schemeClr val="lt1"/>
+          </a:fontRef>
+        </p:style>
+        <p:txBody>
+          <a:bodyPr rtlCol="0" anchor="ctr"/>
+          <a:lstStyle/>
+          <a:p>
+            <a:pPr algn="ctr"/>
+            <a:r>
+              <a:rPr lang="en-US" dirty="0" err="1" smtClean="0">
+                <a:solidFill>
+                  <a:schemeClr val="tx1"/>
+                </a:solidFill>
+              </a:rPr>
+              <a:t>int</a:t>
+            </a:r>
+            <a:r>
+              <a:rPr lang="en-US" dirty="0" smtClean="0">
+                <a:solidFill>
+                  <a:schemeClr val="tx1"/>
+                </a:solidFill>
+              </a:rPr>
+              <a:t> </a:t>
+            </a:r>
+            <a:r>
+              <a:rPr lang="en-US" dirty="0" err="1" smtClean="0">
+                <a:solidFill>
+                  <a:schemeClr val="tx1"/>
+                </a:solidFill>
+              </a:rPr>
+              <a:t>boardID</a:t>
+            </a:r>
+            <a:endParaRPr lang="en-US" dirty="0">
+              <a:solidFill>
+                <a:schemeClr val="tx1"/>
+              </a:solidFill>
+            </a:endParaRPr>
+          </a:p>
+        </p:txBody>
+      </p:sp>
+      <p:sp>
+        <p:nvSpPr>
+          <p:cNvPr id="39" name="Rectangle 38"/>
+          <p:cNvSpPr/>
+          <p:nvPr/>
+        </p:nvSpPr>
+        <p:spPr>
+          <a:xfrm>
+            <a:off x="3495810" y="1496363"/>
+            <a:ext cx="1344583" cy="384072"/>
+          </a:xfrm>
+          <a:prstGeom prst="rect">
+            <a:avLst/>
+          </a:prstGeom>
+          <a:noFill/>
+          <a:ln>
+            <a:noFill/>
+          </a:ln>
+        </p:spPr>
+        <p:style>
+          <a:lnRef idx="2">
+            <a:schemeClr val="accent1">
+              <a:shade val="50000"/>
+            </a:schemeClr>
+          </a:lnRef>
+          <a:fillRef idx="1">
+            <a:schemeClr val="accent1"/>
+          </a:fillRef>
+          <a:effectRef idx="0">
+            <a:schemeClr val="accent1"/>
+          </a:effectRef>
+          <a:fontRef idx="minor">
+            <a:schemeClr val="lt1"/>
+          </a:fontRef>
+        </p:style>
+        <p:txBody>
+          <a:bodyPr rtlCol="0" anchor="ctr"/>
+          <a:lstStyle/>
+          <a:p>
+            <a:pPr algn="ctr"/>
+            <a:r>
+              <a:rPr lang="en-US" dirty="0" err="1">
+                <a:solidFill>
+                  <a:schemeClr val="tx1"/>
+                </a:solidFill>
+              </a:rPr>
+              <a:t>i</a:t>
+            </a:r>
+            <a:r>
+              <a:rPr lang="en-US" dirty="0" err="1" smtClean="0">
+                <a:solidFill>
+                  <a:schemeClr val="tx1"/>
+                </a:solidFill>
+              </a:rPr>
+              <a:t>nt</a:t>
+            </a:r>
+            <a:r>
+              <a:rPr lang="en-US" dirty="0" smtClean="0">
+                <a:solidFill>
+                  <a:schemeClr val="tx1"/>
+                </a:solidFill>
+              </a:rPr>
+              <a:t> height</a:t>
+            </a:r>
+          </a:p>
+          <a:p>
+            <a:pPr algn="ctr"/>
+            <a:r>
+              <a:rPr lang="en-US" dirty="0" err="1" smtClean="0">
+                <a:solidFill>
+                  <a:schemeClr val="tx1"/>
+                </a:solidFill>
+              </a:rPr>
+              <a:t>int</a:t>
+            </a:r>
+            <a:r>
+              <a:rPr lang="en-US" dirty="0" smtClean="0">
+                <a:solidFill>
+                  <a:schemeClr val="tx1"/>
+                </a:solidFill>
+              </a:rPr>
+              <a:t> width</a:t>
+            </a:r>
+          </a:p>
+        </p:txBody>
+      </p:sp>
+      <p:sp>
+        <p:nvSpPr>
+          <p:cNvPr id="40" name="Rectangle 39"/>
+          <p:cNvSpPr/>
+          <p:nvPr/>
+        </p:nvSpPr>
+        <p:spPr>
+          <a:xfrm>
+            <a:off x="2409568" y="2110554"/>
+            <a:ext cx="2248929" cy="539090"/>
+          </a:xfrm>
+          <a:prstGeom prst="rect">
+            <a:avLst/>
+          </a:prstGeom>
+          <a:noFill/>
+          <a:ln>
+            <a:noFill/>
+          </a:ln>
+        </p:spPr>
+        <p:style>
+          <a:lnRef idx="2">
+            <a:schemeClr val="accent1">
+              <a:shade val="50000"/>
+            </a:schemeClr>
+          </a:lnRef>
+          <a:fillRef idx="1">
+            <a:schemeClr val="accent1"/>
+          </a:fillRef>
+          <a:effectRef idx="0">
+            <a:schemeClr val="accent1"/>
+          </a:effectRef>
+          <a:fontRef idx="minor">
+            <a:schemeClr val="lt1"/>
+          </a:fontRef>
+        </p:style>
+        <p:txBody>
+          <a:bodyPr rtlCol="0" anchor="ctr"/>
+          <a:lstStyle/>
+          <a:p>
+            <a:pPr algn="ctr"/>
+            <a:r>
+              <a:rPr lang="en-US" dirty="0" smtClean="0">
+                <a:solidFill>
+                  <a:schemeClr val="tx1"/>
+                </a:solidFill>
+              </a:rPr>
+              <a:t>List&lt;Line&gt; </a:t>
+            </a:r>
+            <a:r>
+              <a:rPr lang="en-US" dirty="0" err="1" smtClean="0">
+                <a:solidFill>
+                  <a:schemeClr val="tx1"/>
+                </a:solidFill>
+              </a:rPr>
+              <a:t>drawnLines</a:t>
+            </a:r>
+            <a:endParaRPr lang="en-US" dirty="0">
+              <a:solidFill>
+                <a:schemeClr val="tx1"/>
+              </a:solidFill>
+            </a:endParaRPr>
+          </a:p>
+        </p:txBody>
+      </p:sp>
+      <p:cxnSp>
+        <p:nvCxnSpPr>
+          <p:cNvPr id="44" name="Straight Arrow Connector 43"/>
+          <p:cNvCxnSpPr>
+            <a:stCxn id="36" idx="3"/>
+          </p:cNvCxnSpPr>
+          <p:nvPr/>
+        </p:nvCxnSpPr>
+        <p:spPr>
+          <a:xfrm flipV="1">
+            <a:off x="4133859" y="273729"/>
+            <a:ext cx="1562606" cy="427510"/>
+          </a:xfrm>
+          <a:prstGeom prst="straightConnector1">
+            <a:avLst/>
+          </a:prstGeom>
+          <a:ln w="19050">
+            <a:tailEnd type="triangle"/>
+          </a:ln>
+        </p:spPr>
+        <p:style>
+          <a:lnRef idx="1">
+            <a:schemeClr val="accent1"/>
+          </a:lnRef>
+          <a:fillRef idx="0">
+            <a:schemeClr val="accent1"/>
+          </a:fillRef>
+          <a:effectRef idx="0">
+            <a:schemeClr val="accent1"/>
+          </a:effectRef>
+          <a:fontRef idx="minor">
+            <a:schemeClr val="tx1"/>
+          </a:fontRef>
+        </p:style>
+      </p:cxnSp>
+      <p:cxnSp>
+        <p:nvCxnSpPr>
+          <p:cNvPr id="46" name="Straight Arrow Connector 45"/>
+          <p:cNvCxnSpPr>
+            <a:stCxn id="37" idx="3"/>
+          </p:cNvCxnSpPr>
+          <p:nvPr/>
+        </p:nvCxnSpPr>
+        <p:spPr>
+          <a:xfrm flipV="1">
+            <a:off x="4510216" y="791084"/>
+            <a:ext cx="1249068" cy="211527"/>
+          </a:xfrm>
+          <a:prstGeom prst="straightConnector1">
+            <a:avLst/>
+          </a:prstGeom>
+          <a:ln w="19050">
+            <a:tailEnd type="triangle"/>
+          </a:ln>
+        </p:spPr>
+        <p:style>
+          <a:lnRef idx="1">
+            <a:schemeClr val="accent1"/>
+          </a:lnRef>
+          <a:fillRef idx="0">
+            <a:schemeClr val="accent1"/>
+          </a:fillRef>
+          <a:effectRef idx="0">
+            <a:schemeClr val="accent1"/>
+          </a:effectRef>
+          <a:fontRef idx="minor">
+            <a:schemeClr val="tx1"/>
+          </a:fontRef>
+        </p:style>
+      </p:cxnSp>
+      <p:cxnSp>
+        <p:nvCxnSpPr>
+          <p:cNvPr id="48" name="Straight Arrow Connector 47"/>
+          <p:cNvCxnSpPr/>
+          <p:nvPr/>
+        </p:nvCxnSpPr>
+        <p:spPr>
+          <a:xfrm flipV="1">
+            <a:off x="4471095" y="1214138"/>
+            <a:ext cx="1307748" cy="72838"/>
+          </a:xfrm>
+          <a:prstGeom prst="straightConnector1">
+            <a:avLst/>
+          </a:prstGeom>
+          <a:ln w="19050">
+            <a:tailEnd type="triangle"/>
+          </a:ln>
+        </p:spPr>
+        <p:style>
+          <a:lnRef idx="1">
+            <a:schemeClr val="accent1"/>
+          </a:lnRef>
+          <a:fillRef idx="0">
+            <a:schemeClr val="accent1"/>
+          </a:fillRef>
+          <a:effectRef idx="0">
+            <a:schemeClr val="accent1"/>
+          </a:effectRef>
+          <a:fontRef idx="minor">
+            <a:schemeClr val="tx1"/>
+          </a:fontRef>
+        </p:style>
+      </p:cxnSp>
+      <p:cxnSp>
+        <p:nvCxnSpPr>
+          <p:cNvPr id="56" name="Straight Arrow Connector 55"/>
+          <p:cNvCxnSpPr/>
+          <p:nvPr/>
+        </p:nvCxnSpPr>
+        <p:spPr>
+          <a:xfrm>
+            <a:off x="4696602" y="1533464"/>
+            <a:ext cx="1082241" cy="121581"/>
+          </a:xfrm>
+          <a:prstGeom prst="straightConnector1">
+            <a:avLst/>
+          </a:prstGeom>
+          <a:ln w="19050">
+            <a:tailEnd type="triangle"/>
+          </a:ln>
+        </p:spPr>
+        <p:style>
+          <a:lnRef idx="1">
+            <a:schemeClr val="accent1"/>
+          </a:lnRef>
+          <a:fillRef idx="0">
+            <a:schemeClr val="accent1"/>
+          </a:fillRef>
+          <a:effectRef idx="0">
+            <a:schemeClr val="accent1"/>
+          </a:effectRef>
+          <a:fontRef idx="minor">
+            <a:schemeClr val="tx1"/>
+          </a:fontRef>
+        </p:style>
+      </p:cxnSp>
+      <p:cxnSp>
+        <p:nvCxnSpPr>
+          <p:cNvPr id="58" name="Straight Arrow Connector 57"/>
+          <p:cNvCxnSpPr/>
+          <p:nvPr/>
+        </p:nvCxnSpPr>
+        <p:spPr>
+          <a:xfrm>
+            <a:off x="4658497" y="1855863"/>
+            <a:ext cx="1120346" cy="241283"/>
+          </a:xfrm>
+          <a:prstGeom prst="straightConnector1">
+            <a:avLst/>
+          </a:prstGeom>
+          <a:ln w="19050">
+            <a:tailEnd type="triangle"/>
+          </a:ln>
+        </p:spPr>
+        <p:style>
+          <a:lnRef idx="1">
+            <a:schemeClr val="accent1"/>
+          </a:lnRef>
+          <a:fillRef idx="0">
+            <a:schemeClr val="accent1"/>
+          </a:fillRef>
+          <a:effectRef idx="0">
+            <a:schemeClr val="accent1"/>
+          </a:effectRef>
+          <a:fontRef idx="minor">
+            <a:schemeClr val="tx1"/>
+          </a:fontRef>
+        </p:style>
+      </p:cxnSp>
+      <p:sp>
+        <p:nvSpPr>
+          <p:cNvPr id="61" name="Rectangle 60"/>
+          <p:cNvSpPr/>
+          <p:nvPr/>
+        </p:nvSpPr>
+        <p:spPr>
+          <a:xfrm>
+            <a:off x="5778843" y="86752"/>
+            <a:ext cx="696098" cy="400732"/>
           </a:xfrm>
           <a:prstGeom prst="rect">
             <a:avLst/>
@@ -3737,20 +4178,12 @@
           <a:p>
             <a:pPr algn="ctr"/>
             <a:r>
-              <a:rPr lang="en-US" dirty="0" err="1" smtClean="0">
-                <a:solidFill>
-                  <a:schemeClr val="tx1"/>
-                </a:solidFill>
-              </a:rPr>
-              <a:t>int</a:t>
-            </a:r>
-            <a:r>
               <a:rPr lang="en-US" dirty="0" smtClean="0">
                 <a:solidFill>
                   <a:schemeClr val="tx1"/>
                 </a:solidFill>
               </a:rPr>
-              <a:t> DEFAULT_WIDTH</a:t>
+              <a:t>600</a:t>
             </a:r>
             <a:endParaRPr lang="en-US" dirty="0">
               <a:solidFill>
@@ -3762,14 +4195,14 @@
       </p:sp>
       <p:sp>
         <p:nvSpPr>
-          <p:cNvPr id="37" name="Rectangle 36"/>
+          <p:cNvPr id="62" name="Rectangle 61"/>
           <p:cNvSpPr/>
           <p:nvPr/>
         </p:nvSpPr>
         <p:spPr>
           <a:xfrm>
-            <a:off x="2278798" y="844825"/>
-            <a:ext cx="2231418" cy="315572"/>
+            <a:off x="5799201" y="1910188"/>
+            <a:ext cx="696098" cy="400732"/>
           </a:xfrm>
           <a:prstGeom prst="rect">
             <a:avLst/>
@@ -3805,20 +4238,12 @@
           <a:p>
             <a:pPr algn="ctr"/>
             <a:r>
-              <a:rPr lang="en-US" dirty="0" err="1" smtClean="0">
-                <a:solidFill>
-                  <a:schemeClr val="tx1"/>
-                </a:solidFill>
-              </a:rPr>
-              <a:t>int</a:t>
-            </a:r>
-            <a:r>
               <a:rPr lang="en-US" dirty="0" smtClean="0">
                 <a:solidFill>
                   <a:schemeClr val="tx1"/>
                 </a:solidFill>
               </a:rPr>
-              <a:t> DEFAULT_HEIGHT</a:t>
+              <a:t>500</a:t>
             </a:r>
             <a:endParaRPr lang="en-US" dirty="0">
               <a:solidFill>
@@ -3830,14 +4255,14 @@
       </p:sp>
       <p:sp>
         <p:nvSpPr>
-          <p:cNvPr id="38" name="Rectangle 37"/>
+          <p:cNvPr id="63" name="Rectangle 62"/>
           <p:cNvSpPr/>
           <p:nvPr/>
         </p:nvSpPr>
         <p:spPr>
           <a:xfrm>
-            <a:off x="2644346" y="1160398"/>
-            <a:ext cx="2014151" cy="253314"/>
+            <a:off x="5778843" y="572149"/>
+            <a:ext cx="696098" cy="400732"/>
           </a:xfrm>
           <a:prstGeom prst="rect">
             <a:avLst/>
@@ -3873,12 +4298,12 @@
           <a:p>
             <a:pPr algn="ctr"/>
             <a:r>
-              <a:rPr lang="en-US" dirty="0" err="1" smtClean="0">
-                <a:solidFill>
-                  <a:schemeClr val="tx1"/>
-                </a:solidFill>
-              </a:rPr>
-              <a:t>int</a:t>
+              <a:rPr lang="en-US" dirty="0">
+                <a:solidFill>
+                  <a:schemeClr val="tx1"/>
+                </a:solidFill>
+              </a:rPr>
+              <a:t>4</a:t>
             </a:r>
             <a:r>
               <a:rPr lang="en-US" dirty="0" smtClean="0">
@@ -3886,15 +4311,7 @@
                   <a:schemeClr val="tx1"/>
                 </a:solidFill>
               </a:rPr>
-              <a:t> </a:t>
-            </a:r>
-            <a:r>
-              <a:rPr lang="en-US" dirty="0" err="1" smtClean="0">
-                <a:solidFill>
-                  <a:schemeClr val="tx1"/>
-                </a:solidFill>
-              </a:rPr>
-              <a:t>boardID</a:t>
+              <a:t>00</a:t>
             </a:r>
             <a:endParaRPr lang="en-US" dirty="0">
               <a:solidFill>
@@ -3906,14 +4323,14 @@
       </p:sp>
       <p:sp>
         <p:nvSpPr>
-          <p:cNvPr id="39" name="Rectangle 38"/>
+          <p:cNvPr id="64" name="Rectangle 63"/>
           <p:cNvSpPr/>
           <p:nvPr/>
         </p:nvSpPr>
         <p:spPr>
           <a:xfrm>
-            <a:off x="3495810" y="1496363"/>
-            <a:ext cx="1344583" cy="384072"/>
+            <a:off x="5765586" y="1032757"/>
+            <a:ext cx="696098" cy="400732"/>
           </a:xfrm>
           <a:prstGeom prst="rect">
             <a:avLst/>
@@ -3949,61 +4366,26 @@
           <a:p>
             <a:pPr algn="ctr"/>
             <a:r>
-              <a:rPr lang="en-US" dirty="0" err="1">
-                <a:solidFill>
-                  <a:schemeClr val="tx1"/>
-                </a:solidFill>
-              </a:rPr>
-              <a:t>i</a:t>
-            </a:r>
-            <a:r>
-              <a:rPr lang="en-US" dirty="0" err="1" smtClean="0">
-                <a:solidFill>
-                  <a:schemeClr val="tx1"/>
-                </a:solidFill>
-              </a:rPr>
-              <a:t>nt</a:t>
-            </a:r>
-            <a:r>
-              <a:rPr lang="en-US" dirty="0" smtClean="0">
-                <a:solidFill>
-                  <a:schemeClr val="tx1"/>
-                </a:solidFill>
-              </a:rPr>
-              <a:t> height</a:t>
-            </a:r>
-          </a:p>
-          <a:p>
-            <a:pPr algn="ctr"/>
-            <a:r>
-              <a:rPr lang="en-US" dirty="0" err="1" smtClean="0">
-                <a:solidFill>
-                  <a:schemeClr val="tx1"/>
-                </a:solidFill>
-              </a:rPr>
-              <a:t>int</a:t>
-            </a:r>
-            <a:r>
-              <a:rPr lang="en-US" dirty="0" smtClean="0">
-                <a:solidFill>
-                  <a:schemeClr val="tx1"/>
-                </a:solidFill>
-              </a:rPr>
-              <a:t> width</a:t>
-            </a:r>
-          </a:p>
-        </p:txBody>
-      </p:sp>
-      <p:sp>
-        <p:nvSpPr>
-          <p:cNvPr id="40" name="Rectangle 39"/>
+              <a:rPr lang="en-US" dirty="0">
+                <a:solidFill>
+                  <a:schemeClr val="tx1"/>
+                </a:solidFill>
+              </a:rPr>
+              <a:t>7</a:t>
+            </a:r>
+          </a:p>
+        </p:txBody>
+      </p:sp>
+      <p:sp>
+        <p:nvSpPr>
+          <p:cNvPr id="65" name="Rectangle 64"/>
           <p:cNvSpPr/>
           <p:nvPr/>
         </p:nvSpPr>
         <p:spPr>
           <a:xfrm>
-            <a:off x="2409568" y="2110554"/>
-            <a:ext cx="2248929" cy="539090"/>
+            <a:off x="5799201" y="1482526"/>
+            <a:ext cx="696098" cy="400732"/>
           </a:xfrm>
           <a:prstGeom prst="rect">
             <a:avLst/>
@@ -4039,20 +4421,20 @@
           <a:p>
             <a:pPr algn="ctr"/>
             <a:r>
+              <a:rPr lang="en-US" dirty="0">
+                <a:solidFill>
+                  <a:schemeClr val="tx1"/>
+                </a:solidFill>
+              </a:rPr>
+              <a:t>7</a:t>
+            </a:r>
+            <a:r>
               <a:rPr lang="en-US" dirty="0" smtClean="0">
                 <a:solidFill>
                   <a:schemeClr val="tx1"/>
                 </a:solidFill>
               </a:rPr>
-              <a:t>List&lt;Line&gt; </a:t>
-            </a:r>
-            <a:r>
-              <a:rPr lang="en-US" dirty="0" err="1" smtClean="0">
-                <a:solidFill>
-                  <a:schemeClr val="tx1"/>
-                </a:solidFill>
-              </a:rPr>
-              <a:t>drawnLines</a:t>
+              <a:t>00</a:t>
             </a:r>
             <a:endParaRPr lang="en-US" dirty="0">
               <a:solidFill>
@@ -4062,18 +4444,1000 @@
           </a:p>
         </p:txBody>
       </p:sp>
+      <p:sp>
+        <p:nvSpPr>
+          <p:cNvPr id="67" name="Rectangle 66"/>
+          <p:cNvSpPr/>
+          <p:nvPr/>
+        </p:nvSpPr>
+        <p:spPr>
+          <a:xfrm>
+            <a:off x="6973330" y="293961"/>
+            <a:ext cx="2224217" cy="400732"/>
+          </a:xfrm>
+          <a:prstGeom prst="rect">
+            <a:avLst/>
+          </a:prstGeom>
+          <a:solidFill>
+            <a:schemeClr val="bg1"/>
+          </a:solidFill>
+          <a:ln w="31750">
+            <a:solidFill>
+              <a:schemeClr val="accent1"/>
+            </a:solidFill>
+          </a:ln>
+        </p:spPr>
+        <p:style>
+          <a:lnRef idx="2">
+            <a:schemeClr val="accent1">
+              <a:shade val="50000"/>
+            </a:schemeClr>
+          </a:lnRef>
+          <a:fillRef idx="1">
+            <a:schemeClr val="accent1"/>
+          </a:fillRef>
+          <a:effectRef idx="0">
+            <a:schemeClr val="accent1"/>
+          </a:effectRef>
+          <a:fontRef idx="minor">
+            <a:schemeClr val="lt1"/>
+          </a:fontRef>
+        </p:style>
+        <p:txBody>
+          <a:bodyPr rtlCol="0" anchor="ctr"/>
+          <a:lstStyle/>
+          <a:p>
+            <a:pPr algn="ctr"/>
+            <a:r>
+              <a:rPr lang="en-US" dirty="0" err="1">
+                <a:solidFill>
+                  <a:schemeClr val="tx1"/>
+                </a:solidFill>
+              </a:rPr>
+              <a:t>i</a:t>
+            </a:r>
+            <a:r>
+              <a:rPr lang="en-US" dirty="0" err="1" smtClean="0">
+                <a:solidFill>
+                  <a:schemeClr val="tx1"/>
+                </a:solidFill>
+              </a:rPr>
+              <a:t>nt</a:t>
+            </a:r>
+            <a:r>
+              <a:rPr lang="en-US" dirty="0" smtClean="0">
+                <a:solidFill>
+                  <a:schemeClr val="tx1"/>
+                </a:solidFill>
+              </a:rPr>
+              <a:t> </a:t>
+            </a:r>
+            <a:r>
+              <a:rPr lang="en-US" dirty="0" err="1" smtClean="0">
+                <a:solidFill>
+                  <a:schemeClr val="tx1"/>
+                </a:solidFill>
+              </a:rPr>
+              <a:t>getBoardID</a:t>
+            </a:r>
+            <a:r>
+              <a:rPr lang="en-US" dirty="0" smtClean="0">
+                <a:solidFill>
+                  <a:schemeClr val="tx1"/>
+                </a:solidFill>
+              </a:rPr>
+              <a:t>()</a:t>
+            </a:r>
+            <a:endParaRPr lang="en-US" dirty="0">
+              <a:solidFill>
+                <a:schemeClr val="tx1"/>
+              </a:solidFill>
+            </a:endParaRPr>
+          </a:p>
+        </p:txBody>
+      </p:sp>
+      <p:sp>
+        <p:nvSpPr>
+          <p:cNvPr id="68" name="Rectangle 67"/>
+          <p:cNvSpPr/>
+          <p:nvPr/>
+        </p:nvSpPr>
+        <p:spPr>
+          <a:xfrm>
+            <a:off x="7196787" y="1086610"/>
+            <a:ext cx="2224217" cy="400732"/>
+          </a:xfrm>
+          <a:prstGeom prst="rect">
+            <a:avLst/>
+          </a:prstGeom>
+          <a:solidFill>
+            <a:schemeClr val="bg1"/>
+          </a:solidFill>
+          <a:ln w="31750">
+            <a:solidFill>
+              <a:schemeClr val="accent1"/>
+            </a:solidFill>
+          </a:ln>
+        </p:spPr>
+        <p:style>
+          <a:lnRef idx="2">
+            <a:schemeClr val="accent1">
+              <a:shade val="50000"/>
+            </a:schemeClr>
+          </a:lnRef>
+          <a:fillRef idx="1">
+            <a:schemeClr val="accent1"/>
+          </a:fillRef>
+          <a:effectRef idx="0">
+            <a:schemeClr val="accent1"/>
+          </a:effectRef>
+          <a:fontRef idx="minor">
+            <a:schemeClr val="lt1"/>
+          </a:fontRef>
+        </p:style>
+        <p:txBody>
+          <a:bodyPr rtlCol="0" anchor="ctr"/>
+          <a:lstStyle/>
+          <a:p>
+            <a:pPr algn="ctr"/>
+            <a:r>
+              <a:rPr lang="en-US" dirty="0" err="1">
+                <a:solidFill>
+                  <a:schemeClr val="tx1"/>
+                </a:solidFill>
+              </a:rPr>
+              <a:t>i</a:t>
+            </a:r>
+            <a:r>
+              <a:rPr lang="en-US" dirty="0" err="1" smtClean="0">
+                <a:solidFill>
+                  <a:schemeClr val="tx1"/>
+                </a:solidFill>
+              </a:rPr>
+              <a:t>nt</a:t>
+            </a:r>
+            <a:r>
+              <a:rPr lang="en-US" dirty="0" smtClean="0">
+                <a:solidFill>
+                  <a:schemeClr val="tx1"/>
+                </a:solidFill>
+              </a:rPr>
+              <a:t> </a:t>
+            </a:r>
+            <a:r>
+              <a:rPr lang="en-US" dirty="0" err="1" smtClean="0">
+                <a:solidFill>
+                  <a:schemeClr val="tx1"/>
+                </a:solidFill>
+              </a:rPr>
+              <a:t>getHeight</a:t>
+            </a:r>
+            <a:r>
+              <a:rPr lang="en-US" dirty="0" smtClean="0">
+                <a:solidFill>
+                  <a:schemeClr val="tx1"/>
+                </a:solidFill>
+              </a:rPr>
+              <a:t>()</a:t>
+            </a:r>
+            <a:endParaRPr lang="en-US" dirty="0">
+              <a:solidFill>
+                <a:schemeClr val="tx1"/>
+              </a:solidFill>
+            </a:endParaRPr>
+          </a:p>
+        </p:txBody>
+      </p:sp>
+      <p:sp>
+        <p:nvSpPr>
+          <p:cNvPr id="69" name="Rectangle 68"/>
+          <p:cNvSpPr/>
+          <p:nvPr/>
+        </p:nvSpPr>
+        <p:spPr>
+          <a:xfrm>
+            <a:off x="7086494" y="1631752"/>
+            <a:ext cx="2224217" cy="400732"/>
+          </a:xfrm>
+          <a:prstGeom prst="rect">
+            <a:avLst/>
+          </a:prstGeom>
+          <a:solidFill>
+            <a:schemeClr val="bg1"/>
+          </a:solidFill>
+          <a:ln w="31750">
+            <a:solidFill>
+              <a:schemeClr val="accent1"/>
+            </a:solidFill>
+          </a:ln>
+        </p:spPr>
+        <p:style>
+          <a:lnRef idx="2">
+            <a:schemeClr val="accent1">
+              <a:shade val="50000"/>
+            </a:schemeClr>
+          </a:lnRef>
+          <a:fillRef idx="1">
+            <a:schemeClr val="accent1"/>
+          </a:fillRef>
+          <a:effectRef idx="0">
+            <a:schemeClr val="accent1"/>
+          </a:effectRef>
+          <a:fontRef idx="minor">
+            <a:schemeClr val="lt1"/>
+          </a:fontRef>
+        </p:style>
+        <p:txBody>
+          <a:bodyPr rtlCol="0" anchor="ctr"/>
+          <a:lstStyle/>
+          <a:p>
+            <a:pPr algn="ctr"/>
+            <a:r>
+              <a:rPr lang="en-US" dirty="0" err="1">
+                <a:solidFill>
+                  <a:schemeClr val="tx1"/>
+                </a:solidFill>
+              </a:rPr>
+              <a:t>i</a:t>
+            </a:r>
+            <a:r>
+              <a:rPr lang="en-US" dirty="0" err="1" smtClean="0">
+                <a:solidFill>
+                  <a:schemeClr val="tx1"/>
+                </a:solidFill>
+              </a:rPr>
+              <a:t>nt</a:t>
+            </a:r>
+            <a:r>
+              <a:rPr lang="en-US" dirty="0" smtClean="0">
+                <a:solidFill>
+                  <a:schemeClr val="tx1"/>
+                </a:solidFill>
+              </a:rPr>
+              <a:t> </a:t>
+            </a:r>
+            <a:r>
+              <a:rPr lang="en-US" dirty="0" err="1" smtClean="0">
+                <a:solidFill>
+                  <a:schemeClr val="tx1"/>
+                </a:solidFill>
+              </a:rPr>
+              <a:t>getWidth</a:t>
+            </a:r>
+            <a:r>
+              <a:rPr lang="en-US" dirty="0" smtClean="0">
+                <a:solidFill>
+                  <a:schemeClr val="tx1"/>
+                </a:solidFill>
+              </a:rPr>
+              <a:t>()</a:t>
+            </a:r>
+            <a:endParaRPr lang="en-US" dirty="0">
+              <a:solidFill>
+                <a:schemeClr val="tx1"/>
+              </a:solidFill>
+            </a:endParaRPr>
+          </a:p>
+        </p:txBody>
+      </p:sp>
       <p:cxnSp>
         <p:nvCxnSpPr>
-          <p:cNvPr id="44" name="Straight Arrow Connector 43"/>
+          <p:cNvPr id="71" name="Straight Arrow Connector 70"/>
           <p:cNvCxnSpPr>
-            <a:stCxn id="36" idx="3"/>
+            <a:stCxn id="67" idx="1"/>
           </p:cNvCxnSpPr>
           <p:nvPr/>
         </p:nvCxnSpPr>
         <p:spPr>
-          <a:xfrm flipV="1">
-            <a:off x="4133859" y="273729"/>
-            <a:ext cx="1562606" cy="427510"/>
+          <a:xfrm flipH="1">
+            <a:off x="6326156" y="494327"/>
+            <a:ext cx="647174" cy="656689"/>
+          </a:xfrm>
+          <a:prstGeom prst="straightConnector1">
+            <a:avLst/>
+          </a:prstGeom>
+          <a:ln w="19050">
+            <a:tailEnd type="triangle"/>
+          </a:ln>
+        </p:spPr>
+        <p:style>
+          <a:lnRef idx="1">
+            <a:schemeClr val="accent1"/>
+          </a:lnRef>
+          <a:fillRef idx="0">
+            <a:schemeClr val="accent1"/>
+          </a:fillRef>
+          <a:effectRef idx="0">
+            <a:schemeClr val="accent1"/>
+          </a:effectRef>
+          <a:fontRef idx="minor">
+            <a:schemeClr val="tx1"/>
+          </a:fontRef>
+        </p:style>
+      </p:cxnSp>
+      <p:cxnSp>
+        <p:nvCxnSpPr>
+          <p:cNvPr id="72" name="Straight Arrow Connector 71"/>
+          <p:cNvCxnSpPr/>
+          <p:nvPr/>
+        </p:nvCxnSpPr>
+        <p:spPr>
+          <a:xfrm flipH="1">
+            <a:off x="6441989" y="1280149"/>
+            <a:ext cx="676808" cy="288596"/>
+          </a:xfrm>
+          <a:prstGeom prst="straightConnector1">
+            <a:avLst/>
+          </a:prstGeom>
+          <a:ln w="19050">
+            <a:tailEnd type="triangle"/>
+          </a:ln>
+        </p:spPr>
+        <p:style>
+          <a:lnRef idx="1">
+            <a:schemeClr val="accent1"/>
+          </a:lnRef>
+          <a:fillRef idx="0">
+            <a:schemeClr val="accent1"/>
+          </a:fillRef>
+          <a:effectRef idx="0">
+            <a:schemeClr val="accent1"/>
+          </a:effectRef>
+          <a:fontRef idx="minor">
+            <a:schemeClr val="tx1"/>
+          </a:fontRef>
+        </p:style>
+      </p:cxnSp>
+      <p:cxnSp>
+        <p:nvCxnSpPr>
+          <p:cNvPr id="73" name="Straight Arrow Connector 72"/>
+          <p:cNvCxnSpPr>
+            <a:endCxn id="62" idx="3"/>
+          </p:cNvCxnSpPr>
+          <p:nvPr/>
+        </p:nvCxnSpPr>
+        <p:spPr>
+          <a:xfrm flipH="1">
+            <a:off x="6495299" y="1905695"/>
+            <a:ext cx="774260" cy="204859"/>
+          </a:xfrm>
+          <a:prstGeom prst="straightConnector1">
+            <a:avLst/>
+          </a:prstGeom>
+          <a:ln w="19050">
+            <a:tailEnd type="triangle"/>
+          </a:ln>
+        </p:spPr>
+        <p:style>
+          <a:lnRef idx="1">
+            <a:schemeClr val="accent1"/>
+          </a:lnRef>
+          <a:fillRef idx="0">
+            <a:schemeClr val="accent1"/>
+          </a:fillRef>
+          <a:effectRef idx="0">
+            <a:schemeClr val="accent1"/>
+          </a:effectRef>
+          <a:fontRef idx="minor">
+            <a:schemeClr val="tx1"/>
+          </a:fontRef>
+        </p:style>
+      </p:cxnSp>
+      <p:cxnSp>
+        <p:nvCxnSpPr>
+          <p:cNvPr id="77" name="Straight Connector 76"/>
+          <p:cNvCxnSpPr/>
+          <p:nvPr/>
+        </p:nvCxnSpPr>
+        <p:spPr>
+          <a:xfrm>
+            <a:off x="4908216" y="344230"/>
+            <a:ext cx="89324" cy="200366"/>
+          </a:xfrm>
+          <a:prstGeom prst="line">
+            <a:avLst/>
+          </a:prstGeom>
+          <a:ln w="19050"/>
+        </p:spPr>
+        <p:style>
+          <a:lnRef idx="1">
+            <a:schemeClr val="accent1"/>
+          </a:lnRef>
+          <a:fillRef idx="0">
+            <a:schemeClr val="accent1"/>
+          </a:fillRef>
+          <a:effectRef idx="0">
+            <a:schemeClr val="accent1"/>
+          </a:effectRef>
+          <a:fontRef idx="minor">
+            <a:schemeClr val="tx1"/>
+          </a:fontRef>
+        </p:style>
+      </p:cxnSp>
+      <p:cxnSp>
+        <p:nvCxnSpPr>
+          <p:cNvPr id="78" name="Straight Connector 77"/>
+          <p:cNvCxnSpPr/>
+          <p:nvPr/>
+        </p:nvCxnSpPr>
+        <p:spPr>
+          <a:xfrm>
+            <a:off x="5148009" y="1151117"/>
+            <a:ext cx="89324" cy="200366"/>
+          </a:xfrm>
+          <a:prstGeom prst="line">
+            <a:avLst/>
+          </a:prstGeom>
+          <a:ln w="19050"/>
+        </p:spPr>
+        <p:style>
+          <a:lnRef idx="1">
+            <a:schemeClr val="accent1"/>
+          </a:lnRef>
+          <a:fillRef idx="0">
+            <a:schemeClr val="accent1"/>
+          </a:fillRef>
+          <a:effectRef idx="0">
+            <a:schemeClr val="accent1"/>
+          </a:effectRef>
+          <a:fontRef idx="minor">
+            <a:schemeClr val="tx1"/>
+          </a:fontRef>
+        </p:style>
+      </p:cxnSp>
+      <p:cxnSp>
+        <p:nvCxnSpPr>
+          <p:cNvPr id="79" name="Straight Connector 78"/>
+          <p:cNvCxnSpPr/>
+          <p:nvPr/>
+        </p:nvCxnSpPr>
+        <p:spPr>
+          <a:xfrm>
+            <a:off x="5203486" y="1516728"/>
+            <a:ext cx="89324" cy="200366"/>
+          </a:xfrm>
+          <a:prstGeom prst="line">
+            <a:avLst/>
+          </a:prstGeom>
+          <a:ln w="19050"/>
+        </p:spPr>
+        <p:style>
+          <a:lnRef idx="1">
+            <a:schemeClr val="accent1"/>
+          </a:lnRef>
+          <a:fillRef idx="0">
+            <a:schemeClr val="accent1"/>
+          </a:fillRef>
+          <a:effectRef idx="0">
+            <a:schemeClr val="accent1"/>
+          </a:effectRef>
+          <a:fontRef idx="minor">
+            <a:schemeClr val="tx1"/>
+          </a:fontRef>
+        </p:style>
+      </p:cxnSp>
+      <p:cxnSp>
+        <p:nvCxnSpPr>
+          <p:cNvPr id="80" name="Straight Connector 79"/>
+          <p:cNvCxnSpPr/>
+          <p:nvPr/>
+        </p:nvCxnSpPr>
+        <p:spPr>
+          <a:xfrm>
+            <a:off x="5228728" y="1888005"/>
+            <a:ext cx="89324" cy="200366"/>
+          </a:xfrm>
+          <a:prstGeom prst="line">
+            <a:avLst/>
+          </a:prstGeom>
+          <a:ln w="19050"/>
+        </p:spPr>
+        <p:style>
+          <a:lnRef idx="1">
+            <a:schemeClr val="accent1"/>
+          </a:lnRef>
+          <a:fillRef idx="0">
+            <a:schemeClr val="accent1"/>
+          </a:fillRef>
+          <a:effectRef idx="0">
+            <a:schemeClr val="accent1"/>
+          </a:effectRef>
+          <a:fontRef idx="minor">
+            <a:schemeClr val="tx1"/>
+          </a:fontRef>
+        </p:style>
+      </p:cxnSp>
+      <p:cxnSp>
+        <p:nvCxnSpPr>
+          <p:cNvPr id="81" name="Straight Connector 80"/>
+          <p:cNvCxnSpPr/>
+          <p:nvPr/>
+        </p:nvCxnSpPr>
+        <p:spPr>
+          <a:xfrm>
+            <a:off x="5037583" y="791774"/>
+            <a:ext cx="87386" cy="209119"/>
+          </a:xfrm>
+          <a:prstGeom prst="line">
+            <a:avLst/>
+          </a:prstGeom>
+          <a:ln w="19050"/>
+        </p:spPr>
+        <p:style>
+          <a:lnRef idx="1">
+            <a:schemeClr val="accent1"/>
+          </a:lnRef>
+          <a:fillRef idx="0">
+            <a:schemeClr val="accent1"/>
+          </a:fillRef>
+          <a:effectRef idx="0">
+            <a:schemeClr val="accent1"/>
+          </a:effectRef>
+          <a:fontRef idx="minor">
+            <a:schemeClr val="tx1"/>
+          </a:fontRef>
+        </p:style>
+      </p:cxnSp>
+      <p:cxnSp>
+        <p:nvCxnSpPr>
+          <p:cNvPr id="84" name="Straight Arrow Connector 83"/>
+          <p:cNvCxnSpPr/>
+          <p:nvPr/>
+        </p:nvCxnSpPr>
+        <p:spPr>
+          <a:xfrm>
+            <a:off x="3522858" y="2597824"/>
+            <a:ext cx="1795181" cy="171572"/>
+          </a:xfrm>
+          <a:prstGeom prst="straightConnector1">
+            <a:avLst/>
+          </a:prstGeom>
+          <a:ln w="19050">
+            <a:tailEnd type="triangle"/>
+          </a:ln>
+        </p:spPr>
+        <p:style>
+          <a:lnRef idx="1">
+            <a:schemeClr val="accent1"/>
+          </a:lnRef>
+          <a:fillRef idx="0">
+            <a:schemeClr val="accent1"/>
+          </a:fillRef>
+          <a:effectRef idx="0">
+            <a:schemeClr val="accent1"/>
+          </a:effectRef>
+          <a:fontRef idx="minor">
+            <a:schemeClr val="tx1"/>
+          </a:fontRef>
+        </p:style>
+      </p:cxnSp>
+      <p:cxnSp>
+        <p:nvCxnSpPr>
+          <p:cNvPr id="86" name="Straight Connector 85"/>
+          <p:cNvCxnSpPr/>
+          <p:nvPr/>
+        </p:nvCxnSpPr>
+        <p:spPr>
+          <a:xfrm flipH="1">
+            <a:off x="4853003" y="2514389"/>
+            <a:ext cx="110426" cy="352534"/>
+          </a:xfrm>
+          <a:prstGeom prst="line">
+            <a:avLst/>
+          </a:prstGeom>
+          <a:ln w="19050"/>
+        </p:spPr>
+        <p:style>
+          <a:lnRef idx="1">
+            <a:schemeClr val="accent1"/>
+          </a:lnRef>
+          <a:fillRef idx="0">
+            <a:schemeClr val="accent1"/>
+          </a:fillRef>
+          <a:effectRef idx="0">
+            <a:schemeClr val="accent1"/>
+          </a:effectRef>
+          <a:fontRef idx="minor">
+            <a:schemeClr val="tx1"/>
+          </a:fontRef>
+        </p:style>
+      </p:cxnSp>
+      <p:sp>
+        <p:nvSpPr>
+          <p:cNvPr id="87" name="Rounded Rectangle 86"/>
+          <p:cNvSpPr/>
+          <p:nvPr/>
+        </p:nvSpPr>
+        <p:spPr>
+          <a:xfrm>
+            <a:off x="5385124" y="2437499"/>
+            <a:ext cx="3102061" cy="860319"/>
+          </a:xfrm>
+          <a:prstGeom prst="roundRect">
+            <a:avLst/>
+          </a:prstGeom>
+          <a:solidFill>
+            <a:schemeClr val="bg1"/>
+          </a:solidFill>
+        </p:spPr>
+        <p:style>
+          <a:lnRef idx="2">
+            <a:schemeClr val="accent1">
+              <a:shade val="50000"/>
+            </a:schemeClr>
+          </a:lnRef>
+          <a:fillRef idx="1">
+            <a:schemeClr val="accent1"/>
+          </a:fillRef>
+          <a:effectRef idx="0">
+            <a:schemeClr val="accent1"/>
+          </a:effectRef>
+          <a:fontRef idx="minor">
+            <a:schemeClr val="lt1"/>
+          </a:fontRef>
+        </p:style>
+        <p:txBody>
+          <a:bodyPr rtlCol="0" anchor="ctr"/>
+          <a:lstStyle/>
+          <a:p>
+            <a:pPr algn="ctr"/>
+            <a:r>
+              <a:rPr lang="en-US" dirty="0" smtClean="0">
+                <a:solidFill>
+                  <a:schemeClr val="tx1"/>
+                </a:solidFill>
+              </a:rPr>
+              <a:t>List&lt;Line&gt; </a:t>
+            </a:r>
+            <a:r>
+              <a:rPr lang="en-US" dirty="0" err="1" smtClean="0">
+                <a:solidFill>
+                  <a:schemeClr val="tx1"/>
+                </a:solidFill>
+              </a:rPr>
+              <a:t>drawnLines</a:t>
+            </a:r>
+            <a:endParaRPr lang="en-US" dirty="0" smtClean="0">
+              <a:solidFill>
+                <a:schemeClr val="tx1"/>
+              </a:solidFill>
+            </a:endParaRPr>
+          </a:p>
+          <a:p>
+            <a:pPr algn="ctr"/>
+            <a:r>
+              <a:rPr lang="en-US" dirty="0" smtClean="0">
+                <a:solidFill>
+                  <a:schemeClr val="tx1"/>
+                </a:solidFill>
+              </a:rPr>
+              <a:t>0    </a:t>
+            </a:r>
+            <a:r>
+              <a:rPr lang="en-US" dirty="0">
+                <a:solidFill>
+                  <a:srgbClr val="C00000"/>
+                </a:solidFill>
+              </a:rPr>
+              <a:t>1</a:t>
+            </a:r>
+            <a:r>
+              <a:rPr lang="en-US" dirty="0" smtClean="0">
+                <a:solidFill>
+                  <a:schemeClr val="tx1"/>
+                </a:solidFill>
+              </a:rPr>
+              <a:t>     </a:t>
+            </a:r>
+            <a:endParaRPr lang="en-US" dirty="0">
+              <a:solidFill>
+                <a:schemeClr val="tx1"/>
+              </a:solidFill>
+            </a:endParaRPr>
+          </a:p>
+        </p:txBody>
+      </p:sp>
+      <p:sp>
+        <p:nvSpPr>
+          <p:cNvPr id="89" name="Rectangle 88"/>
+          <p:cNvSpPr/>
+          <p:nvPr/>
+        </p:nvSpPr>
+        <p:spPr>
+          <a:xfrm>
+            <a:off x="1602538" y="2634875"/>
+            <a:ext cx="1536078" cy="559824"/>
+          </a:xfrm>
+          <a:prstGeom prst="rect">
+            <a:avLst/>
+          </a:prstGeom>
+          <a:noFill/>
+          <a:ln>
+            <a:noFill/>
+          </a:ln>
+        </p:spPr>
+        <p:style>
+          <a:lnRef idx="2">
+            <a:schemeClr val="accent1">
+              <a:shade val="50000"/>
+            </a:schemeClr>
+          </a:lnRef>
+          <a:fillRef idx="1">
+            <a:schemeClr val="accent1"/>
+          </a:fillRef>
+          <a:effectRef idx="0">
+            <a:schemeClr val="accent1"/>
+          </a:effectRef>
+          <a:fontRef idx="minor">
+            <a:schemeClr val="lt1"/>
+          </a:fontRef>
+        </p:style>
+        <p:txBody>
+          <a:bodyPr rtlCol="0" anchor="ctr"/>
+          <a:lstStyle/>
+          <a:p>
+            <a:pPr algn="ctr"/>
+            <a:r>
+              <a:rPr lang="en-US" dirty="0" smtClean="0">
+                <a:solidFill>
+                  <a:schemeClr val="tx1"/>
+                </a:solidFill>
+              </a:rPr>
+              <a:t>String </a:t>
+            </a:r>
+            <a:r>
+              <a:rPr lang="en-US" dirty="0" err="1" smtClean="0">
+                <a:solidFill>
+                  <a:schemeClr val="tx1"/>
+                </a:solidFill>
+              </a:rPr>
+              <a:t>boardName</a:t>
+            </a:r>
+            <a:endParaRPr lang="en-US" dirty="0">
+              <a:solidFill>
+                <a:schemeClr val="tx1"/>
+              </a:solidFill>
+            </a:endParaRPr>
+          </a:p>
+        </p:txBody>
+      </p:sp>
+      <p:sp>
+        <p:nvSpPr>
+          <p:cNvPr id="93" name="Rectangle 92"/>
+          <p:cNvSpPr/>
+          <p:nvPr/>
+        </p:nvSpPr>
+        <p:spPr>
+          <a:xfrm>
+            <a:off x="9582412" y="1431690"/>
+            <a:ext cx="2228545" cy="556003"/>
+          </a:xfrm>
+          <a:prstGeom prst="rect">
+            <a:avLst/>
+          </a:prstGeom>
+          <a:solidFill>
+            <a:schemeClr val="bg1"/>
+          </a:solidFill>
+          <a:ln w="31750"/>
+        </p:spPr>
+        <p:style>
+          <a:lnRef idx="2">
+            <a:schemeClr val="accent1">
+              <a:shade val="50000"/>
+            </a:schemeClr>
+          </a:lnRef>
+          <a:fillRef idx="1">
+            <a:schemeClr val="accent1"/>
+          </a:fillRef>
+          <a:effectRef idx="0">
+            <a:schemeClr val="accent1"/>
+          </a:effectRef>
+          <a:fontRef idx="minor">
+            <a:schemeClr val="lt1"/>
+          </a:fontRef>
+        </p:style>
+        <p:txBody>
+          <a:bodyPr rtlCol="0" anchor="ctr"/>
+          <a:lstStyle/>
+          <a:p>
+            <a:pPr algn="ctr"/>
+            <a:r>
+              <a:rPr lang="en-US" dirty="0" smtClean="0">
+                <a:solidFill>
+                  <a:schemeClr val="tx1"/>
+                </a:solidFill>
+              </a:rPr>
+              <a:t>List&lt;Line&gt; </a:t>
+            </a:r>
+            <a:r>
+              <a:rPr lang="en-US" dirty="0" err="1" smtClean="0">
+                <a:solidFill>
+                  <a:schemeClr val="tx1"/>
+                </a:solidFill>
+              </a:rPr>
+              <a:t>getLines</a:t>
+            </a:r>
+            <a:r>
+              <a:rPr lang="en-US" dirty="0" smtClean="0">
+                <a:solidFill>
+                  <a:schemeClr val="tx1"/>
+                </a:solidFill>
+              </a:rPr>
+              <a:t>()</a:t>
+            </a:r>
+            <a:endParaRPr lang="en-US" dirty="0">
+              <a:solidFill>
+                <a:schemeClr val="tx1"/>
+              </a:solidFill>
+            </a:endParaRPr>
+          </a:p>
+        </p:txBody>
+      </p:sp>
+      <p:sp>
+        <p:nvSpPr>
+          <p:cNvPr id="94" name="Rectangle 93"/>
+          <p:cNvSpPr/>
+          <p:nvPr/>
+        </p:nvSpPr>
+        <p:spPr>
+          <a:xfrm>
+            <a:off x="9582411" y="2153524"/>
+            <a:ext cx="2228545" cy="579639"/>
+          </a:xfrm>
+          <a:prstGeom prst="rect">
+            <a:avLst/>
+          </a:prstGeom>
+          <a:solidFill>
+            <a:schemeClr val="bg1"/>
+          </a:solidFill>
+          <a:ln w="31750"/>
+        </p:spPr>
+        <p:style>
+          <a:lnRef idx="2">
+            <a:schemeClr val="accent1">
+              <a:shade val="50000"/>
+            </a:schemeClr>
+          </a:lnRef>
+          <a:fillRef idx="1">
+            <a:schemeClr val="accent1"/>
+          </a:fillRef>
+          <a:effectRef idx="0">
+            <a:schemeClr val="accent1"/>
+          </a:effectRef>
+          <a:fontRef idx="minor">
+            <a:schemeClr val="lt1"/>
+          </a:fontRef>
+        </p:style>
+        <p:txBody>
+          <a:bodyPr rtlCol="0" anchor="ctr"/>
+          <a:lstStyle/>
+          <a:p>
+            <a:pPr algn="ctr"/>
+            <a:r>
+              <a:rPr lang="en-US" dirty="0" smtClean="0">
+                <a:solidFill>
+                  <a:schemeClr val="tx1"/>
+                </a:solidFill>
+              </a:rPr>
+              <a:t>void </a:t>
+            </a:r>
+            <a:r>
+              <a:rPr lang="en-US" dirty="0" err="1" smtClean="0">
+                <a:solidFill>
+                  <a:schemeClr val="tx1"/>
+                </a:solidFill>
+              </a:rPr>
+              <a:t>clearBoard</a:t>
+            </a:r>
+            <a:r>
+              <a:rPr lang="en-US" dirty="0" smtClean="0">
+                <a:solidFill>
+                  <a:schemeClr val="tx1"/>
+                </a:solidFill>
+              </a:rPr>
+              <a:t>()</a:t>
+            </a:r>
+            <a:endParaRPr lang="en-US" dirty="0">
+              <a:solidFill>
+                <a:schemeClr val="tx1"/>
+              </a:solidFill>
+            </a:endParaRPr>
+          </a:p>
+        </p:txBody>
+      </p:sp>
+      <p:sp>
+        <p:nvSpPr>
+          <p:cNvPr id="95" name="Rectangle 94"/>
+          <p:cNvSpPr/>
+          <p:nvPr/>
+        </p:nvSpPr>
+        <p:spPr>
+          <a:xfrm>
+            <a:off x="9421004" y="2877781"/>
+            <a:ext cx="2228545" cy="579639"/>
+          </a:xfrm>
+          <a:prstGeom prst="rect">
+            <a:avLst/>
+          </a:prstGeom>
+          <a:solidFill>
+            <a:schemeClr val="bg1"/>
+          </a:solidFill>
+          <a:ln w="31750"/>
+        </p:spPr>
+        <p:style>
+          <a:lnRef idx="2">
+            <a:schemeClr val="accent1">
+              <a:shade val="50000"/>
+            </a:schemeClr>
+          </a:lnRef>
+          <a:fillRef idx="1">
+            <a:schemeClr val="accent1"/>
+          </a:fillRef>
+          <a:effectRef idx="0">
+            <a:schemeClr val="accent1"/>
+          </a:effectRef>
+          <a:fontRef idx="minor">
+            <a:schemeClr val="lt1"/>
+          </a:fontRef>
+        </p:style>
+        <p:txBody>
+          <a:bodyPr rtlCol="0" anchor="ctr"/>
+          <a:lstStyle/>
+          <a:p>
+            <a:pPr algn="ctr"/>
+            <a:r>
+              <a:rPr lang="en-US" dirty="0" smtClean="0">
+                <a:solidFill>
+                  <a:srgbClr val="C00000"/>
+                </a:solidFill>
+              </a:rPr>
+              <a:t>void </a:t>
+            </a:r>
+            <a:r>
+              <a:rPr lang="en-US" dirty="0" err="1" smtClean="0">
+                <a:solidFill>
+                  <a:srgbClr val="C00000"/>
+                </a:solidFill>
+              </a:rPr>
+              <a:t>addLine</a:t>
+            </a:r>
+            <a:r>
+              <a:rPr lang="en-US" dirty="0" smtClean="0">
+                <a:solidFill>
+                  <a:srgbClr val="C00000"/>
+                </a:solidFill>
+              </a:rPr>
+              <a:t>(Line)</a:t>
+            </a:r>
+          </a:p>
+          <a:p>
+            <a:pPr algn="ctr"/>
+            <a:r>
+              <a:rPr lang="en-US" dirty="0" smtClean="0">
+                <a:solidFill>
+                  <a:srgbClr val="C00000"/>
+                </a:solidFill>
+              </a:rPr>
+              <a:t>Line L</a:t>
+            </a:r>
+            <a:endParaRPr lang="en-US" dirty="0">
+              <a:solidFill>
+                <a:srgbClr val="C00000"/>
+              </a:solidFill>
+            </a:endParaRPr>
+          </a:p>
+        </p:txBody>
+      </p:sp>
+      <p:cxnSp>
+        <p:nvCxnSpPr>
+          <p:cNvPr id="97" name="Straight Arrow Connector 96"/>
+          <p:cNvCxnSpPr/>
+          <p:nvPr/>
+        </p:nvCxnSpPr>
+        <p:spPr>
+          <a:xfrm flipH="1">
+            <a:off x="8085438" y="1905695"/>
+            <a:ext cx="1918356" cy="729180"/>
           </a:xfrm>
           <a:prstGeom prst="straightConnector1">
             <a:avLst/>
@@ -4099,16 +5463,14 @@
       </p:cxnSp>
       <p:cxnSp>
         <p:nvCxnSpPr>
-          <p:cNvPr id="46" name="Straight Arrow Connector 45"/>
-          <p:cNvCxnSpPr>
-            <a:stCxn id="37" idx="3"/>
-          </p:cNvCxnSpPr>
+          <p:cNvPr id="99" name="Straight Arrow Connector 98"/>
+          <p:cNvCxnSpPr/>
           <p:nvPr/>
         </p:nvCxnSpPr>
         <p:spPr>
-          <a:xfrm flipV="1">
-            <a:off x="4510216" y="791084"/>
-            <a:ext cx="1249068" cy="211527"/>
+          <a:xfrm flipH="1">
+            <a:off x="8085438" y="2424091"/>
+            <a:ext cx="1598141" cy="599930"/>
           </a:xfrm>
           <a:prstGeom prst="straightConnector1">
             <a:avLst/>
@@ -4134,19 +5496,22 @@
       </p:cxnSp>
       <p:cxnSp>
         <p:nvCxnSpPr>
-          <p:cNvPr id="48" name="Straight Arrow Connector 47"/>
+          <p:cNvPr id="101" name="Straight Arrow Connector 100"/>
           <p:cNvCxnSpPr/>
           <p:nvPr/>
         </p:nvCxnSpPr>
         <p:spPr>
-          <a:xfrm flipV="1">
-            <a:off x="4471095" y="1214138"/>
-            <a:ext cx="1307748" cy="72838"/>
+          <a:xfrm flipH="1">
+            <a:off x="7231268" y="3308512"/>
+            <a:ext cx="2079444" cy="201015"/>
           </a:xfrm>
           <a:prstGeom prst="straightConnector1">
             <a:avLst/>
           </a:prstGeom>
           <a:ln>
+            <a:solidFill>
+              <a:srgbClr val="C00000"/>
+            </a:solidFill>
             <a:tailEnd type="triangle"/>
           </a:ln>
         </p:spPr>
@@ -4167,19 +5532,22 @@
       </p:cxnSp>
       <p:cxnSp>
         <p:nvCxnSpPr>
-          <p:cNvPr id="56" name="Straight Arrow Connector 55"/>
+          <p:cNvPr id="103" name="Straight Arrow Connector 102"/>
           <p:cNvCxnSpPr/>
           <p:nvPr/>
         </p:nvCxnSpPr>
         <p:spPr>
           <a:xfrm>
-            <a:off x="4696602" y="1533464"/>
-            <a:ext cx="1082241" cy="121581"/>
+            <a:off x="7118797" y="3189139"/>
+            <a:ext cx="0" cy="512880"/>
           </a:xfrm>
           <a:prstGeom prst="straightConnector1">
             <a:avLst/>
           </a:prstGeom>
           <a:ln>
+            <a:solidFill>
+              <a:srgbClr val="C00000"/>
+            </a:solidFill>
             <a:tailEnd type="triangle"/>
           </a:ln>
         </p:spPr>
@@ -4200,19 +5568,19 @@
       </p:cxnSp>
       <p:cxnSp>
         <p:nvCxnSpPr>
-          <p:cNvPr id="58" name="Straight Arrow Connector 57"/>
+          <p:cNvPr id="105" name="Straight Arrow Connector 104"/>
           <p:cNvCxnSpPr/>
           <p:nvPr/>
         </p:nvCxnSpPr>
         <p:spPr>
-          <a:xfrm>
-            <a:off x="4658497" y="1855863"/>
-            <a:ext cx="1120346" cy="241283"/>
+          <a:xfrm flipH="1">
+            <a:off x="5806062" y="3116692"/>
+            <a:ext cx="816646" cy="415708"/>
           </a:xfrm>
           <a:prstGeom prst="straightConnector1">
             <a:avLst/>
           </a:prstGeom>
-          <a:ln>
+          <a:ln w="19050">
             <a:tailEnd type="triangle"/>
           </a:ln>
         </p:spPr>
@@ -4233,14 +5601,433 @@
       </p:cxnSp>
       <p:sp>
         <p:nvSpPr>
-          <p:cNvPr id="61" name="Rectangle 60"/>
+          <p:cNvPr id="107" name="Oval 106"/>
           <p:cNvSpPr/>
           <p:nvPr/>
         </p:nvSpPr>
         <p:spPr>
           <a:xfrm>
-            <a:off x="5778843" y="86752"/>
-            <a:ext cx="696098" cy="400732"/>
+            <a:off x="4331114" y="3333627"/>
+            <a:ext cx="1616549" cy="1481867"/>
+          </a:xfrm>
+          <a:prstGeom prst="ellipse">
+            <a:avLst/>
+          </a:prstGeom>
+          <a:solidFill>
+            <a:schemeClr val="bg1"/>
+          </a:solidFill>
+          <a:ln w="57150" cmpd="dbl"/>
+        </p:spPr>
+        <p:style>
+          <a:lnRef idx="2">
+            <a:schemeClr val="accent1">
+              <a:shade val="50000"/>
+            </a:schemeClr>
+          </a:lnRef>
+          <a:fillRef idx="1">
+            <a:schemeClr val="accent1"/>
+          </a:fillRef>
+          <a:effectRef idx="0">
+            <a:schemeClr val="accent1"/>
+          </a:effectRef>
+          <a:fontRef idx="minor">
+            <a:schemeClr val="lt1"/>
+          </a:fontRef>
+        </p:style>
+        <p:txBody>
+          <a:bodyPr rtlCol="0" anchor="ctr"/>
+          <a:lstStyle/>
+          <a:p>
+            <a:pPr algn="ctr"/>
+            <a:r>
+              <a:rPr lang="en-US" dirty="0" smtClean="0">
+                <a:solidFill>
+                  <a:schemeClr val="tx1"/>
+                </a:solidFill>
+              </a:rPr>
+              <a:t>Line line1</a:t>
+            </a:r>
+            <a:endParaRPr lang="en-US" dirty="0">
+              <a:solidFill>
+                <a:schemeClr val="tx1"/>
+              </a:solidFill>
+            </a:endParaRPr>
+          </a:p>
+        </p:txBody>
+      </p:sp>
+      <p:sp>
+        <p:nvSpPr>
+          <p:cNvPr id="110" name="Oval 109"/>
+          <p:cNvSpPr/>
+          <p:nvPr/>
+        </p:nvSpPr>
+        <p:spPr>
+          <a:xfrm>
+            <a:off x="5947148" y="3860151"/>
+            <a:ext cx="2710311" cy="2684132"/>
+          </a:xfrm>
+          <a:prstGeom prst="ellipse">
+            <a:avLst/>
+          </a:prstGeom>
+          <a:solidFill>
+            <a:schemeClr val="bg1"/>
+          </a:solidFill>
+          <a:ln w="57150" cmpd="dbl">
+            <a:solidFill>
+              <a:srgbClr val="C00000"/>
+            </a:solidFill>
+          </a:ln>
+        </p:spPr>
+        <p:style>
+          <a:lnRef idx="2">
+            <a:schemeClr val="accent1">
+              <a:shade val="50000"/>
+            </a:schemeClr>
+          </a:lnRef>
+          <a:fillRef idx="1">
+            <a:schemeClr val="accent1"/>
+          </a:fillRef>
+          <a:effectRef idx="0">
+            <a:schemeClr val="accent1"/>
+          </a:effectRef>
+          <a:fontRef idx="minor">
+            <a:schemeClr val="lt1"/>
+          </a:fontRef>
+        </p:style>
+        <p:txBody>
+          <a:bodyPr rtlCol="0" anchor="ctr"/>
+          <a:lstStyle/>
+          <a:p>
+            <a:pPr algn="ctr"/>
+            <a:endParaRPr lang="en-US" dirty="0">
+              <a:solidFill>
+                <a:srgbClr val="C00000"/>
+              </a:solidFill>
+            </a:endParaRPr>
+          </a:p>
+        </p:txBody>
+      </p:sp>
+      <p:sp>
+        <p:nvSpPr>
+          <p:cNvPr id="111" name="Rectangle 110"/>
+          <p:cNvSpPr/>
+          <p:nvPr/>
+        </p:nvSpPr>
+        <p:spPr>
+          <a:xfrm>
+            <a:off x="6717643" y="4365548"/>
+            <a:ext cx="1675850" cy="1710100"/>
+          </a:xfrm>
+          <a:prstGeom prst="rect">
+            <a:avLst/>
+          </a:prstGeom>
+          <a:noFill/>
+          <a:ln>
+            <a:noFill/>
+          </a:ln>
+        </p:spPr>
+        <p:style>
+          <a:lnRef idx="2">
+            <a:schemeClr val="accent1">
+              <a:shade val="50000"/>
+            </a:schemeClr>
+          </a:lnRef>
+          <a:fillRef idx="1">
+            <a:schemeClr val="accent1"/>
+          </a:fillRef>
+          <a:effectRef idx="0">
+            <a:schemeClr val="accent1"/>
+          </a:effectRef>
+          <a:fontRef idx="minor">
+            <a:schemeClr val="lt1"/>
+          </a:fontRef>
+        </p:style>
+        <p:txBody>
+          <a:bodyPr rtlCol="0" anchor="ctr"/>
+          <a:lstStyle/>
+          <a:p>
+            <a:pPr algn="ctr"/>
+            <a:r>
+              <a:rPr lang="en-US" dirty="0" err="1" smtClean="0">
+                <a:solidFill>
+                  <a:srgbClr val="C00000"/>
+                </a:solidFill>
+              </a:rPr>
+              <a:t>int</a:t>
+            </a:r>
+            <a:r>
+              <a:rPr lang="en-US" dirty="0" smtClean="0">
+                <a:solidFill>
+                  <a:srgbClr val="C00000"/>
+                </a:solidFill>
+              </a:rPr>
+              <a:t> x1</a:t>
+            </a:r>
+          </a:p>
+          <a:p>
+            <a:pPr algn="ctr"/>
+            <a:r>
+              <a:rPr lang="en-US" dirty="0" err="1" smtClean="0">
+                <a:solidFill>
+                  <a:srgbClr val="C00000"/>
+                </a:solidFill>
+              </a:rPr>
+              <a:t>int</a:t>
+            </a:r>
+            <a:r>
+              <a:rPr lang="en-US" dirty="0" smtClean="0">
+                <a:solidFill>
+                  <a:srgbClr val="C00000"/>
+                </a:solidFill>
+              </a:rPr>
+              <a:t> </a:t>
+            </a:r>
+            <a:r>
+              <a:rPr lang="en-US" dirty="0" smtClean="0">
+                <a:solidFill>
+                  <a:srgbClr val="C00000"/>
+                </a:solidFill>
+              </a:rPr>
+              <a:t>y1</a:t>
+            </a:r>
+            <a:endParaRPr lang="en-US" dirty="0" smtClean="0">
+              <a:solidFill>
+                <a:srgbClr val="C00000"/>
+              </a:solidFill>
+            </a:endParaRPr>
+          </a:p>
+          <a:p>
+            <a:pPr algn="ctr"/>
+            <a:r>
+              <a:rPr lang="en-US" dirty="0" err="1" smtClean="0">
+                <a:solidFill>
+                  <a:srgbClr val="C00000"/>
+                </a:solidFill>
+              </a:rPr>
+              <a:t>int</a:t>
+            </a:r>
+            <a:r>
+              <a:rPr lang="en-US" dirty="0" smtClean="0">
+                <a:solidFill>
+                  <a:srgbClr val="C00000"/>
+                </a:solidFill>
+              </a:rPr>
+              <a:t> </a:t>
+            </a:r>
+            <a:r>
+              <a:rPr lang="en-US" dirty="0" smtClean="0">
+                <a:solidFill>
+                  <a:srgbClr val="C00000"/>
+                </a:solidFill>
+              </a:rPr>
+              <a:t>x2</a:t>
+            </a:r>
+            <a:endParaRPr lang="en-US" dirty="0" smtClean="0">
+              <a:solidFill>
+                <a:srgbClr val="C00000"/>
+              </a:solidFill>
+            </a:endParaRPr>
+          </a:p>
+          <a:p>
+            <a:pPr algn="ctr"/>
+            <a:r>
+              <a:rPr lang="en-US" dirty="0" err="1" smtClean="0">
+                <a:solidFill>
+                  <a:srgbClr val="C00000"/>
+                </a:solidFill>
+              </a:rPr>
+              <a:t>int</a:t>
+            </a:r>
+            <a:r>
+              <a:rPr lang="en-US" dirty="0" smtClean="0">
+                <a:solidFill>
+                  <a:srgbClr val="C00000"/>
+                </a:solidFill>
+              </a:rPr>
+              <a:t> y2</a:t>
+            </a:r>
+          </a:p>
+          <a:p>
+            <a:pPr algn="ctr"/>
+            <a:r>
+              <a:rPr lang="en-US" dirty="0" err="1" smtClean="0">
+                <a:solidFill>
+                  <a:srgbClr val="C00000"/>
+                </a:solidFill>
+              </a:rPr>
+              <a:t>int</a:t>
+            </a:r>
+            <a:r>
+              <a:rPr lang="en-US" dirty="0" smtClean="0">
+                <a:solidFill>
+                  <a:srgbClr val="C00000"/>
+                </a:solidFill>
+              </a:rPr>
+              <a:t> r</a:t>
+            </a:r>
+          </a:p>
+          <a:p>
+            <a:pPr algn="ctr"/>
+            <a:r>
+              <a:rPr lang="en-US" dirty="0" err="1" smtClean="0">
+                <a:solidFill>
+                  <a:srgbClr val="C00000"/>
+                </a:solidFill>
+              </a:rPr>
+              <a:t>int</a:t>
+            </a:r>
+            <a:r>
+              <a:rPr lang="en-US" dirty="0" smtClean="0">
+                <a:solidFill>
+                  <a:srgbClr val="C00000"/>
+                </a:solidFill>
+              </a:rPr>
+              <a:t> g</a:t>
+            </a:r>
+            <a:endParaRPr lang="en-US" dirty="0">
+              <a:solidFill>
+                <a:srgbClr val="C00000"/>
+              </a:solidFill>
+            </a:endParaRPr>
+          </a:p>
+          <a:p>
+            <a:pPr algn="ctr"/>
+            <a:r>
+              <a:rPr lang="en-US" dirty="0" err="1" smtClean="0">
+                <a:solidFill>
+                  <a:srgbClr val="C00000"/>
+                </a:solidFill>
+              </a:rPr>
+              <a:t>int</a:t>
+            </a:r>
+            <a:r>
+              <a:rPr lang="en-US" dirty="0" smtClean="0">
+                <a:solidFill>
+                  <a:srgbClr val="C00000"/>
+                </a:solidFill>
+              </a:rPr>
+              <a:t> b</a:t>
+            </a:r>
+          </a:p>
+          <a:p>
+            <a:pPr algn="ctr"/>
+            <a:r>
+              <a:rPr lang="en-US" dirty="0" err="1" smtClean="0">
+                <a:solidFill>
+                  <a:srgbClr val="C00000"/>
+                </a:solidFill>
+              </a:rPr>
+              <a:t>int</a:t>
+            </a:r>
+            <a:r>
+              <a:rPr lang="en-US" dirty="0" smtClean="0">
+                <a:solidFill>
+                  <a:srgbClr val="C00000"/>
+                </a:solidFill>
+              </a:rPr>
+              <a:t> a</a:t>
+            </a:r>
+          </a:p>
+          <a:p>
+            <a:pPr algn="ctr"/>
+            <a:r>
+              <a:rPr lang="en-US" dirty="0" smtClean="0">
+                <a:solidFill>
+                  <a:srgbClr val="C00000"/>
+                </a:solidFill>
+              </a:rPr>
+              <a:t>Float </a:t>
+            </a:r>
+            <a:r>
+              <a:rPr lang="en-US" dirty="0" err="1" smtClean="0">
+                <a:solidFill>
+                  <a:srgbClr val="C00000"/>
+                </a:solidFill>
+              </a:rPr>
+              <a:t>strokeThickness</a:t>
+            </a:r>
+            <a:endParaRPr lang="en-US" dirty="0" smtClean="0">
+              <a:solidFill>
+                <a:srgbClr val="C00000"/>
+              </a:solidFill>
+            </a:endParaRPr>
+          </a:p>
+        </p:txBody>
+      </p:sp>
+      <p:sp>
+        <p:nvSpPr>
+          <p:cNvPr id="115" name="Rectangle 114"/>
+          <p:cNvSpPr/>
+          <p:nvPr/>
+        </p:nvSpPr>
+        <p:spPr>
+          <a:xfrm>
+            <a:off x="6097267" y="4448301"/>
+            <a:ext cx="1205610" cy="1440036"/>
+          </a:xfrm>
+          <a:prstGeom prst="rect">
+            <a:avLst/>
+          </a:prstGeom>
+          <a:noFill/>
+          <a:ln>
+            <a:noFill/>
+          </a:ln>
+        </p:spPr>
+        <p:style>
+          <a:lnRef idx="2">
+            <a:schemeClr val="accent1">
+              <a:shade val="50000"/>
+            </a:schemeClr>
+          </a:lnRef>
+          <a:fillRef idx="1">
+            <a:schemeClr val="accent1"/>
+          </a:fillRef>
+          <a:effectRef idx="0">
+            <a:schemeClr val="accent1"/>
+          </a:effectRef>
+          <a:fontRef idx="minor">
+            <a:schemeClr val="lt1"/>
+          </a:fontRef>
+        </p:style>
+        <p:txBody>
+          <a:bodyPr rtlCol="0" anchor="ctr"/>
+          <a:lstStyle/>
+          <a:p>
+            <a:pPr algn="ctr"/>
+            <a:r>
+              <a:rPr lang="en-US" dirty="0" smtClean="0">
+                <a:solidFill>
+                  <a:srgbClr val="C00000"/>
+                </a:solidFill>
+              </a:rPr>
+              <a:t>Line </a:t>
+            </a:r>
+            <a:r>
+              <a:rPr lang="en-US" dirty="0" err="1" smtClean="0">
+                <a:solidFill>
+                  <a:srgbClr val="C00000"/>
+                </a:solidFill>
+              </a:rPr>
+              <a:t>addedLine</a:t>
+            </a:r>
+            <a:endParaRPr lang="en-US" dirty="0">
+              <a:solidFill>
+                <a:srgbClr val="C00000"/>
+              </a:solidFill>
+            </a:endParaRPr>
+          </a:p>
+        </p:txBody>
+      </p:sp>
+      <p:sp>
+        <p:nvSpPr>
+          <p:cNvPr id="121" name="Rectangle 120"/>
+          <p:cNvSpPr/>
+          <p:nvPr/>
+        </p:nvSpPr>
+        <p:spPr>
+          <a:xfrm>
+            <a:off x="8742095" y="3532400"/>
+            <a:ext cx="599557" cy="3157374"/>
           </a:xfrm>
           <a:prstGeom prst="rect">
             <a:avLst/>
@@ -4281,7 +6068,130 @@
                   <a:schemeClr val="tx1"/>
                 </a:solidFill>
               </a:rPr>
-              <a:t>600</a:t>
+              <a:t>100</a:t>
+            </a:r>
+            <a:endParaRPr lang="en-US" dirty="0" smtClean="0">
+              <a:solidFill>
+                <a:schemeClr val="tx1"/>
+              </a:solidFill>
+            </a:endParaRPr>
+          </a:p>
+          <a:p>
+            <a:pPr algn="ctr"/>
+            <a:r>
+              <a:rPr lang="en-US" dirty="0" smtClean="0">
+                <a:solidFill>
+                  <a:schemeClr val="tx1"/>
+                </a:solidFill>
+              </a:rPr>
+              <a:t>100</a:t>
+            </a:r>
+            <a:endParaRPr lang="en-US" dirty="0" smtClean="0">
+              <a:solidFill>
+                <a:schemeClr val="tx1"/>
+              </a:solidFill>
+            </a:endParaRPr>
+          </a:p>
+          <a:p>
+            <a:pPr algn="ctr"/>
+            <a:r>
+              <a:rPr lang="en-US" dirty="0" smtClean="0">
+                <a:solidFill>
+                  <a:schemeClr val="tx1"/>
+                </a:solidFill>
+              </a:rPr>
+              <a:t>150</a:t>
+            </a:r>
+            <a:endParaRPr lang="en-US" dirty="0" smtClean="0">
+              <a:solidFill>
+                <a:schemeClr val="tx1"/>
+              </a:solidFill>
+            </a:endParaRPr>
+          </a:p>
+          <a:p>
+            <a:pPr algn="ctr"/>
+            <a:r>
+              <a:rPr lang="en-US" dirty="0" smtClean="0">
+                <a:solidFill>
+                  <a:schemeClr val="tx1"/>
+                </a:solidFill>
+              </a:rPr>
+              <a:t>150</a:t>
+            </a:r>
+            <a:endParaRPr lang="en-US" dirty="0" smtClean="0">
+              <a:solidFill>
+                <a:schemeClr val="tx1"/>
+              </a:solidFill>
+            </a:endParaRPr>
+          </a:p>
+          <a:p>
+            <a:pPr algn="ctr"/>
+            <a:r>
+              <a:rPr lang="en-US" dirty="0" smtClean="0">
+                <a:solidFill>
+                  <a:schemeClr val="tx1"/>
+                </a:solidFill>
+              </a:rPr>
+              <a:t>255</a:t>
+            </a:r>
+            <a:endParaRPr lang="en-US" dirty="0" smtClean="0">
+              <a:solidFill>
+                <a:schemeClr val="tx1"/>
+              </a:solidFill>
+            </a:endParaRPr>
+          </a:p>
+          <a:p>
+            <a:pPr algn="ctr"/>
+            <a:r>
+              <a:rPr lang="en-US" dirty="0" smtClean="0">
+                <a:solidFill>
+                  <a:schemeClr val="tx1"/>
+                </a:solidFill>
+              </a:rPr>
+              <a:t>0</a:t>
+            </a:r>
+          </a:p>
+          <a:p>
+            <a:pPr algn="ctr"/>
+            <a:r>
+              <a:rPr lang="en-US" dirty="0" smtClean="0">
+                <a:solidFill>
+                  <a:schemeClr val="tx1"/>
+                </a:solidFill>
+              </a:rPr>
+              <a:t>255</a:t>
+            </a:r>
+            <a:endParaRPr lang="en-US" dirty="0" smtClean="0">
+              <a:solidFill>
+                <a:schemeClr val="tx1"/>
+              </a:solidFill>
+            </a:endParaRPr>
+          </a:p>
+          <a:p>
+            <a:pPr algn="ctr"/>
+            <a:r>
+              <a:rPr lang="en-US" dirty="0" smtClean="0">
+                <a:solidFill>
+                  <a:schemeClr val="tx1"/>
+                </a:solidFill>
+              </a:rPr>
+              <a:t>0</a:t>
+            </a:r>
+            <a:endParaRPr lang="en-US" dirty="0" smtClean="0">
+              <a:solidFill>
+                <a:schemeClr val="tx1"/>
+              </a:solidFill>
+            </a:endParaRPr>
+          </a:p>
+          <a:p>
+            <a:pPr algn="ctr"/>
+            <a:r>
+              <a:rPr lang="en-US" dirty="0" smtClean="0">
+                <a:solidFill>
+                  <a:schemeClr val="tx1"/>
+                </a:solidFill>
+              </a:rPr>
+              <a:t>10.0</a:t>
             </a:r>
             <a:endParaRPr lang="en-US" dirty="0">
               <a:solidFill>
@@ -4291,16 +6201,313 @@
           </a:p>
         </p:txBody>
       </p:sp>
-      <p:sp>
-        <p:nvSpPr>
-          <p:cNvPr id="62" name="Rectangle 61"/>
+      <p:cxnSp>
+        <p:nvCxnSpPr>
+          <p:cNvPr id="123" name="Straight Arrow Connector 122"/>
+          <p:cNvCxnSpPr/>
+          <p:nvPr/>
+        </p:nvCxnSpPr>
+        <p:spPr>
+          <a:xfrm>
+            <a:off x="7834184" y="3995309"/>
+            <a:ext cx="907911" cy="0"/>
+          </a:xfrm>
+          <a:prstGeom prst="straightConnector1">
+            <a:avLst/>
+          </a:prstGeom>
+          <a:ln w="19050">
+            <a:tailEnd type="triangle"/>
+          </a:ln>
+        </p:spPr>
+        <p:style>
+          <a:lnRef idx="1">
+            <a:schemeClr val="accent1"/>
+          </a:lnRef>
+          <a:fillRef idx="0">
+            <a:schemeClr val="accent1"/>
+          </a:fillRef>
+          <a:effectRef idx="0">
+            <a:schemeClr val="accent1"/>
+          </a:effectRef>
+          <a:fontRef idx="minor">
+            <a:schemeClr val="tx1"/>
+          </a:fontRef>
+        </p:style>
+      </p:cxnSp>
+      <p:cxnSp>
+        <p:nvCxnSpPr>
+          <p:cNvPr id="124" name="Straight Arrow Connector 123"/>
+          <p:cNvCxnSpPr/>
+          <p:nvPr/>
+        </p:nvCxnSpPr>
+        <p:spPr>
+          <a:xfrm>
+            <a:off x="7902914" y="4246114"/>
+            <a:ext cx="907911" cy="0"/>
+          </a:xfrm>
+          <a:prstGeom prst="straightConnector1">
+            <a:avLst/>
+          </a:prstGeom>
+          <a:ln w="19050">
+            <a:tailEnd type="triangle"/>
+          </a:ln>
+        </p:spPr>
+        <p:style>
+          <a:lnRef idx="1">
+            <a:schemeClr val="accent1"/>
+          </a:lnRef>
+          <a:fillRef idx="0">
+            <a:schemeClr val="accent1"/>
+          </a:fillRef>
+          <a:effectRef idx="0">
+            <a:schemeClr val="accent1"/>
+          </a:effectRef>
+          <a:fontRef idx="minor">
+            <a:schemeClr val="tx1"/>
+          </a:fontRef>
+        </p:style>
+      </p:cxnSp>
+      <p:cxnSp>
+        <p:nvCxnSpPr>
+          <p:cNvPr id="127" name="Straight Arrow Connector 126"/>
+          <p:cNvCxnSpPr/>
+          <p:nvPr/>
+        </p:nvCxnSpPr>
+        <p:spPr>
+          <a:xfrm>
+            <a:off x="7893800" y="4578092"/>
+            <a:ext cx="907911" cy="0"/>
+          </a:xfrm>
+          <a:prstGeom prst="straightConnector1">
+            <a:avLst/>
+          </a:prstGeom>
+          <a:ln w="19050">
+            <a:tailEnd type="triangle"/>
+          </a:ln>
+        </p:spPr>
+        <p:style>
+          <a:lnRef idx="1">
+            <a:schemeClr val="accent1"/>
+          </a:lnRef>
+          <a:fillRef idx="0">
+            <a:schemeClr val="accent1"/>
+          </a:fillRef>
+          <a:effectRef idx="0">
+            <a:schemeClr val="accent1"/>
+          </a:effectRef>
+          <a:fontRef idx="minor">
+            <a:schemeClr val="tx1"/>
+          </a:fontRef>
+        </p:style>
+      </p:cxnSp>
+      <p:cxnSp>
+        <p:nvCxnSpPr>
+          <p:cNvPr id="128" name="Straight Arrow Connector 127"/>
+          <p:cNvCxnSpPr/>
+          <p:nvPr/>
+        </p:nvCxnSpPr>
+        <p:spPr>
+          <a:xfrm>
+            <a:off x="7893801" y="4827808"/>
+            <a:ext cx="907911" cy="0"/>
+          </a:xfrm>
+          <a:prstGeom prst="straightConnector1">
+            <a:avLst/>
+          </a:prstGeom>
+          <a:ln w="19050">
+            <a:tailEnd type="triangle"/>
+          </a:ln>
+        </p:spPr>
+        <p:style>
+          <a:lnRef idx="1">
+            <a:schemeClr val="accent1"/>
+          </a:lnRef>
+          <a:fillRef idx="0">
+            <a:schemeClr val="accent1"/>
+          </a:fillRef>
+          <a:effectRef idx="0">
+            <a:schemeClr val="accent1"/>
+          </a:effectRef>
+          <a:fontRef idx="minor">
+            <a:schemeClr val="tx1"/>
+          </a:fontRef>
+        </p:style>
+      </p:cxnSp>
+      <p:cxnSp>
+        <p:nvCxnSpPr>
+          <p:cNvPr id="129" name="Straight Arrow Connector 128"/>
+          <p:cNvCxnSpPr/>
+          <p:nvPr/>
+        </p:nvCxnSpPr>
+        <p:spPr>
+          <a:xfrm>
+            <a:off x="7928919" y="5111087"/>
+            <a:ext cx="907911" cy="0"/>
+          </a:xfrm>
+          <a:prstGeom prst="straightConnector1">
+            <a:avLst/>
+          </a:prstGeom>
+          <a:ln w="19050">
+            <a:tailEnd type="triangle"/>
+          </a:ln>
+        </p:spPr>
+        <p:style>
+          <a:lnRef idx="1">
+            <a:schemeClr val="accent1"/>
+          </a:lnRef>
+          <a:fillRef idx="0">
+            <a:schemeClr val="accent1"/>
+          </a:fillRef>
+          <a:effectRef idx="0">
+            <a:schemeClr val="accent1"/>
+          </a:effectRef>
+          <a:fontRef idx="minor">
+            <a:schemeClr val="tx1"/>
+          </a:fontRef>
+        </p:style>
+      </p:cxnSp>
+      <p:cxnSp>
+        <p:nvCxnSpPr>
+          <p:cNvPr id="130" name="Straight Arrow Connector 129"/>
+          <p:cNvCxnSpPr/>
+          <p:nvPr/>
+        </p:nvCxnSpPr>
+        <p:spPr>
+          <a:xfrm>
+            <a:off x="7893802" y="5357922"/>
+            <a:ext cx="907911" cy="0"/>
+          </a:xfrm>
+          <a:prstGeom prst="straightConnector1">
+            <a:avLst/>
+          </a:prstGeom>
+          <a:ln w="19050">
+            <a:tailEnd type="triangle"/>
+          </a:ln>
+        </p:spPr>
+        <p:style>
+          <a:lnRef idx="1">
+            <a:schemeClr val="accent1"/>
+          </a:lnRef>
+          <a:fillRef idx="0">
+            <a:schemeClr val="accent1"/>
+          </a:fillRef>
+          <a:effectRef idx="0">
+            <a:schemeClr val="accent1"/>
+          </a:effectRef>
+          <a:fontRef idx="minor">
+            <a:schemeClr val="tx1"/>
+          </a:fontRef>
+        </p:style>
+      </p:cxnSp>
+      <p:cxnSp>
+        <p:nvCxnSpPr>
+          <p:cNvPr id="131" name="Straight Arrow Connector 130"/>
+          <p:cNvCxnSpPr/>
+          <p:nvPr/>
+        </p:nvCxnSpPr>
+        <p:spPr>
+          <a:xfrm>
+            <a:off x="7840673" y="5700108"/>
+            <a:ext cx="907911" cy="0"/>
+          </a:xfrm>
+          <a:prstGeom prst="straightConnector1">
+            <a:avLst/>
+          </a:prstGeom>
+          <a:ln w="19050">
+            <a:tailEnd type="triangle"/>
+          </a:ln>
+        </p:spPr>
+        <p:style>
+          <a:lnRef idx="1">
+            <a:schemeClr val="accent1"/>
+          </a:lnRef>
+          <a:fillRef idx="0">
+            <a:schemeClr val="accent1"/>
+          </a:fillRef>
+          <a:effectRef idx="0">
+            <a:schemeClr val="accent1"/>
+          </a:effectRef>
+          <a:fontRef idx="minor">
+            <a:schemeClr val="tx1"/>
+          </a:fontRef>
+        </p:style>
+      </p:cxnSp>
+      <p:cxnSp>
+        <p:nvCxnSpPr>
+          <p:cNvPr id="132" name="Straight Arrow Connector 131"/>
+          <p:cNvCxnSpPr/>
+          <p:nvPr/>
+        </p:nvCxnSpPr>
+        <p:spPr>
+          <a:xfrm>
+            <a:off x="7914397" y="5904770"/>
+            <a:ext cx="907911" cy="0"/>
+          </a:xfrm>
+          <a:prstGeom prst="straightConnector1">
+            <a:avLst/>
+          </a:prstGeom>
+          <a:ln w="19050">
+            <a:tailEnd type="triangle"/>
+          </a:ln>
+        </p:spPr>
+        <p:style>
+          <a:lnRef idx="1">
+            <a:schemeClr val="accent1"/>
+          </a:lnRef>
+          <a:fillRef idx="0">
+            <a:schemeClr val="accent1"/>
+          </a:fillRef>
+          <a:effectRef idx="0">
+            <a:schemeClr val="accent1"/>
+          </a:effectRef>
+          <a:fontRef idx="minor">
+            <a:schemeClr val="tx1"/>
+          </a:fontRef>
+        </p:style>
+      </p:cxnSp>
+      <p:cxnSp>
+        <p:nvCxnSpPr>
+          <p:cNvPr id="133" name="Straight Arrow Connector 132"/>
+          <p:cNvCxnSpPr/>
+          <p:nvPr/>
+        </p:nvCxnSpPr>
+        <p:spPr>
+          <a:xfrm>
+            <a:off x="7928919" y="6255012"/>
+            <a:ext cx="907911" cy="0"/>
+          </a:xfrm>
+          <a:prstGeom prst="straightConnector1">
+            <a:avLst/>
+          </a:prstGeom>
+          <a:ln w="19050">
+            <a:tailEnd type="triangle"/>
+          </a:ln>
+        </p:spPr>
+        <p:style>
+          <a:lnRef idx="1">
+            <a:schemeClr val="accent1"/>
+          </a:lnRef>
+          <a:fillRef idx="0">
+            <a:schemeClr val="accent1"/>
+          </a:fillRef>
+          <a:effectRef idx="0">
+            <a:schemeClr val="accent1"/>
+          </a:effectRef>
+          <a:fontRef idx="minor">
+            <a:schemeClr val="tx1"/>
+          </a:fontRef>
+        </p:style>
+      </p:cxnSp>
+      <p:sp>
+        <p:nvSpPr>
+          <p:cNvPr id="136" name="Rectangle 135"/>
           <p:cNvSpPr/>
           <p:nvPr/>
         </p:nvSpPr>
         <p:spPr>
           <a:xfrm>
-            <a:off x="5799201" y="1910188"/>
-            <a:ext cx="696098" cy="400732"/>
+            <a:off x="9683579" y="5693373"/>
+            <a:ext cx="2018741" cy="1123278"/>
           </a:xfrm>
           <a:prstGeom prst="rect">
             <a:avLst/>
@@ -4308,11 +6515,7 @@
           <a:solidFill>
             <a:schemeClr val="bg1"/>
           </a:solidFill>
-          <a:ln>
-            <a:solidFill>
-              <a:schemeClr val="bg1"/>
-            </a:solidFill>
-          </a:ln>
+          <a:ln w="31750"/>
         </p:spPr>
         <p:style>
           <a:lnRef idx="2">
@@ -4341,7 +6544,72 @@
                   <a:schemeClr val="tx1"/>
                 </a:solidFill>
               </a:rPr>
-              <a:t>500</a:t>
+              <a:t>&lt;getters&gt;()</a:t>
+            </a:r>
+          </a:p>
+          <a:p>
+            <a:pPr algn="ctr"/>
+            <a:r>
+              <a:rPr lang="en-US" dirty="0" err="1" smtClean="0">
+                <a:solidFill>
+                  <a:schemeClr val="tx1"/>
+                </a:solidFill>
+              </a:rPr>
+              <a:t>int</a:t>
+            </a:r>
+            <a:r>
+              <a:rPr lang="en-US" dirty="0" smtClean="0">
+                <a:solidFill>
+                  <a:schemeClr val="tx1"/>
+                </a:solidFill>
+              </a:rPr>
+              <a:t> Line.getX1()</a:t>
+            </a:r>
+          </a:p>
+          <a:p>
+            <a:pPr algn="ctr"/>
+            <a:r>
+              <a:rPr lang="en-US" dirty="0" err="1" smtClean="0">
+                <a:solidFill>
+                  <a:schemeClr val="tx1"/>
+                </a:solidFill>
+              </a:rPr>
+              <a:t>int</a:t>
+            </a:r>
+            <a:r>
+              <a:rPr lang="en-US" dirty="0" smtClean="0">
+                <a:solidFill>
+                  <a:schemeClr val="tx1"/>
+                </a:solidFill>
+              </a:rPr>
+              <a:t> </a:t>
+            </a:r>
+            <a:r>
+              <a:rPr lang="en-US" dirty="0" err="1" smtClean="0">
+                <a:solidFill>
+                  <a:schemeClr val="tx1"/>
+                </a:solidFill>
+              </a:rPr>
+              <a:t>Line.getA</a:t>
+            </a:r>
+            <a:r>
+              <a:rPr lang="en-US" dirty="0" smtClean="0">
+                <a:solidFill>
+                  <a:schemeClr val="tx1"/>
+                </a:solidFill>
+              </a:rPr>
+              <a:t>()</a:t>
+            </a:r>
+          </a:p>
+          <a:p>
+            <a:pPr algn="ctr"/>
+            <a:r>
+              <a:rPr lang="en-US" dirty="0" smtClean="0">
+                <a:solidFill>
+                  <a:schemeClr val="tx1"/>
+                </a:solidFill>
+              </a:rPr>
+              <a:t>Etc.</a:t>
             </a:r>
             <a:endParaRPr lang="en-US" dirty="0">
               <a:solidFill>
@@ -4351,16 +6619,313 @@
           </a:p>
         </p:txBody>
       </p:sp>
-      <p:sp>
-        <p:nvSpPr>
-          <p:cNvPr id="63" name="Rectangle 62"/>
+      <p:cxnSp>
+        <p:nvCxnSpPr>
+          <p:cNvPr id="138" name="Straight Arrow Connector 137"/>
+          <p:cNvCxnSpPr/>
+          <p:nvPr/>
+        </p:nvCxnSpPr>
+        <p:spPr>
+          <a:xfrm flipH="1" flipV="1">
+            <a:off x="9291071" y="5187013"/>
+            <a:ext cx="712723" cy="725612"/>
+          </a:xfrm>
+          <a:prstGeom prst="straightConnector1">
+            <a:avLst/>
+          </a:prstGeom>
+          <a:ln>
+            <a:tailEnd type="triangle"/>
+          </a:ln>
+        </p:spPr>
+        <p:style>
+          <a:lnRef idx="1">
+            <a:schemeClr val="accent1"/>
+          </a:lnRef>
+          <a:fillRef idx="0">
+            <a:schemeClr val="accent1"/>
+          </a:fillRef>
+          <a:effectRef idx="0">
+            <a:schemeClr val="accent1"/>
+          </a:effectRef>
+          <a:fontRef idx="minor">
+            <a:schemeClr val="tx1"/>
+          </a:fontRef>
+        </p:style>
+      </p:cxnSp>
+      <p:cxnSp>
+        <p:nvCxnSpPr>
+          <p:cNvPr id="139" name="Straight Arrow Connector 138"/>
+          <p:cNvCxnSpPr/>
+          <p:nvPr/>
+        </p:nvCxnSpPr>
+        <p:spPr>
+          <a:xfrm flipH="1" flipV="1">
+            <a:off x="9339508" y="4870828"/>
+            <a:ext cx="816687" cy="1070164"/>
+          </a:xfrm>
+          <a:prstGeom prst="straightConnector1">
+            <a:avLst/>
+          </a:prstGeom>
+          <a:ln>
+            <a:tailEnd type="triangle"/>
+          </a:ln>
+        </p:spPr>
+        <p:style>
+          <a:lnRef idx="1">
+            <a:schemeClr val="accent1"/>
+          </a:lnRef>
+          <a:fillRef idx="0">
+            <a:schemeClr val="accent1"/>
+          </a:fillRef>
+          <a:effectRef idx="0">
+            <a:schemeClr val="accent1"/>
+          </a:effectRef>
+          <a:fontRef idx="minor">
+            <a:schemeClr val="tx1"/>
+          </a:fontRef>
+        </p:style>
+      </p:cxnSp>
+      <p:cxnSp>
+        <p:nvCxnSpPr>
+          <p:cNvPr id="140" name="Straight Arrow Connector 139"/>
+          <p:cNvCxnSpPr/>
+          <p:nvPr/>
+        </p:nvCxnSpPr>
+        <p:spPr>
+          <a:xfrm flipH="1" flipV="1">
+            <a:off x="9304389" y="4578092"/>
+            <a:ext cx="1004206" cy="1515300"/>
+          </a:xfrm>
+          <a:prstGeom prst="straightConnector1">
+            <a:avLst/>
+          </a:prstGeom>
+          <a:ln>
+            <a:tailEnd type="triangle"/>
+          </a:ln>
+        </p:spPr>
+        <p:style>
+          <a:lnRef idx="1">
+            <a:schemeClr val="accent1"/>
+          </a:lnRef>
+          <a:fillRef idx="0">
+            <a:schemeClr val="accent1"/>
+          </a:fillRef>
+          <a:effectRef idx="0">
+            <a:schemeClr val="accent1"/>
+          </a:effectRef>
+          <a:fontRef idx="minor">
+            <a:schemeClr val="tx1"/>
+          </a:fontRef>
+        </p:style>
+      </p:cxnSp>
+      <p:cxnSp>
+        <p:nvCxnSpPr>
+          <p:cNvPr id="141" name="Straight Arrow Connector 140"/>
+          <p:cNvCxnSpPr/>
+          <p:nvPr/>
+        </p:nvCxnSpPr>
+        <p:spPr>
+          <a:xfrm flipH="1" flipV="1">
+            <a:off x="9290709" y="5449041"/>
+            <a:ext cx="825555" cy="670089"/>
+          </a:xfrm>
+          <a:prstGeom prst="straightConnector1">
+            <a:avLst/>
+          </a:prstGeom>
+          <a:ln>
+            <a:tailEnd type="triangle"/>
+          </a:ln>
+        </p:spPr>
+        <p:style>
+          <a:lnRef idx="1">
+            <a:schemeClr val="accent1"/>
+          </a:lnRef>
+          <a:fillRef idx="0">
+            <a:schemeClr val="accent1"/>
+          </a:fillRef>
+          <a:effectRef idx="0">
+            <a:schemeClr val="accent1"/>
+          </a:effectRef>
+          <a:fontRef idx="minor">
+            <a:schemeClr val="tx1"/>
+          </a:fontRef>
+        </p:style>
+      </p:cxnSp>
+      <p:cxnSp>
+        <p:nvCxnSpPr>
+          <p:cNvPr id="142" name="Straight Arrow Connector 141"/>
+          <p:cNvCxnSpPr/>
+          <p:nvPr/>
+        </p:nvCxnSpPr>
+        <p:spPr>
+          <a:xfrm flipH="1" flipV="1">
+            <a:off x="9302679" y="5700108"/>
+            <a:ext cx="714111" cy="477292"/>
+          </a:xfrm>
+          <a:prstGeom prst="straightConnector1">
+            <a:avLst/>
+          </a:prstGeom>
+          <a:ln>
+            <a:tailEnd type="triangle"/>
+          </a:ln>
+        </p:spPr>
+        <p:style>
+          <a:lnRef idx="1">
+            <a:schemeClr val="accent1"/>
+          </a:lnRef>
+          <a:fillRef idx="0">
+            <a:schemeClr val="accent1"/>
+          </a:fillRef>
+          <a:effectRef idx="0">
+            <a:schemeClr val="accent1"/>
+          </a:effectRef>
+          <a:fontRef idx="minor">
+            <a:schemeClr val="tx1"/>
+          </a:fontRef>
+        </p:style>
+      </p:cxnSp>
+      <p:cxnSp>
+        <p:nvCxnSpPr>
+          <p:cNvPr id="143" name="Straight Arrow Connector 142"/>
+          <p:cNvCxnSpPr/>
+          <p:nvPr/>
+        </p:nvCxnSpPr>
+        <p:spPr>
+          <a:xfrm flipH="1" flipV="1">
+            <a:off x="9317201" y="6035122"/>
+            <a:ext cx="699589" cy="304800"/>
+          </a:xfrm>
+          <a:prstGeom prst="straightConnector1">
+            <a:avLst/>
+          </a:prstGeom>
+          <a:ln>
+            <a:tailEnd type="triangle"/>
+          </a:ln>
+        </p:spPr>
+        <p:style>
+          <a:lnRef idx="1">
+            <a:schemeClr val="accent1"/>
+          </a:lnRef>
+          <a:fillRef idx="0">
+            <a:schemeClr val="accent1"/>
+          </a:fillRef>
+          <a:effectRef idx="0">
+            <a:schemeClr val="accent1"/>
+          </a:effectRef>
+          <a:fontRef idx="minor">
+            <a:schemeClr val="tx1"/>
+          </a:fontRef>
+        </p:style>
+      </p:cxnSp>
+      <p:cxnSp>
+        <p:nvCxnSpPr>
+          <p:cNvPr id="144" name="Straight Arrow Connector 143"/>
+          <p:cNvCxnSpPr/>
+          <p:nvPr/>
+        </p:nvCxnSpPr>
+        <p:spPr>
+          <a:xfrm flipH="1" flipV="1">
+            <a:off x="9317201" y="6271530"/>
+            <a:ext cx="686593" cy="220792"/>
+          </a:xfrm>
+          <a:prstGeom prst="straightConnector1">
+            <a:avLst/>
+          </a:prstGeom>
+          <a:ln>
+            <a:tailEnd type="triangle"/>
+          </a:ln>
+        </p:spPr>
+        <p:style>
+          <a:lnRef idx="1">
+            <a:schemeClr val="accent1"/>
+          </a:lnRef>
+          <a:fillRef idx="0">
+            <a:schemeClr val="accent1"/>
+          </a:fillRef>
+          <a:effectRef idx="0">
+            <a:schemeClr val="accent1"/>
+          </a:effectRef>
+          <a:fontRef idx="minor">
+            <a:schemeClr val="tx1"/>
+          </a:fontRef>
+        </p:style>
+      </p:cxnSp>
+      <p:cxnSp>
+        <p:nvCxnSpPr>
+          <p:cNvPr id="157" name="Straight Arrow Connector 156"/>
+          <p:cNvCxnSpPr/>
+          <p:nvPr/>
+        </p:nvCxnSpPr>
+        <p:spPr>
+          <a:xfrm flipH="1" flipV="1">
+            <a:off x="9310878" y="4357300"/>
+            <a:ext cx="994236" cy="1410928"/>
+          </a:xfrm>
+          <a:prstGeom prst="straightConnector1">
+            <a:avLst/>
+          </a:prstGeom>
+          <a:ln>
+            <a:tailEnd type="triangle"/>
+          </a:ln>
+        </p:spPr>
+        <p:style>
+          <a:lnRef idx="1">
+            <a:schemeClr val="accent1"/>
+          </a:lnRef>
+          <a:fillRef idx="0">
+            <a:schemeClr val="accent1"/>
+          </a:fillRef>
+          <a:effectRef idx="0">
+            <a:schemeClr val="accent1"/>
+          </a:effectRef>
+          <a:fontRef idx="minor">
+            <a:schemeClr val="tx1"/>
+          </a:fontRef>
+        </p:style>
+      </p:cxnSp>
+      <p:cxnSp>
+        <p:nvCxnSpPr>
+          <p:cNvPr id="158" name="Straight Arrow Connector 157"/>
+          <p:cNvCxnSpPr/>
+          <p:nvPr/>
+        </p:nvCxnSpPr>
+        <p:spPr>
+          <a:xfrm flipH="1" flipV="1">
+            <a:off x="9307397" y="4042002"/>
+            <a:ext cx="1065066" cy="1710598"/>
+          </a:xfrm>
+          <a:prstGeom prst="straightConnector1">
+            <a:avLst/>
+          </a:prstGeom>
+          <a:ln>
+            <a:tailEnd type="triangle"/>
+          </a:ln>
+        </p:spPr>
+        <p:style>
+          <a:lnRef idx="1">
+            <a:schemeClr val="accent1"/>
+          </a:lnRef>
+          <a:fillRef idx="0">
+            <a:schemeClr val="accent1"/>
+          </a:fillRef>
+          <a:effectRef idx="0">
+            <a:schemeClr val="accent1"/>
+          </a:effectRef>
+          <a:fontRef idx="minor">
+            <a:schemeClr val="tx1"/>
+          </a:fontRef>
+        </p:style>
+      </p:cxnSp>
+      <p:sp>
+        <p:nvSpPr>
+          <p:cNvPr id="164" name="Rectangle 163"/>
           <p:cNvSpPr/>
           <p:nvPr/>
         </p:nvSpPr>
         <p:spPr>
           <a:xfrm>
-            <a:off x="5778843" y="572149"/>
-            <a:ext cx="696098" cy="400732"/>
+            <a:off x="10042685" y="3533519"/>
+            <a:ext cx="2067138" cy="583883"/>
           </a:xfrm>
           <a:prstGeom prst="rect">
             <a:avLst/>
@@ -4368,11 +6933,7 @@
           <a:solidFill>
             <a:schemeClr val="bg1"/>
           </a:solidFill>
-          <a:ln>
-            <a:solidFill>
-              <a:schemeClr val="bg1"/>
-            </a:solidFill>
-          </a:ln>
+          <a:ln w="31750"/>
         </p:spPr>
         <p:style>
           <a:lnRef idx="2">
@@ -4396,20 +6957,28 @@
           <a:p>
             <a:pPr algn="ctr"/>
             <a:r>
-              <a:rPr lang="en-US" dirty="0">
-                <a:solidFill>
-                  <a:schemeClr val="tx1"/>
-                </a:solidFill>
-              </a:rPr>
-              <a:t>4</a:t>
-            </a:r>
-            <a:r>
               <a:rPr lang="en-US" dirty="0" smtClean="0">
                 <a:solidFill>
                   <a:schemeClr val="tx1"/>
                 </a:solidFill>
               </a:rPr>
-              <a:t>00</a:t>
+              <a:t>String </a:t>
+            </a:r>
+            <a:r>
+              <a:rPr lang="en-US" dirty="0" err="1" smtClean="0">
+                <a:solidFill>
+                  <a:schemeClr val="tx1"/>
+                </a:solidFill>
+              </a:rPr>
+              <a:t>Line.toString</a:t>
+            </a:r>
+            <a:r>
+              <a:rPr lang="en-US" dirty="0" smtClean="0">
+                <a:solidFill>
+                  <a:schemeClr val="tx1"/>
+                </a:solidFill>
+              </a:rPr>
+              <a:t>()</a:t>
             </a:r>
             <a:endParaRPr lang="en-US" dirty="0">
               <a:solidFill>
@@ -4421,14 +6990,14 @@
       </p:sp>
       <p:sp>
         <p:nvSpPr>
-          <p:cNvPr id="64" name="Rectangle 63"/>
+          <p:cNvPr id="165" name="Rectangle 164"/>
           <p:cNvSpPr/>
           <p:nvPr/>
         </p:nvSpPr>
         <p:spPr>
           <a:xfrm>
-            <a:off x="5765586" y="1032757"/>
-            <a:ext cx="696098" cy="400732"/>
+            <a:off x="10179911" y="4205322"/>
+            <a:ext cx="1953628" cy="745539"/>
           </a:xfrm>
           <a:prstGeom prst="rect">
             <a:avLst/>
@@ -4436,2703 +7005,7 @@
           <a:solidFill>
             <a:schemeClr val="bg1"/>
           </a:solidFill>
-          <a:ln>
-            <a:solidFill>
-              <a:schemeClr val="bg1"/>
-            </a:solidFill>
-          </a:ln>
-        </p:spPr>
-        <p:style>
-          <a:lnRef idx="2">
-            <a:schemeClr val="accent1">
-              <a:shade val="50000"/>
-            </a:schemeClr>
-          </a:lnRef>
-          <a:fillRef idx="1">
-            <a:schemeClr val="accent1"/>
-          </a:fillRef>
-          <a:effectRef idx="0">
-            <a:schemeClr val="accent1"/>
-          </a:effectRef>
-          <a:fontRef idx="minor">
-            <a:schemeClr val="lt1"/>
-          </a:fontRef>
-        </p:style>
-        <p:txBody>
-          <a:bodyPr rtlCol="0" anchor="ctr"/>
-          <a:lstStyle/>
-          <a:p>
-            <a:pPr algn="ctr"/>
-            <a:r>
-              <a:rPr lang="en-US" dirty="0">
-                <a:solidFill>
-                  <a:schemeClr val="tx1"/>
-                </a:solidFill>
-              </a:rPr>
-              <a:t>7</a:t>
-            </a:r>
-          </a:p>
-        </p:txBody>
-      </p:sp>
-      <p:sp>
-        <p:nvSpPr>
-          <p:cNvPr id="65" name="Rectangle 64"/>
-          <p:cNvSpPr/>
-          <p:nvPr/>
-        </p:nvSpPr>
-        <p:spPr>
-          <a:xfrm>
-            <a:off x="5799201" y="1482526"/>
-            <a:ext cx="696098" cy="400732"/>
-          </a:xfrm>
-          <a:prstGeom prst="rect">
-            <a:avLst/>
-          </a:prstGeom>
-          <a:solidFill>
-            <a:schemeClr val="bg1"/>
-          </a:solidFill>
-          <a:ln>
-            <a:solidFill>
-              <a:schemeClr val="bg1"/>
-            </a:solidFill>
-          </a:ln>
-        </p:spPr>
-        <p:style>
-          <a:lnRef idx="2">
-            <a:schemeClr val="accent1">
-              <a:shade val="50000"/>
-            </a:schemeClr>
-          </a:lnRef>
-          <a:fillRef idx="1">
-            <a:schemeClr val="accent1"/>
-          </a:fillRef>
-          <a:effectRef idx="0">
-            <a:schemeClr val="accent1"/>
-          </a:effectRef>
-          <a:fontRef idx="minor">
-            <a:schemeClr val="lt1"/>
-          </a:fontRef>
-        </p:style>
-        <p:txBody>
-          <a:bodyPr rtlCol="0" anchor="ctr"/>
-          <a:lstStyle/>
-          <a:p>
-            <a:pPr algn="ctr"/>
-            <a:r>
-              <a:rPr lang="en-US" dirty="0">
-                <a:solidFill>
-                  <a:schemeClr val="tx1"/>
-                </a:solidFill>
-              </a:rPr>
-              <a:t>7</a:t>
-            </a:r>
-            <a:r>
-              <a:rPr lang="en-US" dirty="0" smtClean="0">
-                <a:solidFill>
-                  <a:schemeClr val="tx1"/>
-                </a:solidFill>
-              </a:rPr>
-              <a:t>00</a:t>
-            </a:r>
-            <a:endParaRPr lang="en-US" dirty="0">
-              <a:solidFill>
-                <a:schemeClr val="tx1"/>
-              </a:solidFill>
-            </a:endParaRPr>
-          </a:p>
-        </p:txBody>
-      </p:sp>
-      <p:sp>
-        <p:nvSpPr>
-          <p:cNvPr id="67" name="Rectangle 66"/>
-          <p:cNvSpPr/>
-          <p:nvPr/>
-        </p:nvSpPr>
-        <p:spPr>
-          <a:xfrm>
-            <a:off x="6973330" y="293961"/>
-            <a:ext cx="2224217" cy="400732"/>
-          </a:xfrm>
-          <a:prstGeom prst="rect">
-            <a:avLst/>
-          </a:prstGeom>
-          <a:solidFill>
-            <a:schemeClr val="bg1"/>
-          </a:solidFill>
-          <a:ln>
-            <a:solidFill>
-              <a:schemeClr val="accent1"/>
-            </a:solidFill>
-          </a:ln>
-        </p:spPr>
-        <p:style>
-          <a:lnRef idx="2">
-            <a:schemeClr val="accent1">
-              <a:shade val="50000"/>
-            </a:schemeClr>
-          </a:lnRef>
-          <a:fillRef idx="1">
-            <a:schemeClr val="accent1"/>
-          </a:fillRef>
-          <a:effectRef idx="0">
-            <a:schemeClr val="accent1"/>
-          </a:effectRef>
-          <a:fontRef idx="minor">
-            <a:schemeClr val="lt1"/>
-          </a:fontRef>
-        </p:style>
-        <p:txBody>
-          <a:bodyPr rtlCol="0" anchor="ctr"/>
-          <a:lstStyle/>
-          <a:p>
-            <a:pPr algn="ctr"/>
-            <a:r>
-              <a:rPr lang="en-US" dirty="0" err="1">
-                <a:solidFill>
-                  <a:schemeClr val="tx1"/>
-                </a:solidFill>
-              </a:rPr>
-              <a:t>i</a:t>
-            </a:r>
-            <a:r>
-              <a:rPr lang="en-US" dirty="0" err="1" smtClean="0">
-                <a:solidFill>
-                  <a:schemeClr val="tx1"/>
-                </a:solidFill>
-              </a:rPr>
-              <a:t>nt</a:t>
-            </a:r>
-            <a:r>
-              <a:rPr lang="en-US" dirty="0" smtClean="0">
-                <a:solidFill>
-                  <a:schemeClr val="tx1"/>
-                </a:solidFill>
-              </a:rPr>
-              <a:t> </a:t>
-            </a:r>
-            <a:r>
-              <a:rPr lang="en-US" dirty="0" err="1" smtClean="0">
-                <a:solidFill>
-                  <a:schemeClr val="tx1"/>
-                </a:solidFill>
-              </a:rPr>
-              <a:t>getBoardID</a:t>
-            </a:r>
-            <a:r>
-              <a:rPr lang="en-US" dirty="0" smtClean="0">
-                <a:solidFill>
-                  <a:schemeClr val="tx1"/>
-                </a:solidFill>
-              </a:rPr>
-              <a:t>()</a:t>
-            </a:r>
-            <a:endParaRPr lang="en-US" dirty="0">
-              <a:solidFill>
-                <a:schemeClr val="tx1"/>
-              </a:solidFill>
-            </a:endParaRPr>
-          </a:p>
-        </p:txBody>
-      </p:sp>
-      <p:sp>
-        <p:nvSpPr>
-          <p:cNvPr id="68" name="Rectangle 67"/>
-          <p:cNvSpPr/>
-          <p:nvPr/>
-        </p:nvSpPr>
-        <p:spPr>
-          <a:xfrm>
-            <a:off x="7196787" y="1086610"/>
-            <a:ext cx="2224217" cy="400732"/>
-          </a:xfrm>
-          <a:prstGeom prst="rect">
-            <a:avLst/>
-          </a:prstGeom>
-          <a:solidFill>
-            <a:schemeClr val="bg1"/>
-          </a:solidFill>
-          <a:ln>
-            <a:solidFill>
-              <a:schemeClr val="accent1"/>
-            </a:solidFill>
-          </a:ln>
-        </p:spPr>
-        <p:style>
-          <a:lnRef idx="2">
-            <a:schemeClr val="accent1">
-              <a:shade val="50000"/>
-            </a:schemeClr>
-          </a:lnRef>
-          <a:fillRef idx="1">
-            <a:schemeClr val="accent1"/>
-          </a:fillRef>
-          <a:effectRef idx="0">
-            <a:schemeClr val="accent1"/>
-          </a:effectRef>
-          <a:fontRef idx="minor">
-            <a:schemeClr val="lt1"/>
-          </a:fontRef>
-        </p:style>
-        <p:txBody>
-          <a:bodyPr rtlCol="0" anchor="ctr"/>
-          <a:lstStyle/>
-          <a:p>
-            <a:pPr algn="ctr"/>
-            <a:r>
-              <a:rPr lang="en-US" dirty="0" err="1">
-                <a:solidFill>
-                  <a:schemeClr val="tx1"/>
-                </a:solidFill>
-              </a:rPr>
-              <a:t>i</a:t>
-            </a:r>
-            <a:r>
-              <a:rPr lang="en-US" dirty="0" err="1" smtClean="0">
-                <a:solidFill>
-                  <a:schemeClr val="tx1"/>
-                </a:solidFill>
-              </a:rPr>
-              <a:t>nt</a:t>
-            </a:r>
-            <a:r>
-              <a:rPr lang="en-US" dirty="0" smtClean="0">
-                <a:solidFill>
-                  <a:schemeClr val="tx1"/>
-                </a:solidFill>
-              </a:rPr>
-              <a:t> </a:t>
-            </a:r>
-            <a:r>
-              <a:rPr lang="en-US" dirty="0" err="1" smtClean="0">
-                <a:solidFill>
-                  <a:schemeClr val="tx1"/>
-                </a:solidFill>
-              </a:rPr>
-              <a:t>getHeight</a:t>
-            </a:r>
-            <a:r>
-              <a:rPr lang="en-US" dirty="0" smtClean="0">
-                <a:solidFill>
-                  <a:schemeClr val="tx1"/>
-                </a:solidFill>
-              </a:rPr>
-              <a:t>()</a:t>
-            </a:r>
-            <a:endParaRPr lang="en-US" dirty="0">
-              <a:solidFill>
-                <a:schemeClr val="tx1"/>
-              </a:solidFill>
-            </a:endParaRPr>
-          </a:p>
-        </p:txBody>
-      </p:sp>
-      <p:sp>
-        <p:nvSpPr>
-          <p:cNvPr id="69" name="Rectangle 68"/>
-          <p:cNvSpPr/>
-          <p:nvPr/>
-        </p:nvSpPr>
-        <p:spPr>
-          <a:xfrm>
-            <a:off x="7086494" y="1631752"/>
-            <a:ext cx="2224217" cy="400732"/>
-          </a:xfrm>
-          <a:prstGeom prst="rect">
-            <a:avLst/>
-          </a:prstGeom>
-          <a:solidFill>
-            <a:schemeClr val="bg1"/>
-          </a:solidFill>
-          <a:ln>
-            <a:solidFill>
-              <a:schemeClr val="accent1"/>
-            </a:solidFill>
-          </a:ln>
-        </p:spPr>
-        <p:style>
-          <a:lnRef idx="2">
-            <a:schemeClr val="accent1">
-              <a:shade val="50000"/>
-            </a:schemeClr>
-          </a:lnRef>
-          <a:fillRef idx="1">
-            <a:schemeClr val="accent1"/>
-          </a:fillRef>
-          <a:effectRef idx="0">
-            <a:schemeClr val="accent1"/>
-          </a:effectRef>
-          <a:fontRef idx="minor">
-            <a:schemeClr val="lt1"/>
-          </a:fontRef>
-        </p:style>
-        <p:txBody>
-          <a:bodyPr rtlCol="0" anchor="ctr"/>
-          <a:lstStyle/>
-          <a:p>
-            <a:pPr algn="ctr"/>
-            <a:r>
-              <a:rPr lang="en-US" dirty="0" err="1">
-                <a:solidFill>
-                  <a:schemeClr val="tx1"/>
-                </a:solidFill>
-              </a:rPr>
-              <a:t>i</a:t>
-            </a:r>
-            <a:r>
-              <a:rPr lang="en-US" dirty="0" err="1" smtClean="0">
-                <a:solidFill>
-                  <a:schemeClr val="tx1"/>
-                </a:solidFill>
-              </a:rPr>
-              <a:t>nt</a:t>
-            </a:r>
-            <a:r>
-              <a:rPr lang="en-US" dirty="0" smtClean="0">
-                <a:solidFill>
-                  <a:schemeClr val="tx1"/>
-                </a:solidFill>
-              </a:rPr>
-              <a:t> </a:t>
-            </a:r>
-            <a:r>
-              <a:rPr lang="en-US" dirty="0" err="1" smtClean="0">
-                <a:solidFill>
-                  <a:schemeClr val="tx1"/>
-                </a:solidFill>
-              </a:rPr>
-              <a:t>getWidth</a:t>
-            </a:r>
-            <a:r>
-              <a:rPr lang="en-US" dirty="0" smtClean="0">
-                <a:solidFill>
-                  <a:schemeClr val="tx1"/>
-                </a:solidFill>
-              </a:rPr>
-              <a:t>()</a:t>
-            </a:r>
-            <a:endParaRPr lang="en-US" dirty="0">
-              <a:solidFill>
-                <a:schemeClr val="tx1"/>
-              </a:solidFill>
-            </a:endParaRPr>
-          </a:p>
-        </p:txBody>
-      </p:sp>
-      <p:cxnSp>
-        <p:nvCxnSpPr>
-          <p:cNvPr id="71" name="Straight Arrow Connector 70"/>
-          <p:cNvCxnSpPr>
-            <a:stCxn id="67" idx="1"/>
-          </p:cNvCxnSpPr>
-          <p:nvPr/>
-        </p:nvCxnSpPr>
-        <p:spPr>
-          <a:xfrm flipH="1">
-            <a:off x="6326156" y="494327"/>
-            <a:ext cx="647174" cy="656689"/>
-          </a:xfrm>
-          <a:prstGeom prst="straightConnector1">
-            <a:avLst/>
-          </a:prstGeom>
-          <a:ln>
-            <a:tailEnd type="triangle"/>
-          </a:ln>
-        </p:spPr>
-        <p:style>
-          <a:lnRef idx="1">
-            <a:schemeClr val="accent1"/>
-          </a:lnRef>
-          <a:fillRef idx="0">
-            <a:schemeClr val="accent1"/>
-          </a:fillRef>
-          <a:effectRef idx="0">
-            <a:schemeClr val="accent1"/>
-          </a:effectRef>
-          <a:fontRef idx="minor">
-            <a:schemeClr val="tx1"/>
-          </a:fontRef>
-        </p:style>
-      </p:cxnSp>
-      <p:cxnSp>
-        <p:nvCxnSpPr>
-          <p:cNvPr id="72" name="Straight Arrow Connector 71"/>
-          <p:cNvCxnSpPr/>
-          <p:nvPr/>
-        </p:nvCxnSpPr>
-        <p:spPr>
-          <a:xfrm flipH="1">
-            <a:off x="6441989" y="1280149"/>
-            <a:ext cx="676808" cy="288596"/>
-          </a:xfrm>
-          <a:prstGeom prst="straightConnector1">
-            <a:avLst/>
-          </a:prstGeom>
-          <a:ln>
-            <a:tailEnd type="triangle"/>
-          </a:ln>
-        </p:spPr>
-        <p:style>
-          <a:lnRef idx="1">
-            <a:schemeClr val="accent1"/>
-          </a:lnRef>
-          <a:fillRef idx="0">
-            <a:schemeClr val="accent1"/>
-          </a:fillRef>
-          <a:effectRef idx="0">
-            <a:schemeClr val="accent1"/>
-          </a:effectRef>
-          <a:fontRef idx="minor">
-            <a:schemeClr val="tx1"/>
-          </a:fontRef>
-        </p:style>
-      </p:cxnSp>
-      <p:cxnSp>
-        <p:nvCxnSpPr>
-          <p:cNvPr id="73" name="Straight Arrow Connector 72"/>
-          <p:cNvCxnSpPr>
-            <a:endCxn id="62" idx="3"/>
-          </p:cNvCxnSpPr>
-          <p:nvPr/>
-        </p:nvCxnSpPr>
-        <p:spPr>
-          <a:xfrm flipH="1">
-            <a:off x="6495299" y="1905695"/>
-            <a:ext cx="774260" cy="204859"/>
-          </a:xfrm>
-          <a:prstGeom prst="straightConnector1">
-            <a:avLst/>
-          </a:prstGeom>
-          <a:ln>
-            <a:tailEnd type="triangle"/>
-          </a:ln>
-        </p:spPr>
-        <p:style>
-          <a:lnRef idx="1">
-            <a:schemeClr val="accent1"/>
-          </a:lnRef>
-          <a:fillRef idx="0">
-            <a:schemeClr val="accent1"/>
-          </a:fillRef>
-          <a:effectRef idx="0">
-            <a:schemeClr val="accent1"/>
-          </a:effectRef>
-          <a:fontRef idx="minor">
-            <a:schemeClr val="tx1"/>
-          </a:fontRef>
-        </p:style>
-      </p:cxnSp>
-      <p:cxnSp>
-        <p:nvCxnSpPr>
-          <p:cNvPr id="77" name="Straight Connector 76"/>
-          <p:cNvCxnSpPr/>
-          <p:nvPr/>
-        </p:nvCxnSpPr>
-        <p:spPr>
-          <a:xfrm>
-            <a:off x="4908216" y="344230"/>
-            <a:ext cx="89324" cy="200366"/>
-          </a:xfrm>
-          <a:prstGeom prst="line">
-            <a:avLst/>
-          </a:prstGeom>
-        </p:spPr>
-        <p:style>
-          <a:lnRef idx="1">
-            <a:schemeClr val="accent1"/>
-          </a:lnRef>
-          <a:fillRef idx="0">
-            <a:schemeClr val="accent1"/>
-          </a:fillRef>
-          <a:effectRef idx="0">
-            <a:schemeClr val="accent1"/>
-          </a:effectRef>
-          <a:fontRef idx="minor">
-            <a:schemeClr val="tx1"/>
-          </a:fontRef>
-        </p:style>
-      </p:cxnSp>
-      <p:cxnSp>
-        <p:nvCxnSpPr>
-          <p:cNvPr id="78" name="Straight Connector 77"/>
-          <p:cNvCxnSpPr/>
-          <p:nvPr/>
-        </p:nvCxnSpPr>
-        <p:spPr>
-          <a:xfrm>
-            <a:off x="5148009" y="1151117"/>
-            <a:ext cx="89324" cy="200366"/>
-          </a:xfrm>
-          <a:prstGeom prst="line">
-            <a:avLst/>
-          </a:prstGeom>
-        </p:spPr>
-        <p:style>
-          <a:lnRef idx="1">
-            <a:schemeClr val="accent1"/>
-          </a:lnRef>
-          <a:fillRef idx="0">
-            <a:schemeClr val="accent1"/>
-          </a:fillRef>
-          <a:effectRef idx="0">
-            <a:schemeClr val="accent1"/>
-          </a:effectRef>
-          <a:fontRef idx="minor">
-            <a:schemeClr val="tx1"/>
-          </a:fontRef>
-        </p:style>
-      </p:cxnSp>
-      <p:cxnSp>
-        <p:nvCxnSpPr>
-          <p:cNvPr id="79" name="Straight Connector 78"/>
-          <p:cNvCxnSpPr/>
-          <p:nvPr/>
-        </p:nvCxnSpPr>
-        <p:spPr>
-          <a:xfrm>
-            <a:off x="5203486" y="1516728"/>
-            <a:ext cx="89324" cy="200366"/>
-          </a:xfrm>
-          <a:prstGeom prst="line">
-            <a:avLst/>
-          </a:prstGeom>
-        </p:spPr>
-        <p:style>
-          <a:lnRef idx="1">
-            <a:schemeClr val="accent1"/>
-          </a:lnRef>
-          <a:fillRef idx="0">
-            <a:schemeClr val="accent1"/>
-          </a:fillRef>
-          <a:effectRef idx="0">
-            <a:schemeClr val="accent1"/>
-          </a:effectRef>
-          <a:fontRef idx="minor">
-            <a:schemeClr val="tx1"/>
-          </a:fontRef>
-        </p:style>
-      </p:cxnSp>
-      <p:cxnSp>
-        <p:nvCxnSpPr>
-          <p:cNvPr id="80" name="Straight Connector 79"/>
-          <p:cNvCxnSpPr/>
-          <p:nvPr/>
-        </p:nvCxnSpPr>
-        <p:spPr>
-          <a:xfrm>
-            <a:off x="5228728" y="1888005"/>
-            <a:ext cx="89324" cy="200366"/>
-          </a:xfrm>
-          <a:prstGeom prst="line">
-            <a:avLst/>
-          </a:prstGeom>
-        </p:spPr>
-        <p:style>
-          <a:lnRef idx="1">
-            <a:schemeClr val="accent1"/>
-          </a:lnRef>
-          <a:fillRef idx="0">
-            <a:schemeClr val="accent1"/>
-          </a:fillRef>
-          <a:effectRef idx="0">
-            <a:schemeClr val="accent1"/>
-          </a:effectRef>
-          <a:fontRef idx="minor">
-            <a:schemeClr val="tx1"/>
-          </a:fontRef>
-        </p:style>
-      </p:cxnSp>
-      <p:cxnSp>
-        <p:nvCxnSpPr>
-          <p:cNvPr id="81" name="Straight Connector 80"/>
-          <p:cNvCxnSpPr/>
-          <p:nvPr/>
-        </p:nvCxnSpPr>
-        <p:spPr>
-          <a:xfrm>
-            <a:off x="5037583" y="791774"/>
-            <a:ext cx="87386" cy="209119"/>
-          </a:xfrm>
-          <a:prstGeom prst="line">
-            <a:avLst/>
-          </a:prstGeom>
-        </p:spPr>
-        <p:style>
-          <a:lnRef idx="1">
-            <a:schemeClr val="accent1"/>
-          </a:lnRef>
-          <a:fillRef idx="0">
-            <a:schemeClr val="accent1"/>
-          </a:fillRef>
-          <a:effectRef idx="0">
-            <a:schemeClr val="accent1"/>
-          </a:effectRef>
-          <a:fontRef idx="minor">
-            <a:schemeClr val="tx1"/>
-          </a:fontRef>
-        </p:style>
-      </p:cxnSp>
-      <p:cxnSp>
-        <p:nvCxnSpPr>
-          <p:cNvPr id="84" name="Straight Arrow Connector 83"/>
-          <p:cNvCxnSpPr/>
-          <p:nvPr/>
-        </p:nvCxnSpPr>
-        <p:spPr>
-          <a:xfrm>
-            <a:off x="3522858" y="2597824"/>
-            <a:ext cx="1795181" cy="171572"/>
-          </a:xfrm>
-          <a:prstGeom prst="straightConnector1">
-            <a:avLst/>
-          </a:prstGeom>
-          <a:ln>
-            <a:tailEnd type="triangle"/>
-          </a:ln>
-        </p:spPr>
-        <p:style>
-          <a:lnRef idx="1">
-            <a:schemeClr val="accent1"/>
-          </a:lnRef>
-          <a:fillRef idx="0">
-            <a:schemeClr val="accent1"/>
-          </a:fillRef>
-          <a:effectRef idx="0">
-            <a:schemeClr val="accent1"/>
-          </a:effectRef>
-          <a:fontRef idx="minor">
-            <a:schemeClr val="tx1"/>
-          </a:fontRef>
-        </p:style>
-      </p:cxnSp>
-      <p:cxnSp>
-        <p:nvCxnSpPr>
-          <p:cNvPr id="86" name="Straight Connector 85"/>
-          <p:cNvCxnSpPr/>
-          <p:nvPr/>
-        </p:nvCxnSpPr>
-        <p:spPr>
-          <a:xfrm flipH="1">
-            <a:off x="4853003" y="2514389"/>
-            <a:ext cx="110426" cy="352534"/>
-          </a:xfrm>
-          <a:prstGeom prst="line">
-            <a:avLst/>
-          </a:prstGeom>
-        </p:spPr>
-        <p:style>
-          <a:lnRef idx="1">
-            <a:schemeClr val="accent1"/>
-          </a:lnRef>
-          <a:fillRef idx="0">
-            <a:schemeClr val="accent1"/>
-          </a:fillRef>
-          <a:effectRef idx="0">
-            <a:schemeClr val="accent1"/>
-          </a:effectRef>
-          <a:fontRef idx="minor">
-            <a:schemeClr val="tx1"/>
-          </a:fontRef>
-        </p:style>
-      </p:cxnSp>
-      <p:sp>
-        <p:nvSpPr>
-          <p:cNvPr id="87" name="Rounded Rectangle 86"/>
-          <p:cNvSpPr/>
-          <p:nvPr/>
-        </p:nvSpPr>
-        <p:spPr>
-          <a:xfrm>
-            <a:off x="5385124" y="2437499"/>
-            <a:ext cx="3102061" cy="860319"/>
-          </a:xfrm>
-          <a:prstGeom prst="roundRect">
-            <a:avLst/>
-          </a:prstGeom>
-          <a:solidFill>
-            <a:schemeClr val="bg1"/>
-          </a:solidFill>
-        </p:spPr>
-        <p:style>
-          <a:lnRef idx="2">
-            <a:schemeClr val="accent1">
-              <a:shade val="50000"/>
-            </a:schemeClr>
-          </a:lnRef>
-          <a:fillRef idx="1">
-            <a:schemeClr val="accent1"/>
-          </a:fillRef>
-          <a:effectRef idx="0">
-            <a:schemeClr val="accent1"/>
-          </a:effectRef>
-          <a:fontRef idx="minor">
-            <a:schemeClr val="lt1"/>
-          </a:fontRef>
-        </p:style>
-        <p:txBody>
-          <a:bodyPr rtlCol="0" anchor="ctr"/>
-          <a:lstStyle/>
-          <a:p>
-            <a:pPr algn="ctr"/>
-            <a:r>
-              <a:rPr lang="en-US" dirty="0" smtClean="0">
-                <a:solidFill>
-                  <a:schemeClr val="tx1"/>
-                </a:solidFill>
-              </a:rPr>
-              <a:t>List&lt;Line&gt; </a:t>
-            </a:r>
-            <a:r>
-              <a:rPr lang="en-US" dirty="0" err="1" smtClean="0">
-                <a:solidFill>
-                  <a:schemeClr val="tx1"/>
-                </a:solidFill>
-              </a:rPr>
-              <a:t>drawnLines</a:t>
-            </a:r>
-            <a:endParaRPr lang="en-US" dirty="0" smtClean="0">
-              <a:solidFill>
-                <a:schemeClr val="tx1"/>
-              </a:solidFill>
-            </a:endParaRPr>
-          </a:p>
-          <a:p>
-            <a:pPr algn="ctr"/>
-            <a:r>
-              <a:rPr lang="en-US" dirty="0" smtClean="0">
-                <a:solidFill>
-                  <a:schemeClr val="tx1"/>
-                </a:solidFill>
-              </a:rPr>
-              <a:t>0    </a:t>
-            </a:r>
-            <a:r>
-              <a:rPr lang="en-US" dirty="0">
-                <a:solidFill>
-                  <a:srgbClr val="C00000"/>
-                </a:solidFill>
-              </a:rPr>
-              <a:t>1</a:t>
-            </a:r>
-            <a:r>
-              <a:rPr lang="en-US" dirty="0" smtClean="0">
-                <a:solidFill>
-                  <a:schemeClr val="tx1"/>
-                </a:solidFill>
-              </a:rPr>
-              <a:t>     </a:t>
-            </a:r>
-            <a:endParaRPr lang="en-US" dirty="0">
-              <a:solidFill>
-                <a:schemeClr val="tx1"/>
-              </a:solidFill>
-            </a:endParaRPr>
-          </a:p>
-        </p:txBody>
-      </p:sp>
-      <p:sp>
-        <p:nvSpPr>
-          <p:cNvPr id="89" name="Rectangle 88"/>
-          <p:cNvSpPr/>
-          <p:nvPr/>
-        </p:nvSpPr>
-        <p:spPr>
-          <a:xfrm>
-            <a:off x="1602538" y="2634875"/>
-            <a:ext cx="1536078" cy="559824"/>
-          </a:xfrm>
-          <a:prstGeom prst="rect">
-            <a:avLst/>
-          </a:prstGeom>
-          <a:solidFill>
-            <a:schemeClr val="bg1"/>
-          </a:solidFill>
-          <a:ln>
-            <a:solidFill>
-              <a:schemeClr val="bg1"/>
-            </a:solidFill>
-          </a:ln>
-        </p:spPr>
-        <p:style>
-          <a:lnRef idx="2">
-            <a:schemeClr val="accent1">
-              <a:shade val="50000"/>
-            </a:schemeClr>
-          </a:lnRef>
-          <a:fillRef idx="1">
-            <a:schemeClr val="accent1"/>
-          </a:fillRef>
-          <a:effectRef idx="0">
-            <a:schemeClr val="accent1"/>
-          </a:effectRef>
-          <a:fontRef idx="minor">
-            <a:schemeClr val="lt1"/>
-          </a:fontRef>
-        </p:style>
-        <p:txBody>
-          <a:bodyPr rtlCol="0" anchor="ctr"/>
-          <a:lstStyle/>
-          <a:p>
-            <a:pPr algn="ctr"/>
-            <a:r>
-              <a:rPr lang="en-US" dirty="0" smtClean="0">
-                <a:solidFill>
-                  <a:schemeClr val="tx1"/>
-                </a:solidFill>
-              </a:rPr>
-              <a:t>String </a:t>
-            </a:r>
-            <a:r>
-              <a:rPr lang="en-US" dirty="0" err="1" smtClean="0">
-                <a:solidFill>
-                  <a:schemeClr val="tx1"/>
-                </a:solidFill>
-              </a:rPr>
-              <a:t>boardName</a:t>
-            </a:r>
-            <a:endParaRPr lang="en-US" dirty="0">
-              <a:solidFill>
-                <a:schemeClr val="tx1"/>
-              </a:solidFill>
-            </a:endParaRPr>
-          </a:p>
-        </p:txBody>
-      </p:sp>
-      <p:sp>
-        <p:nvSpPr>
-          <p:cNvPr id="93" name="Rectangle 92"/>
-          <p:cNvSpPr/>
-          <p:nvPr/>
-        </p:nvSpPr>
-        <p:spPr>
-          <a:xfrm>
-            <a:off x="9582412" y="1431690"/>
-            <a:ext cx="2228545" cy="556003"/>
-          </a:xfrm>
-          <a:prstGeom prst="rect">
-            <a:avLst/>
-          </a:prstGeom>
-          <a:solidFill>
-            <a:schemeClr val="bg1"/>
-          </a:solidFill>
-        </p:spPr>
-        <p:style>
-          <a:lnRef idx="2">
-            <a:schemeClr val="accent1">
-              <a:shade val="50000"/>
-            </a:schemeClr>
-          </a:lnRef>
-          <a:fillRef idx="1">
-            <a:schemeClr val="accent1"/>
-          </a:fillRef>
-          <a:effectRef idx="0">
-            <a:schemeClr val="accent1"/>
-          </a:effectRef>
-          <a:fontRef idx="minor">
-            <a:schemeClr val="lt1"/>
-          </a:fontRef>
-        </p:style>
-        <p:txBody>
-          <a:bodyPr rtlCol="0" anchor="ctr"/>
-          <a:lstStyle/>
-          <a:p>
-            <a:pPr algn="ctr"/>
-            <a:r>
-              <a:rPr lang="en-US" dirty="0" smtClean="0">
-                <a:solidFill>
-                  <a:schemeClr val="tx1"/>
-                </a:solidFill>
-              </a:rPr>
-              <a:t>List&lt;Line&gt; </a:t>
-            </a:r>
-            <a:r>
-              <a:rPr lang="en-US" dirty="0" err="1" smtClean="0">
-                <a:solidFill>
-                  <a:schemeClr val="tx1"/>
-                </a:solidFill>
-              </a:rPr>
-              <a:t>getLines</a:t>
-            </a:r>
-            <a:r>
-              <a:rPr lang="en-US" dirty="0" smtClean="0">
-                <a:solidFill>
-                  <a:schemeClr val="tx1"/>
-                </a:solidFill>
-              </a:rPr>
-              <a:t>()</a:t>
-            </a:r>
-            <a:endParaRPr lang="en-US" dirty="0">
-              <a:solidFill>
-                <a:schemeClr val="tx1"/>
-              </a:solidFill>
-            </a:endParaRPr>
-          </a:p>
-        </p:txBody>
-      </p:sp>
-      <p:sp>
-        <p:nvSpPr>
-          <p:cNvPr id="94" name="Rectangle 93"/>
-          <p:cNvSpPr/>
-          <p:nvPr/>
-        </p:nvSpPr>
-        <p:spPr>
-          <a:xfrm>
-            <a:off x="9582411" y="2153524"/>
-            <a:ext cx="2228545" cy="579639"/>
-          </a:xfrm>
-          <a:prstGeom prst="rect">
-            <a:avLst/>
-          </a:prstGeom>
-          <a:solidFill>
-            <a:schemeClr val="bg1"/>
-          </a:solidFill>
-        </p:spPr>
-        <p:style>
-          <a:lnRef idx="2">
-            <a:schemeClr val="accent1">
-              <a:shade val="50000"/>
-            </a:schemeClr>
-          </a:lnRef>
-          <a:fillRef idx="1">
-            <a:schemeClr val="accent1"/>
-          </a:fillRef>
-          <a:effectRef idx="0">
-            <a:schemeClr val="accent1"/>
-          </a:effectRef>
-          <a:fontRef idx="minor">
-            <a:schemeClr val="lt1"/>
-          </a:fontRef>
-        </p:style>
-        <p:txBody>
-          <a:bodyPr rtlCol="0" anchor="ctr"/>
-          <a:lstStyle/>
-          <a:p>
-            <a:pPr algn="ctr"/>
-            <a:r>
-              <a:rPr lang="en-US" dirty="0" smtClean="0">
-                <a:solidFill>
-                  <a:schemeClr val="tx1"/>
-                </a:solidFill>
-              </a:rPr>
-              <a:t>void </a:t>
-            </a:r>
-            <a:r>
-              <a:rPr lang="en-US" dirty="0" err="1" smtClean="0">
-                <a:solidFill>
-                  <a:schemeClr val="tx1"/>
-                </a:solidFill>
-              </a:rPr>
-              <a:t>clearBoard</a:t>
-            </a:r>
-            <a:r>
-              <a:rPr lang="en-US" dirty="0" smtClean="0">
-                <a:solidFill>
-                  <a:schemeClr val="tx1"/>
-                </a:solidFill>
-              </a:rPr>
-              <a:t>()</a:t>
-            </a:r>
-            <a:endParaRPr lang="en-US" dirty="0">
-              <a:solidFill>
-                <a:schemeClr val="tx1"/>
-              </a:solidFill>
-            </a:endParaRPr>
-          </a:p>
-        </p:txBody>
-      </p:sp>
-      <p:sp>
-        <p:nvSpPr>
-          <p:cNvPr id="95" name="Rectangle 94"/>
-          <p:cNvSpPr/>
-          <p:nvPr/>
-        </p:nvSpPr>
-        <p:spPr>
-          <a:xfrm>
-            <a:off x="9421004" y="2877781"/>
-            <a:ext cx="2228545" cy="579639"/>
-          </a:xfrm>
-          <a:prstGeom prst="rect">
-            <a:avLst/>
-          </a:prstGeom>
-          <a:solidFill>
-            <a:schemeClr val="bg1"/>
-          </a:solidFill>
-        </p:spPr>
-        <p:style>
-          <a:lnRef idx="2">
-            <a:schemeClr val="accent1">
-              <a:shade val="50000"/>
-            </a:schemeClr>
-          </a:lnRef>
-          <a:fillRef idx="1">
-            <a:schemeClr val="accent1"/>
-          </a:fillRef>
-          <a:effectRef idx="0">
-            <a:schemeClr val="accent1"/>
-          </a:effectRef>
-          <a:fontRef idx="minor">
-            <a:schemeClr val="lt1"/>
-          </a:fontRef>
-        </p:style>
-        <p:txBody>
-          <a:bodyPr rtlCol="0" anchor="ctr"/>
-          <a:lstStyle/>
-          <a:p>
-            <a:pPr algn="ctr"/>
-            <a:r>
-              <a:rPr lang="en-US" dirty="0" smtClean="0">
-                <a:solidFill>
-                  <a:srgbClr val="C00000"/>
-                </a:solidFill>
-              </a:rPr>
-              <a:t>void </a:t>
-            </a:r>
-            <a:r>
-              <a:rPr lang="en-US" dirty="0" err="1" smtClean="0">
-                <a:solidFill>
-                  <a:srgbClr val="C00000"/>
-                </a:solidFill>
-              </a:rPr>
-              <a:t>addLine</a:t>
-            </a:r>
-            <a:r>
-              <a:rPr lang="en-US" dirty="0" smtClean="0">
-                <a:solidFill>
-                  <a:srgbClr val="C00000"/>
-                </a:solidFill>
-              </a:rPr>
-              <a:t>(Line)</a:t>
-            </a:r>
-          </a:p>
-          <a:p>
-            <a:pPr algn="ctr"/>
-            <a:r>
-              <a:rPr lang="en-US" dirty="0" smtClean="0">
-                <a:solidFill>
-                  <a:srgbClr val="C00000"/>
-                </a:solidFill>
-              </a:rPr>
-              <a:t>Line L</a:t>
-            </a:r>
-            <a:endParaRPr lang="en-US" dirty="0">
-              <a:solidFill>
-                <a:srgbClr val="C00000"/>
-              </a:solidFill>
-            </a:endParaRPr>
-          </a:p>
-        </p:txBody>
-      </p:sp>
-      <p:cxnSp>
-        <p:nvCxnSpPr>
-          <p:cNvPr id="97" name="Straight Arrow Connector 96"/>
-          <p:cNvCxnSpPr/>
-          <p:nvPr/>
-        </p:nvCxnSpPr>
-        <p:spPr>
-          <a:xfrm flipH="1">
-            <a:off x="8085438" y="1905695"/>
-            <a:ext cx="1918356" cy="729180"/>
-          </a:xfrm>
-          <a:prstGeom prst="straightConnector1">
-            <a:avLst/>
-          </a:prstGeom>
-          <a:ln>
-            <a:tailEnd type="triangle"/>
-          </a:ln>
-        </p:spPr>
-        <p:style>
-          <a:lnRef idx="1">
-            <a:schemeClr val="accent1"/>
-          </a:lnRef>
-          <a:fillRef idx="0">
-            <a:schemeClr val="accent1"/>
-          </a:fillRef>
-          <a:effectRef idx="0">
-            <a:schemeClr val="accent1"/>
-          </a:effectRef>
-          <a:fontRef idx="minor">
-            <a:schemeClr val="tx1"/>
-          </a:fontRef>
-        </p:style>
-      </p:cxnSp>
-      <p:cxnSp>
-        <p:nvCxnSpPr>
-          <p:cNvPr id="99" name="Straight Arrow Connector 98"/>
-          <p:cNvCxnSpPr/>
-          <p:nvPr/>
-        </p:nvCxnSpPr>
-        <p:spPr>
-          <a:xfrm flipH="1">
-            <a:off x="8085438" y="2424091"/>
-            <a:ext cx="1598141" cy="599930"/>
-          </a:xfrm>
-          <a:prstGeom prst="straightConnector1">
-            <a:avLst/>
-          </a:prstGeom>
-          <a:ln>
-            <a:tailEnd type="triangle"/>
-          </a:ln>
-        </p:spPr>
-        <p:style>
-          <a:lnRef idx="1">
-            <a:schemeClr val="accent1"/>
-          </a:lnRef>
-          <a:fillRef idx="0">
-            <a:schemeClr val="accent1"/>
-          </a:fillRef>
-          <a:effectRef idx="0">
-            <a:schemeClr val="accent1"/>
-          </a:effectRef>
-          <a:fontRef idx="minor">
-            <a:schemeClr val="tx1"/>
-          </a:fontRef>
-        </p:style>
-      </p:cxnSp>
-      <p:cxnSp>
-        <p:nvCxnSpPr>
-          <p:cNvPr id="101" name="Straight Arrow Connector 100"/>
-          <p:cNvCxnSpPr/>
-          <p:nvPr/>
-        </p:nvCxnSpPr>
-        <p:spPr>
-          <a:xfrm flipH="1">
-            <a:off x="7231268" y="3308512"/>
-            <a:ext cx="2079444" cy="201015"/>
-          </a:xfrm>
-          <a:prstGeom prst="straightConnector1">
-            <a:avLst/>
-          </a:prstGeom>
-          <a:ln>
-            <a:solidFill>
-              <a:srgbClr val="C00000"/>
-            </a:solidFill>
-            <a:tailEnd type="triangle"/>
-          </a:ln>
-        </p:spPr>
-        <p:style>
-          <a:lnRef idx="1">
-            <a:schemeClr val="accent1"/>
-          </a:lnRef>
-          <a:fillRef idx="0">
-            <a:schemeClr val="accent1"/>
-          </a:fillRef>
-          <a:effectRef idx="0">
-            <a:schemeClr val="accent1"/>
-          </a:effectRef>
-          <a:fontRef idx="minor">
-            <a:schemeClr val="tx1"/>
-          </a:fontRef>
-        </p:style>
-      </p:cxnSp>
-      <p:cxnSp>
-        <p:nvCxnSpPr>
-          <p:cNvPr id="103" name="Straight Arrow Connector 102"/>
-          <p:cNvCxnSpPr/>
-          <p:nvPr/>
-        </p:nvCxnSpPr>
-        <p:spPr>
-          <a:xfrm>
-            <a:off x="7118797" y="3189139"/>
-            <a:ext cx="0" cy="512880"/>
-          </a:xfrm>
-          <a:prstGeom prst="straightConnector1">
-            <a:avLst/>
-          </a:prstGeom>
-          <a:ln>
-            <a:solidFill>
-              <a:srgbClr val="C00000"/>
-            </a:solidFill>
-            <a:tailEnd type="triangle"/>
-          </a:ln>
-        </p:spPr>
-        <p:style>
-          <a:lnRef idx="1">
-            <a:schemeClr val="accent1"/>
-          </a:lnRef>
-          <a:fillRef idx="0">
-            <a:schemeClr val="accent1"/>
-          </a:fillRef>
-          <a:effectRef idx="0">
-            <a:schemeClr val="accent1"/>
-          </a:effectRef>
-          <a:fontRef idx="minor">
-            <a:schemeClr val="tx1"/>
-          </a:fontRef>
-        </p:style>
-      </p:cxnSp>
-      <p:cxnSp>
-        <p:nvCxnSpPr>
-          <p:cNvPr id="105" name="Straight Arrow Connector 104"/>
-          <p:cNvCxnSpPr/>
-          <p:nvPr/>
-        </p:nvCxnSpPr>
-        <p:spPr>
-          <a:xfrm flipH="1">
-            <a:off x="5806062" y="3116692"/>
-            <a:ext cx="816646" cy="415708"/>
-          </a:xfrm>
-          <a:prstGeom prst="straightConnector1">
-            <a:avLst/>
-          </a:prstGeom>
-          <a:ln>
-            <a:tailEnd type="triangle"/>
-          </a:ln>
-        </p:spPr>
-        <p:style>
-          <a:lnRef idx="1">
-            <a:schemeClr val="accent1"/>
-          </a:lnRef>
-          <a:fillRef idx="0">
-            <a:schemeClr val="accent1"/>
-          </a:fillRef>
-          <a:effectRef idx="0">
-            <a:schemeClr val="accent1"/>
-          </a:effectRef>
-          <a:fontRef idx="minor">
-            <a:schemeClr val="tx1"/>
-          </a:fontRef>
-        </p:style>
-      </p:cxnSp>
-      <p:sp>
-        <p:nvSpPr>
-          <p:cNvPr id="106" name="Oval 105"/>
-          <p:cNvSpPr/>
-          <p:nvPr/>
-        </p:nvSpPr>
-        <p:spPr>
-          <a:xfrm>
-            <a:off x="4295652" y="3275483"/>
-            <a:ext cx="1688754" cy="1628397"/>
-          </a:xfrm>
-          <a:prstGeom prst="ellipse">
-            <a:avLst/>
-          </a:prstGeom>
-          <a:solidFill>
-            <a:schemeClr val="bg1"/>
-          </a:solidFill>
-        </p:spPr>
-        <p:style>
-          <a:lnRef idx="2">
-            <a:schemeClr val="accent1">
-              <a:shade val="50000"/>
-            </a:schemeClr>
-          </a:lnRef>
-          <a:fillRef idx="1">
-            <a:schemeClr val="accent1"/>
-          </a:fillRef>
-          <a:effectRef idx="0">
-            <a:schemeClr val="accent1"/>
-          </a:effectRef>
-          <a:fontRef idx="minor">
-            <a:schemeClr val="lt1"/>
-          </a:fontRef>
-        </p:style>
-        <p:txBody>
-          <a:bodyPr rtlCol="0" anchor="ctr"/>
-          <a:lstStyle/>
-          <a:p>
-            <a:pPr algn="ctr"/>
-            <a:endParaRPr lang="en-US"/>
-          </a:p>
-        </p:txBody>
-      </p:sp>
-      <p:sp>
-        <p:nvSpPr>
-          <p:cNvPr id="107" name="Oval 106"/>
-          <p:cNvSpPr/>
-          <p:nvPr/>
-        </p:nvSpPr>
-        <p:spPr>
-          <a:xfrm>
-            <a:off x="4331114" y="3333627"/>
-            <a:ext cx="1616549" cy="1481867"/>
-          </a:xfrm>
-          <a:prstGeom prst="ellipse">
-            <a:avLst/>
-          </a:prstGeom>
-          <a:solidFill>
-            <a:schemeClr val="bg1"/>
-          </a:solidFill>
-        </p:spPr>
-        <p:style>
-          <a:lnRef idx="2">
-            <a:schemeClr val="accent1">
-              <a:shade val="50000"/>
-            </a:schemeClr>
-          </a:lnRef>
-          <a:fillRef idx="1">
-            <a:schemeClr val="accent1"/>
-          </a:fillRef>
-          <a:effectRef idx="0">
-            <a:schemeClr val="accent1"/>
-          </a:effectRef>
-          <a:fontRef idx="minor">
-            <a:schemeClr val="lt1"/>
-          </a:fontRef>
-        </p:style>
-        <p:txBody>
-          <a:bodyPr rtlCol="0" anchor="ctr"/>
-          <a:lstStyle/>
-          <a:p>
-            <a:pPr algn="ctr"/>
-            <a:r>
-              <a:rPr lang="en-US" dirty="0" smtClean="0">
-                <a:solidFill>
-                  <a:schemeClr val="tx1"/>
-                </a:solidFill>
-              </a:rPr>
-              <a:t>Line line1</a:t>
-            </a:r>
-            <a:endParaRPr lang="en-US" dirty="0">
-              <a:solidFill>
-                <a:schemeClr val="tx1"/>
-              </a:solidFill>
-            </a:endParaRPr>
-          </a:p>
-        </p:txBody>
-      </p:sp>
-      <p:sp>
-        <p:nvSpPr>
-          <p:cNvPr id="109" name="Oval 108"/>
-          <p:cNvSpPr/>
-          <p:nvPr/>
-        </p:nvSpPr>
-        <p:spPr>
-          <a:xfrm>
-            <a:off x="5806062" y="3768770"/>
-            <a:ext cx="2903186" cy="2903656"/>
-          </a:xfrm>
-          <a:prstGeom prst="ellipse">
-            <a:avLst/>
-          </a:prstGeom>
-          <a:solidFill>
-            <a:schemeClr val="bg1"/>
-          </a:solidFill>
-          <a:ln>
-            <a:solidFill>
-              <a:srgbClr val="C00000"/>
-            </a:solidFill>
-          </a:ln>
-        </p:spPr>
-        <p:style>
-          <a:lnRef idx="2">
-            <a:schemeClr val="accent1">
-              <a:shade val="50000"/>
-            </a:schemeClr>
-          </a:lnRef>
-          <a:fillRef idx="1">
-            <a:schemeClr val="accent1"/>
-          </a:fillRef>
-          <a:effectRef idx="0">
-            <a:schemeClr val="accent1"/>
-          </a:effectRef>
-          <a:fontRef idx="minor">
-            <a:schemeClr val="lt1"/>
-          </a:fontRef>
-        </p:style>
-        <p:txBody>
-          <a:bodyPr rtlCol="0" anchor="ctr"/>
-          <a:lstStyle/>
-          <a:p>
-            <a:pPr algn="ctr"/>
-            <a:endParaRPr lang="en-US"/>
-          </a:p>
-        </p:txBody>
-      </p:sp>
-      <p:sp>
-        <p:nvSpPr>
-          <p:cNvPr id="110" name="Oval 109"/>
-          <p:cNvSpPr/>
-          <p:nvPr/>
-        </p:nvSpPr>
-        <p:spPr>
-          <a:xfrm>
-            <a:off x="5947148" y="3860151"/>
-            <a:ext cx="2710311" cy="2684132"/>
-          </a:xfrm>
-          <a:prstGeom prst="ellipse">
-            <a:avLst/>
-          </a:prstGeom>
-          <a:solidFill>
-            <a:schemeClr val="bg1"/>
-          </a:solidFill>
-          <a:ln>
-            <a:solidFill>
-              <a:srgbClr val="C00000"/>
-            </a:solidFill>
-          </a:ln>
-        </p:spPr>
-        <p:style>
-          <a:lnRef idx="2">
-            <a:schemeClr val="accent1">
-              <a:shade val="50000"/>
-            </a:schemeClr>
-          </a:lnRef>
-          <a:fillRef idx="1">
-            <a:schemeClr val="accent1"/>
-          </a:fillRef>
-          <a:effectRef idx="0">
-            <a:schemeClr val="accent1"/>
-          </a:effectRef>
-          <a:fontRef idx="minor">
-            <a:schemeClr val="lt1"/>
-          </a:fontRef>
-        </p:style>
-        <p:txBody>
-          <a:bodyPr rtlCol="0" anchor="ctr"/>
-          <a:lstStyle/>
-          <a:p>
-            <a:pPr algn="ctr"/>
-            <a:endParaRPr lang="en-US" dirty="0">
-              <a:solidFill>
-                <a:srgbClr val="C00000"/>
-              </a:solidFill>
-            </a:endParaRPr>
-          </a:p>
-        </p:txBody>
-      </p:sp>
-      <p:sp>
-        <p:nvSpPr>
-          <p:cNvPr id="111" name="Rectangle 110"/>
-          <p:cNvSpPr/>
-          <p:nvPr/>
-        </p:nvSpPr>
-        <p:spPr>
-          <a:xfrm>
-            <a:off x="6717643" y="4365548"/>
-            <a:ext cx="1675850" cy="1710100"/>
-          </a:xfrm>
-          <a:prstGeom prst="rect">
-            <a:avLst/>
-          </a:prstGeom>
-          <a:solidFill>
-            <a:schemeClr val="bg1"/>
-          </a:solidFill>
-          <a:ln>
-            <a:solidFill>
-              <a:schemeClr val="bg1"/>
-            </a:solidFill>
-          </a:ln>
-        </p:spPr>
-        <p:style>
-          <a:lnRef idx="2">
-            <a:schemeClr val="accent1">
-              <a:shade val="50000"/>
-            </a:schemeClr>
-          </a:lnRef>
-          <a:fillRef idx="1">
-            <a:schemeClr val="accent1"/>
-          </a:fillRef>
-          <a:effectRef idx="0">
-            <a:schemeClr val="accent1"/>
-          </a:effectRef>
-          <a:fontRef idx="minor">
-            <a:schemeClr val="lt1"/>
-          </a:fontRef>
-        </p:style>
-        <p:txBody>
-          <a:bodyPr rtlCol="0" anchor="ctr"/>
-          <a:lstStyle/>
-          <a:p>
-            <a:pPr algn="ctr"/>
-            <a:r>
-              <a:rPr lang="en-US" dirty="0" err="1" smtClean="0">
-                <a:solidFill>
-                  <a:srgbClr val="C00000"/>
-                </a:solidFill>
-              </a:rPr>
-              <a:t>int</a:t>
-            </a:r>
-            <a:r>
-              <a:rPr lang="en-US" dirty="0" smtClean="0">
-                <a:solidFill>
-                  <a:srgbClr val="C00000"/>
-                </a:solidFill>
-              </a:rPr>
-              <a:t> x1</a:t>
-            </a:r>
-          </a:p>
-          <a:p>
-            <a:pPr algn="ctr"/>
-            <a:r>
-              <a:rPr lang="en-US" dirty="0" err="1" smtClean="0">
-                <a:solidFill>
-                  <a:srgbClr val="C00000"/>
-                </a:solidFill>
-              </a:rPr>
-              <a:t>int</a:t>
-            </a:r>
-            <a:r>
-              <a:rPr lang="en-US" dirty="0" smtClean="0">
-                <a:solidFill>
-                  <a:srgbClr val="C00000"/>
-                </a:solidFill>
-              </a:rPr>
-              <a:t> x2</a:t>
-            </a:r>
-          </a:p>
-          <a:p>
-            <a:pPr algn="ctr"/>
-            <a:r>
-              <a:rPr lang="en-US" dirty="0" err="1" smtClean="0">
-                <a:solidFill>
-                  <a:srgbClr val="C00000"/>
-                </a:solidFill>
-              </a:rPr>
-              <a:t>int</a:t>
-            </a:r>
-            <a:r>
-              <a:rPr lang="en-US" dirty="0" smtClean="0">
-                <a:solidFill>
-                  <a:srgbClr val="C00000"/>
-                </a:solidFill>
-              </a:rPr>
-              <a:t> y1</a:t>
-            </a:r>
-          </a:p>
-          <a:p>
-            <a:pPr algn="ctr"/>
-            <a:r>
-              <a:rPr lang="en-US" dirty="0" err="1" smtClean="0">
-                <a:solidFill>
-                  <a:srgbClr val="C00000"/>
-                </a:solidFill>
-              </a:rPr>
-              <a:t>int</a:t>
-            </a:r>
-            <a:r>
-              <a:rPr lang="en-US" dirty="0" smtClean="0">
-                <a:solidFill>
-                  <a:srgbClr val="C00000"/>
-                </a:solidFill>
-              </a:rPr>
-              <a:t> y2</a:t>
-            </a:r>
-          </a:p>
-          <a:p>
-            <a:pPr algn="ctr"/>
-            <a:r>
-              <a:rPr lang="en-US" dirty="0" err="1" smtClean="0">
-                <a:solidFill>
-                  <a:srgbClr val="C00000"/>
-                </a:solidFill>
-              </a:rPr>
-              <a:t>int</a:t>
-            </a:r>
-            <a:r>
-              <a:rPr lang="en-US" dirty="0" smtClean="0">
-                <a:solidFill>
-                  <a:srgbClr val="C00000"/>
-                </a:solidFill>
-              </a:rPr>
-              <a:t> r</a:t>
-            </a:r>
-          </a:p>
-          <a:p>
-            <a:pPr algn="ctr"/>
-            <a:r>
-              <a:rPr lang="en-US" dirty="0" err="1" smtClean="0">
-                <a:solidFill>
-                  <a:srgbClr val="C00000"/>
-                </a:solidFill>
-              </a:rPr>
-              <a:t>int</a:t>
-            </a:r>
-            <a:r>
-              <a:rPr lang="en-US" dirty="0" smtClean="0">
-                <a:solidFill>
-                  <a:srgbClr val="C00000"/>
-                </a:solidFill>
-              </a:rPr>
-              <a:t> g</a:t>
-            </a:r>
-            <a:endParaRPr lang="en-US" dirty="0">
-              <a:solidFill>
-                <a:srgbClr val="C00000"/>
-              </a:solidFill>
-            </a:endParaRPr>
-          </a:p>
-          <a:p>
-            <a:pPr algn="ctr"/>
-            <a:r>
-              <a:rPr lang="en-US" dirty="0" err="1" smtClean="0">
-                <a:solidFill>
-                  <a:srgbClr val="C00000"/>
-                </a:solidFill>
-              </a:rPr>
-              <a:t>int</a:t>
-            </a:r>
-            <a:r>
-              <a:rPr lang="en-US" dirty="0" smtClean="0">
-                <a:solidFill>
-                  <a:srgbClr val="C00000"/>
-                </a:solidFill>
-              </a:rPr>
-              <a:t> b</a:t>
-            </a:r>
-          </a:p>
-          <a:p>
-            <a:pPr algn="ctr"/>
-            <a:r>
-              <a:rPr lang="en-US" dirty="0" err="1" smtClean="0">
-                <a:solidFill>
-                  <a:srgbClr val="C00000"/>
-                </a:solidFill>
-              </a:rPr>
-              <a:t>int</a:t>
-            </a:r>
-            <a:r>
-              <a:rPr lang="en-US" dirty="0" smtClean="0">
-                <a:solidFill>
-                  <a:srgbClr val="C00000"/>
-                </a:solidFill>
-              </a:rPr>
-              <a:t> a</a:t>
-            </a:r>
-          </a:p>
-          <a:p>
-            <a:pPr algn="ctr"/>
-            <a:r>
-              <a:rPr lang="en-US" dirty="0" smtClean="0">
-                <a:solidFill>
-                  <a:srgbClr val="C00000"/>
-                </a:solidFill>
-              </a:rPr>
-              <a:t>Float </a:t>
-            </a:r>
-            <a:r>
-              <a:rPr lang="en-US" dirty="0" err="1" smtClean="0">
-                <a:solidFill>
-                  <a:srgbClr val="C00000"/>
-                </a:solidFill>
-              </a:rPr>
-              <a:t>strokeThickness</a:t>
-            </a:r>
-            <a:endParaRPr lang="en-US" dirty="0" smtClean="0">
-              <a:solidFill>
-                <a:srgbClr val="C00000"/>
-              </a:solidFill>
-            </a:endParaRPr>
-          </a:p>
-        </p:txBody>
-      </p:sp>
-      <p:sp>
-        <p:nvSpPr>
-          <p:cNvPr id="115" name="Rectangle 114"/>
-          <p:cNvSpPr/>
-          <p:nvPr/>
-        </p:nvSpPr>
-        <p:spPr>
-          <a:xfrm>
-            <a:off x="6125491" y="4448301"/>
-            <a:ext cx="1177385" cy="1440036"/>
-          </a:xfrm>
-          <a:prstGeom prst="rect">
-            <a:avLst/>
-          </a:prstGeom>
-          <a:solidFill>
-            <a:schemeClr val="bg1"/>
-          </a:solidFill>
-          <a:ln>
-            <a:solidFill>
-              <a:schemeClr val="bg1"/>
-            </a:solidFill>
-          </a:ln>
-        </p:spPr>
-        <p:style>
-          <a:lnRef idx="2">
-            <a:schemeClr val="accent1">
-              <a:shade val="50000"/>
-            </a:schemeClr>
-          </a:lnRef>
-          <a:fillRef idx="1">
-            <a:schemeClr val="accent1"/>
-          </a:fillRef>
-          <a:effectRef idx="0">
-            <a:schemeClr val="accent1"/>
-          </a:effectRef>
-          <a:fontRef idx="minor">
-            <a:schemeClr val="lt1"/>
-          </a:fontRef>
-        </p:style>
-        <p:txBody>
-          <a:bodyPr rtlCol="0" anchor="ctr"/>
-          <a:lstStyle/>
-          <a:p>
-            <a:pPr algn="ctr"/>
-            <a:r>
-              <a:rPr lang="en-US" dirty="0" smtClean="0">
-                <a:solidFill>
-                  <a:srgbClr val="C00000"/>
-                </a:solidFill>
-              </a:rPr>
-              <a:t>Line </a:t>
-            </a:r>
-            <a:r>
-              <a:rPr lang="en-US" dirty="0" err="1" smtClean="0">
-                <a:solidFill>
-                  <a:srgbClr val="C00000"/>
-                </a:solidFill>
-              </a:rPr>
-              <a:t>addedLine</a:t>
-            </a:r>
-            <a:endParaRPr lang="en-US" dirty="0">
-              <a:solidFill>
-                <a:srgbClr val="C00000"/>
-              </a:solidFill>
-            </a:endParaRPr>
-          </a:p>
-        </p:txBody>
-      </p:sp>
-      <p:sp>
-        <p:nvSpPr>
-          <p:cNvPr id="121" name="Rectangle 120"/>
-          <p:cNvSpPr/>
-          <p:nvPr/>
-        </p:nvSpPr>
-        <p:spPr>
-          <a:xfrm>
-            <a:off x="8742095" y="3532400"/>
-            <a:ext cx="599557" cy="3157374"/>
-          </a:xfrm>
-          <a:prstGeom prst="rect">
-            <a:avLst/>
-          </a:prstGeom>
-          <a:solidFill>
-            <a:schemeClr val="bg1"/>
-          </a:solidFill>
-          <a:ln>
-            <a:solidFill>
-              <a:schemeClr val="bg1"/>
-            </a:solidFill>
-          </a:ln>
-        </p:spPr>
-        <p:style>
-          <a:lnRef idx="2">
-            <a:schemeClr val="accent1">
-              <a:shade val="50000"/>
-            </a:schemeClr>
-          </a:lnRef>
-          <a:fillRef idx="1">
-            <a:schemeClr val="accent1"/>
-          </a:fillRef>
-          <a:effectRef idx="0">
-            <a:schemeClr val="accent1"/>
-          </a:effectRef>
-          <a:fontRef idx="minor">
-            <a:schemeClr val="lt1"/>
-          </a:fontRef>
-        </p:style>
-        <p:txBody>
-          <a:bodyPr rtlCol="0" anchor="ctr"/>
-          <a:lstStyle/>
-          <a:p>
-            <a:pPr algn="ctr"/>
-            <a:r>
-              <a:rPr lang="en-US" dirty="0" smtClean="0">
-                <a:solidFill>
-                  <a:schemeClr val="tx1"/>
-                </a:solidFill>
-              </a:rPr>
-              <a:t>182</a:t>
-            </a:r>
-          </a:p>
-          <a:p>
-            <a:pPr algn="ctr"/>
-            <a:r>
-              <a:rPr lang="en-US" dirty="0" smtClean="0">
-                <a:solidFill>
-                  <a:schemeClr val="tx1"/>
-                </a:solidFill>
-              </a:rPr>
-              <a:t>218</a:t>
-            </a:r>
-          </a:p>
-          <a:p>
-            <a:pPr algn="ctr"/>
-            <a:r>
-              <a:rPr lang="en-US" dirty="0" smtClean="0">
-                <a:solidFill>
-                  <a:schemeClr val="tx1"/>
-                </a:solidFill>
-              </a:rPr>
-              <a:t>35</a:t>
-            </a:r>
-          </a:p>
-          <a:p>
-            <a:pPr algn="ctr"/>
-            <a:r>
-              <a:rPr lang="en-US" dirty="0" smtClean="0">
-                <a:solidFill>
-                  <a:schemeClr val="tx1"/>
-                </a:solidFill>
-              </a:rPr>
-              <a:t>378</a:t>
-            </a:r>
-          </a:p>
-          <a:p>
-            <a:pPr algn="ctr"/>
-            <a:r>
-              <a:rPr lang="en-US" dirty="0" smtClean="0">
-                <a:solidFill>
-                  <a:schemeClr val="tx1"/>
-                </a:solidFill>
-              </a:rPr>
-              <a:t>120</a:t>
-            </a:r>
-          </a:p>
-          <a:p>
-            <a:pPr algn="ctr"/>
-            <a:r>
-              <a:rPr lang="en-US" dirty="0" smtClean="0">
-                <a:solidFill>
-                  <a:schemeClr val="tx1"/>
-                </a:solidFill>
-              </a:rPr>
-              <a:t>0</a:t>
-            </a:r>
-          </a:p>
-          <a:p>
-            <a:pPr algn="ctr"/>
-            <a:r>
-              <a:rPr lang="en-US" dirty="0" smtClean="0">
-                <a:solidFill>
-                  <a:schemeClr val="tx1"/>
-                </a:solidFill>
-              </a:rPr>
-              <a:t>180</a:t>
-            </a:r>
-          </a:p>
-          <a:p>
-            <a:pPr algn="ctr"/>
-            <a:r>
-              <a:rPr lang="en-US" dirty="0" smtClean="0">
-                <a:solidFill>
-                  <a:schemeClr val="tx1"/>
-                </a:solidFill>
-              </a:rPr>
-              <a:t>30</a:t>
-            </a:r>
-          </a:p>
-          <a:p>
-            <a:pPr algn="ctr"/>
-            <a:r>
-              <a:rPr lang="en-US" smtClean="0">
-                <a:solidFill>
-                  <a:schemeClr val="tx1"/>
-                </a:solidFill>
-              </a:rPr>
-              <a:t>15.0</a:t>
-            </a:r>
-            <a:endParaRPr lang="en-US" dirty="0">
-              <a:solidFill>
-                <a:schemeClr val="tx1"/>
-              </a:solidFill>
-            </a:endParaRPr>
-          </a:p>
-        </p:txBody>
-      </p:sp>
-      <p:cxnSp>
-        <p:nvCxnSpPr>
-          <p:cNvPr id="123" name="Straight Arrow Connector 122"/>
-          <p:cNvCxnSpPr/>
-          <p:nvPr/>
-        </p:nvCxnSpPr>
-        <p:spPr>
-          <a:xfrm>
-            <a:off x="7834184" y="3995309"/>
-            <a:ext cx="907911" cy="0"/>
-          </a:xfrm>
-          <a:prstGeom prst="straightConnector1">
-            <a:avLst/>
-          </a:prstGeom>
-          <a:ln>
-            <a:tailEnd type="triangle"/>
-          </a:ln>
-        </p:spPr>
-        <p:style>
-          <a:lnRef idx="1">
-            <a:schemeClr val="accent1"/>
-          </a:lnRef>
-          <a:fillRef idx="0">
-            <a:schemeClr val="accent1"/>
-          </a:fillRef>
-          <a:effectRef idx="0">
-            <a:schemeClr val="accent1"/>
-          </a:effectRef>
-          <a:fontRef idx="minor">
-            <a:schemeClr val="tx1"/>
-          </a:fontRef>
-        </p:style>
-      </p:cxnSp>
-      <p:cxnSp>
-        <p:nvCxnSpPr>
-          <p:cNvPr id="124" name="Straight Arrow Connector 123"/>
-          <p:cNvCxnSpPr/>
-          <p:nvPr/>
-        </p:nvCxnSpPr>
-        <p:spPr>
-          <a:xfrm>
-            <a:off x="7902914" y="4246114"/>
-            <a:ext cx="907911" cy="0"/>
-          </a:xfrm>
-          <a:prstGeom prst="straightConnector1">
-            <a:avLst/>
-          </a:prstGeom>
-          <a:ln>
-            <a:tailEnd type="triangle"/>
-          </a:ln>
-        </p:spPr>
-        <p:style>
-          <a:lnRef idx="1">
-            <a:schemeClr val="accent1"/>
-          </a:lnRef>
-          <a:fillRef idx="0">
-            <a:schemeClr val="accent1"/>
-          </a:fillRef>
-          <a:effectRef idx="0">
-            <a:schemeClr val="accent1"/>
-          </a:effectRef>
-          <a:fontRef idx="minor">
-            <a:schemeClr val="tx1"/>
-          </a:fontRef>
-        </p:style>
-      </p:cxnSp>
-      <p:cxnSp>
-        <p:nvCxnSpPr>
-          <p:cNvPr id="127" name="Straight Arrow Connector 126"/>
-          <p:cNvCxnSpPr/>
-          <p:nvPr/>
-        </p:nvCxnSpPr>
-        <p:spPr>
-          <a:xfrm>
-            <a:off x="7893800" y="4578092"/>
-            <a:ext cx="907911" cy="0"/>
-          </a:xfrm>
-          <a:prstGeom prst="straightConnector1">
-            <a:avLst/>
-          </a:prstGeom>
-          <a:ln>
-            <a:tailEnd type="triangle"/>
-          </a:ln>
-        </p:spPr>
-        <p:style>
-          <a:lnRef idx="1">
-            <a:schemeClr val="accent1"/>
-          </a:lnRef>
-          <a:fillRef idx="0">
-            <a:schemeClr val="accent1"/>
-          </a:fillRef>
-          <a:effectRef idx="0">
-            <a:schemeClr val="accent1"/>
-          </a:effectRef>
-          <a:fontRef idx="minor">
-            <a:schemeClr val="tx1"/>
-          </a:fontRef>
-        </p:style>
-      </p:cxnSp>
-      <p:cxnSp>
-        <p:nvCxnSpPr>
-          <p:cNvPr id="128" name="Straight Arrow Connector 127"/>
-          <p:cNvCxnSpPr/>
-          <p:nvPr/>
-        </p:nvCxnSpPr>
-        <p:spPr>
-          <a:xfrm>
-            <a:off x="7893801" y="4827808"/>
-            <a:ext cx="907911" cy="0"/>
-          </a:xfrm>
-          <a:prstGeom prst="straightConnector1">
-            <a:avLst/>
-          </a:prstGeom>
-          <a:ln>
-            <a:tailEnd type="triangle"/>
-          </a:ln>
-        </p:spPr>
-        <p:style>
-          <a:lnRef idx="1">
-            <a:schemeClr val="accent1"/>
-          </a:lnRef>
-          <a:fillRef idx="0">
-            <a:schemeClr val="accent1"/>
-          </a:fillRef>
-          <a:effectRef idx="0">
-            <a:schemeClr val="accent1"/>
-          </a:effectRef>
-          <a:fontRef idx="minor">
-            <a:schemeClr val="tx1"/>
-          </a:fontRef>
-        </p:style>
-      </p:cxnSp>
-      <p:cxnSp>
-        <p:nvCxnSpPr>
-          <p:cNvPr id="129" name="Straight Arrow Connector 128"/>
-          <p:cNvCxnSpPr/>
-          <p:nvPr/>
-        </p:nvCxnSpPr>
-        <p:spPr>
-          <a:xfrm>
-            <a:off x="7928919" y="5111087"/>
-            <a:ext cx="907911" cy="0"/>
-          </a:xfrm>
-          <a:prstGeom prst="straightConnector1">
-            <a:avLst/>
-          </a:prstGeom>
-          <a:ln>
-            <a:tailEnd type="triangle"/>
-          </a:ln>
-        </p:spPr>
-        <p:style>
-          <a:lnRef idx="1">
-            <a:schemeClr val="accent1"/>
-          </a:lnRef>
-          <a:fillRef idx="0">
-            <a:schemeClr val="accent1"/>
-          </a:fillRef>
-          <a:effectRef idx="0">
-            <a:schemeClr val="accent1"/>
-          </a:effectRef>
-          <a:fontRef idx="minor">
-            <a:schemeClr val="tx1"/>
-          </a:fontRef>
-        </p:style>
-      </p:cxnSp>
-      <p:cxnSp>
-        <p:nvCxnSpPr>
-          <p:cNvPr id="130" name="Straight Arrow Connector 129"/>
-          <p:cNvCxnSpPr/>
-          <p:nvPr/>
-        </p:nvCxnSpPr>
-        <p:spPr>
-          <a:xfrm>
-            <a:off x="7893802" y="5357922"/>
-            <a:ext cx="907911" cy="0"/>
-          </a:xfrm>
-          <a:prstGeom prst="straightConnector1">
-            <a:avLst/>
-          </a:prstGeom>
-          <a:ln>
-            <a:tailEnd type="triangle"/>
-          </a:ln>
-        </p:spPr>
-        <p:style>
-          <a:lnRef idx="1">
-            <a:schemeClr val="accent1"/>
-          </a:lnRef>
-          <a:fillRef idx="0">
-            <a:schemeClr val="accent1"/>
-          </a:fillRef>
-          <a:effectRef idx="0">
-            <a:schemeClr val="accent1"/>
-          </a:effectRef>
-          <a:fontRef idx="minor">
-            <a:schemeClr val="tx1"/>
-          </a:fontRef>
-        </p:style>
-      </p:cxnSp>
-      <p:cxnSp>
-        <p:nvCxnSpPr>
-          <p:cNvPr id="131" name="Straight Arrow Connector 130"/>
-          <p:cNvCxnSpPr/>
-          <p:nvPr/>
-        </p:nvCxnSpPr>
-        <p:spPr>
-          <a:xfrm>
-            <a:off x="7840673" y="5700108"/>
-            <a:ext cx="907911" cy="0"/>
-          </a:xfrm>
-          <a:prstGeom prst="straightConnector1">
-            <a:avLst/>
-          </a:prstGeom>
-          <a:ln>
-            <a:tailEnd type="triangle"/>
-          </a:ln>
-        </p:spPr>
-        <p:style>
-          <a:lnRef idx="1">
-            <a:schemeClr val="accent1"/>
-          </a:lnRef>
-          <a:fillRef idx="0">
-            <a:schemeClr val="accent1"/>
-          </a:fillRef>
-          <a:effectRef idx="0">
-            <a:schemeClr val="accent1"/>
-          </a:effectRef>
-          <a:fontRef idx="minor">
-            <a:schemeClr val="tx1"/>
-          </a:fontRef>
-        </p:style>
-      </p:cxnSp>
-      <p:cxnSp>
-        <p:nvCxnSpPr>
-          <p:cNvPr id="132" name="Straight Arrow Connector 131"/>
-          <p:cNvCxnSpPr/>
-          <p:nvPr/>
-        </p:nvCxnSpPr>
-        <p:spPr>
-          <a:xfrm>
-            <a:off x="7914397" y="5904770"/>
-            <a:ext cx="907911" cy="0"/>
-          </a:xfrm>
-          <a:prstGeom prst="straightConnector1">
-            <a:avLst/>
-          </a:prstGeom>
-          <a:ln>
-            <a:tailEnd type="triangle"/>
-          </a:ln>
-        </p:spPr>
-        <p:style>
-          <a:lnRef idx="1">
-            <a:schemeClr val="accent1"/>
-          </a:lnRef>
-          <a:fillRef idx="0">
-            <a:schemeClr val="accent1"/>
-          </a:fillRef>
-          <a:effectRef idx="0">
-            <a:schemeClr val="accent1"/>
-          </a:effectRef>
-          <a:fontRef idx="minor">
-            <a:schemeClr val="tx1"/>
-          </a:fontRef>
-        </p:style>
-      </p:cxnSp>
-      <p:cxnSp>
-        <p:nvCxnSpPr>
-          <p:cNvPr id="133" name="Straight Arrow Connector 132"/>
-          <p:cNvCxnSpPr/>
-          <p:nvPr/>
-        </p:nvCxnSpPr>
-        <p:spPr>
-          <a:xfrm>
-            <a:off x="7928919" y="6255012"/>
-            <a:ext cx="907911" cy="0"/>
-          </a:xfrm>
-          <a:prstGeom prst="straightConnector1">
-            <a:avLst/>
-          </a:prstGeom>
-          <a:ln>
-            <a:tailEnd type="triangle"/>
-          </a:ln>
-        </p:spPr>
-        <p:style>
-          <a:lnRef idx="1">
-            <a:schemeClr val="accent1"/>
-          </a:lnRef>
-          <a:fillRef idx="0">
-            <a:schemeClr val="accent1"/>
-          </a:fillRef>
-          <a:effectRef idx="0">
-            <a:schemeClr val="accent1"/>
-          </a:effectRef>
-          <a:fontRef idx="minor">
-            <a:schemeClr val="tx1"/>
-          </a:fontRef>
-        </p:style>
-      </p:cxnSp>
-      <p:sp>
-        <p:nvSpPr>
-          <p:cNvPr id="136" name="Rectangle 135"/>
-          <p:cNvSpPr/>
-          <p:nvPr/>
-        </p:nvSpPr>
-        <p:spPr>
-          <a:xfrm>
-            <a:off x="9683579" y="5693373"/>
-            <a:ext cx="2018741" cy="1123278"/>
-          </a:xfrm>
-          <a:prstGeom prst="rect">
-            <a:avLst/>
-          </a:prstGeom>
-          <a:solidFill>
-            <a:schemeClr val="bg1"/>
-          </a:solidFill>
-        </p:spPr>
-        <p:style>
-          <a:lnRef idx="2">
-            <a:schemeClr val="accent1">
-              <a:shade val="50000"/>
-            </a:schemeClr>
-          </a:lnRef>
-          <a:fillRef idx="1">
-            <a:schemeClr val="accent1"/>
-          </a:fillRef>
-          <a:effectRef idx="0">
-            <a:schemeClr val="accent1"/>
-          </a:effectRef>
-          <a:fontRef idx="minor">
-            <a:schemeClr val="lt1"/>
-          </a:fontRef>
-        </p:style>
-        <p:txBody>
-          <a:bodyPr rtlCol="0" anchor="ctr"/>
-          <a:lstStyle/>
-          <a:p>
-            <a:pPr algn="ctr"/>
-            <a:r>
-              <a:rPr lang="en-US" dirty="0" smtClean="0">
-                <a:solidFill>
-                  <a:schemeClr val="tx1"/>
-                </a:solidFill>
-              </a:rPr>
-              <a:t>&lt;getters&gt;()</a:t>
-            </a:r>
-          </a:p>
-          <a:p>
-            <a:pPr algn="ctr"/>
-            <a:r>
-              <a:rPr lang="en-US" dirty="0" err="1" smtClean="0">
-                <a:solidFill>
-                  <a:schemeClr val="tx1"/>
-                </a:solidFill>
-              </a:rPr>
-              <a:t>int</a:t>
-            </a:r>
-            <a:r>
-              <a:rPr lang="en-US" dirty="0" smtClean="0">
-                <a:solidFill>
-                  <a:schemeClr val="tx1"/>
-                </a:solidFill>
-              </a:rPr>
-              <a:t> Line.getX1()</a:t>
-            </a:r>
-          </a:p>
-          <a:p>
-            <a:pPr algn="ctr"/>
-            <a:r>
-              <a:rPr lang="en-US" dirty="0" err="1" smtClean="0">
-                <a:solidFill>
-                  <a:schemeClr val="tx1"/>
-                </a:solidFill>
-              </a:rPr>
-              <a:t>int</a:t>
-            </a:r>
-            <a:r>
-              <a:rPr lang="en-US" dirty="0" smtClean="0">
-                <a:solidFill>
-                  <a:schemeClr val="tx1"/>
-                </a:solidFill>
-              </a:rPr>
-              <a:t> </a:t>
-            </a:r>
-            <a:r>
-              <a:rPr lang="en-US" dirty="0" err="1" smtClean="0">
-                <a:solidFill>
-                  <a:schemeClr val="tx1"/>
-                </a:solidFill>
-              </a:rPr>
-              <a:t>Line.getA</a:t>
-            </a:r>
-            <a:r>
-              <a:rPr lang="en-US" dirty="0" smtClean="0">
-                <a:solidFill>
-                  <a:schemeClr val="tx1"/>
-                </a:solidFill>
-              </a:rPr>
-              <a:t>()</a:t>
-            </a:r>
-          </a:p>
-          <a:p>
-            <a:pPr algn="ctr"/>
-            <a:r>
-              <a:rPr lang="en-US" dirty="0" smtClean="0">
-                <a:solidFill>
-                  <a:schemeClr val="tx1"/>
-                </a:solidFill>
-              </a:rPr>
-              <a:t>Etc.</a:t>
-            </a:r>
-            <a:endParaRPr lang="en-US" dirty="0">
-              <a:solidFill>
-                <a:schemeClr val="tx1"/>
-              </a:solidFill>
-            </a:endParaRPr>
-          </a:p>
-        </p:txBody>
-      </p:sp>
-      <p:cxnSp>
-        <p:nvCxnSpPr>
-          <p:cNvPr id="138" name="Straight Arrow Connector 137"/>
-          <p:cNvCxnSpPr/>
-          <p:nvPr/>
-        </p:nvCxnSpPr>
-        <p:spPr>
-          <a:xfrm flipH="1" flipV="1">
-            <a:off x="9291071" y="5187013"/>
-            <a:ext cx="712723" cy="725612"/>
-          </a:xfrm>
-          <a:prstGeom prst="straightConnector1">
-            <a:avLst/>
-          </a:prstGeom>
-          <a:ln>
-            <a:tailEnd type="triangle"/>
-          </a:ln>
-        </p:spPr>
-        <p:style>
-          <a:lnRef idx="1">
-            <a:schemeClr val="accent1"/>
-          </a:lnRef>
-          <a:fillRef idx="0">
-            <a:schemeClr val="accent1"/>
-          </a:fillRef>
-          <a:effectRef idx="0">
-            <a:schemeClr val="accent1"/>
-          </a:effectRef>
-          <a:fontRef idx="minor">
-            <a:schemeClr val="tx1"/>
-          </a:fontRef>
-        </p:style>
-      </p:cxnSp>
-      <p:cxnSp>
-        <p:nvCxnSpPr>
-          <p:cNvPr id="139" name="Straight Arrow Connector 138"/>
-          <p:cNvCxnSpPr/>
-          <p:nvPr/>
-        </p:nvCxnSpPr>
-        <p:spPr>
-          <a:xfrm flipH="1" flipV="1">
-            <a:off x="9339508" y="4870828"/>
-            <a:ext cx="816687" cy="1070164"/>
-          </a:xfrm>
-          <a:prstGeom prst="straightConnector1">
-            <a:avLst/>
-          </a:prstGeom>
-          <a:ln>
-            <a:tailEnd type="triangle"/>
-          </a:ln>
-        </p:spPr>
-        <p:style>
-          <a:lnRef idx="1">
-            <a:schemeClr val="accent1"/>
-          </a:lnRef>
-          <a:fillRef idx="0">
-            <a:schemeClr val="accent1"/>
-          </a:fillRef>
-          <a:effectRef idx="0">
-            <a:schemeClr val="accent1"/>
-          </a:effectRef>
-          <a:fontRef idx="minor">
-            <a:schemeClr val="tx1"/>
-          </a:fontRef>
-        </p:style>
-      </p:cxnSp>
-      <p:cxnSp>
-        <p:nvCxnSpPr>
-          <p:cNvPr id="140" name="Straight Arrow Connector 139"/>
-          <p:cNvCxnSpPr/>
-          <p:nvPr/>
-        </p:nvCxnSpPr>
-        <p:spPr>
-          <a:xfrm flipH="1" flipV="1">
-            <a:off x="9304389" y="4578092"/>
-            <a:ext cx="1004206" cy="1515300"/>
-          </a:xfrm>
-          <a:prstGeom prst="straightConnector1">
-            <a:avLst/>
-          </a:prstGeom>
-          <a:ln>
-            <a:tailEnd type="triangle"/>
-          </a:ln>
-        </p:spPr>
-        <p:style>
-          <a:lnRef idx="1">
-            <a:schemeClr val="accent1"/>
-          </a:lnRef>
-          <a:fillRef idx="0">
-            <a:schemeClr val="accent1"/>
-          </a:fillRef>
-          <a:effectRef idx="0">
-            <a:schemeClr val="accent1"/>
-          </a:effectRef>
-          <a:fontRef idx="minor">
-            <a:schemeClr val="tx1"/>
-          </a:fontRef>
-        </p:style>
-      </p:cxnSp>
-      <p:cxnSp>
-        <p:nvCxnSpPr>
-          <p:cNvPr id="141" name="Straight Arrow Connector 140"/>
-          <p:cNvCxnSpPr/>
-          <p:nvPr/>
-        </p:nvCxnSpPr>
-        <p:spPr>
-          <a:xfrm flipH="1" flipV="1">
-            <a:off x="9290709" y="5449041"/>
-            <a:ext cx="825555" cy="670089"/>
-          </a:xfrm>
-          <a:prstGeom prst="straightConnector1">
-            <a:avLst/>
-          </a:prstGeom>
-          <a:ln>
-            <a:tailEnd type="triangle"/>
-          </a:ln>
-        </p:spPr>
-        <p:style>
-          <a:lnRef idx="1">
-            <a:schemeClr val="accent1"/>
-          </a:lnRef>
-          <a:fillRef idx="0">
-            <a:schemeClr val="accent1"/>
-          </a:fillRef>
-          <a:effectRef idx="0">
-            <a:schemeClr val="accent1"/>
-          </a:effectRef>
-          <a:fontRef idx="minor">
-            <a:schemeClr val="tx1"/>
-          </a:fontRef>
-        </p:style>
-      </p:cxnSp>
-      <p:cxnSp>
-        <p:nvCxnSpPr>
-          <p:cNvPr id="142" name="Straight Arrow Connector 141"/>
-          <p:cNvCxnSpPr/>
-          <p:nvPr/>
-        </p:nvCxnSpPr>
-        <p:spPr>
-          <a:xfrm flipH="1" flipV="1">
-            <a:off x="9302679" y="5700108"/>
-            <a:ext cx="714111" cy="477292"/>
-          </a:xfrm>
-          <a:prstGeom prst="straightConnector1">
-            <a:avLst/>
-          </a:prstGeom>
-          <a:ln>
-            <a:tailEnd type="triangle"/>
-          </a:ln>
-        </p:spPr>
-        <p:style>
-          <a:lnRef idx="1">
-            <a:schemeClr val="accent1"/>
-          </a:lnRef>
-          <a:fillRef idx="0">
-            <a:schemeClr val="accent1"/>
-          </a:fillRef>
-          <a:effectRef idx="0">
-            <a:schemeClr val="accent1"/>
-          </a:effectRef>
-          <a:fontRef idx="minor">
-            <a:schemeClr val="tx1"/>
-          </a:fontRef>
-        </p:style>
-      </p:cxnSp>
-      <p:cxnSp>
-        <p:nvCxnSpPr>
-          <p:cNvPr id="143" name="Straight Arrow Connector 142"/>
-          <p:cNvCxnSpPr/>
-          <p:nvPr/>
-        </p:nvCxnSpPr>
-        <p:spPr>
-          <a:xfrm flipH="1" flipV="1">
-            <a:off x="9317201" y="6035122"/>
-            <a:ext cx="699589" cy="304800"/>
-          </a:xfrm>
-          <a:prstGeom prst="straightConnector1">
-            <a:avLst/>
-          </a:prstGeom>
-          <a:ln>
-            <a:tailEnd type="triangle"/>
-          </a:ln>
-        </p:spPr>
-        <p:style>
-          <a:lnRef idx="1">
-            <a:schemeClr val="accent1"/>
-          </a:lnRef>
-          <a:fillRef idx="0">
-            <a:schemeClr val="accent1"/>
-          </a:fillRef>
-          <a:effectRef idx="0">
-            <a:schemeClr val="accent1"/>
-          </a:effectRef>
-          <a:fontRef idx="minor">
-            <a:schemeClr val="tx1"/>
-          </a:fontRef>
-        </p:style>
-      </p:cxnSp>
-      <p:cxnSp>
-        <p:nvCxnSpPr>
-          <p:cNvPr id="144" name="Straight Arrow Connector 143"/>
-          <p:cNvCxnSpPr/>
-          <p:nvPr/>
-        </p:nvCxnSpPr>
-        <p:spPr>
-          <a:xfrm flipH="1" flipV="1">
-            <a:off x="9317201" y="6271530"/>
-            <a:ext cx="686593" cy="220792"/>
-          </a:xfrm>
-          <a:prstGeom prst="straightConnector1">
-            <a:avLst/>
-          </a:prstGeom>
-          <a:ln>
-            <a:tailEnd type="triangle"/>
-          </a:ln>
-        </p:spPr>
-        <p:style>
-          <a:lnRef idx="1">
-            <a:schemeClr val="accent1"/>
-          </a:lnRef>
-          <a:fillRef idx="0">
-            <a:schemeClr val="accent1"/>
-          </a:fillRef>
-          <a:effectRef idx="0">
-            <a:schemeClr val="accent1"/>
-          </a:effectRef>
-          <a:fontRef idx="minor">
-            <a:schemeClr val="tx1"/>
-          </a:fontRef>
-        </p:style>
-      </p:cxnSp>
-      <p:cxnSp>
-        <p:nvCxnSpPr>
-          <p:cNvPr id="157" name="Straight Arrow Connector 156"/>
-          <p:cNvCxnSpPr/>
-          <p:nvPr/>
-        </p:nvCxnSpPr>
-        <p:spPr>
-          <a:xfrm flipH="1" flipV="1">
-            <a:off x="9310878" y="4357300"/>
-            <a:ext cx="994236" cy="1410928"/>
-          </a:xfrm>
-          <a:prstGeom prst="straightConnector1">
-            <a:avLst/>
-          </a:prstGeom>
-          <a:ln>
-            <a:tailEnd type="triangle"/>
-          </a:ln>
-        </p:spPr>
-        <p:style>
-          <a:lnRef idx="1">
-            <a:schemeClr val="accent1"/>
-          </a:lnRef>
-          <a:fillRef idx="0">
-            <a:schemeClr val="accent1"/>
-          </a:fillRef>
-          <a:effectRef idx="0">
-            <a:schemeClr val="accent1"/>
-          </a:effectRef>
-          <a:fontRef idx="minor">
-            <a:schemeClr val="tx1"/>
-          </a:fontRef>
-        </p:style>
-      </p:cxnSp>
-      <p:cxnSp>
-        <p:nvCxnSpPr>
-          <p:cNvPr id="158" name="Straight Arrow Connector 157"/>
-          <p:cNvCxnSpPr/>
-          <p:nvPr/>
-        </p:nvCxnSpPr>
-        <p:spPr>
-          <a:xfrm flipH="1" flipV="1">
-            <a:off x="9307397" y="4042002"/>
-            <a:ext cx="1065066" cy="1710598"/>
-          </a:xfrm>
-          <a:prstGeom prst="straightConnector1">
-            <a:avLst/>
-          </a:prstGeom>
-          <a:ln>
-            <a:tailEnd type="triangle"/>
-          </a:ln>
-        </p:spPr>
-        <p:style>
-          <a:lnRef idx="1">
-            <a:schemeClr val="accent1"/>
-          </a:lnRef>
-          <a:fillRef idx="0">
-            <a:schemeClr val="accent1"/>
-          </a:fillRef>
-          <a:effectRef idx="0">
-            <a:schemeClr val="accent1"/>
-          </a:effectRef>
-          <a:fontRef idx="minor">
-            <a:schemeClr val="tx1"/>
-          </a:fontRef>
-        </p:style>
-      </p:cxnSp>
-      <p:sp>
-        <p:nvSpPr>
-          <p:cNvPr id="164" name="Rectangle 163"/>
-          <p:cNvSpPr/>
-          <p:nvPr/>
-        </p:nvSpPr>
-        <p:spPr>
-          <a:xfrm>
-            <a:off x="10042685" y="3533519"/>
-            <a:ext cx="2067138" cy="583883"/>
-          </a:xfrm>
-          <a:prstGeom prst="rect">
-            <a:avLst/>
-          </a:prstGeom>
-          <a:solidFill>
-            <a:schemeClr val="bg1"/>
-          </a:solidFill>
-        </p:spPr>
-        <p:style>
-          <a:lnRef idx="2">
-            <a:schemeClr val="accent1">
-              <a:shade val="50000"/>
-            </a:schemeClr>
-          </a:lnRef>
-          <a:fillRef idx="1">
-            <a:schemeClr val="accent1"/>
-          </a:fillRef>
-          <a:effectRef idx="0">
-            <a:schemeClr val="accent1"/>
-          </a:effectRef>
-          <a:fontRef idx="minor">
-            <a:schemeClr val="lt1"/>
-          </a:fontRef>
-        </p:style>
-        <p:txBody>
-          <a:bodyPr rtlCol="0" anchor="ctr"/>
-          <a:lstStyle/>
-          <a:p>
-            <a:pPr algn="ctr"/>
-            <a:r>
-              <a:rPr lang="en-US" dirty="0" smtClean="0">
-                <a:solidFill>
-                  <a:schemeClr val="tx1"/>
-                </a:solidFill>
-              </a:rPr>
-              <a:t>String </a:t>
-            </a:r>
-            <a:r>
-              <a:rPr lang="en-US" dirty="0" err="1" smtClean="0">
-                <a:solidFill>
-                  <a:schemeClr val="tx1"/>
-                </a:solidFill>
-              </a:rPr>
-              <a:t>Line.toString</a:t>
-            </a:r>
-            <a:r>
-              <a:rPr lang="en-US" dirty="0" smtClean="0">
-                <a:solidFill>
-                  <a:schemeClr val="tx1"/>
-                </a:solidFill>
-              </a:rPr>
-              <a:t>()</a:t>
-            </a:r>
-            <a:endParaRPr lang="en-US" dirty="0">
-              <a:solidFill>
-                <a:schemeClr val="tx1"/>
-              </a:solidFill>
-            </a:endParaRPr>
-          </a:p>
-        </p:txBody>
-      </p:sp>
-      <p:sp>
-        <p:nvSpPr>
-          <p:cNvPr id="165" name="Rectangle 164"/>
-          <p:cNvSpPr/>
-          <p:nvPr/>
-        </p:nvSpPr>
-        <p:spPr>
-          <a:xfrm>
-            <a:off x="10179911" y="4205322"/>
-            <a:ext cx="1953628" cy="745539"/>
-          </a:xfrm>
-          <a:prstGeom prst="rect">
-            <a:avLst/>
-          </a:prstGeom>
-          <a:solidFill>
-            <a:schemeClr val="bg1"/>
-          </a:solidFill>
+          <a:ln w="31750"/>
         </p:spPr>
         <p:style>
           <a:lnRef idx="2">
@@ -7296,8 +7169,8 @@
         </p:nvCxnSpPr>
         <p:spPr>
           <a:xfrm flipH="1">
-            <a:off x="9231752" y="4831810"/>
-            <a:ext cx="1496458" cy="1072768"/>
+            <a:off x="9231752" y="5015178"/>
+            <a:ext cx="1505456" cy="889400"/>
           </a:xfrm>
           <a:prstGeom prst="straightConnector1">
             <a:avLst/>
@@ -7335,6 +7208,7 @@
           <a:prstGeom prst="line">
             <a:avLst/>
           </a:prstGeom>
+          <a:ln w="19050"/>
         </p:spPr>
         <p:style>
           <a:lnRef idx="1">
@@ -7365,6 +7239,7 @@
           <a:prstGeom prst="line">
             <a:avLst/>
           </a:prstGeom>
+          <a:ln w="19050"/>
         </p:spPr>
         <p:style>
           <a:lnRef idx="1">
@@ -7395,6 +7270,7 @@
           <a:prstGeom prst="line">
             <a:avLst/>
           </a:prstGeom>
+          <a:ln w="19050"/>
         </p:spPr>
         <p:style>
           <a:lnRef idx="1">
@@ -7425,6 +7301,7 @@
           <a:prstGeom prst="line">
             <a:avLst/>
           </a:prstGeom>
+          <a:ln w="19050"/>
         </p:spPr>
         <p:style>
           <a:lnRef idx="1">
@@ -7455,6 +7332,7 @@
           <a:prstGeom prst="line">
             <a:avLst/>
           </a:prstGeom>
+          <a:ln w="19050"/>
         </p:spPr>
         <p:style>
           <a:lnRef idx="1">
@@ -7485,6 +7363,7 @@
           <a:prstGeom prst="line">
             <a:avLst/>
           </a:prstGeom>
+          <a:ln w="19050"/>
         </p:spPr>
         <p:style>
           <a:lnRef idx="1">
@@ -7515,6 +7394,7 @@
           <a:prstGeom prst="line">
             <a:avLst/>
           </a:prstGeom>
+          <a:ln w="19050"/>
         </p:spPr>
         <p:style>
           <a:lnRef idx="1">
@@ -7545,6 +7425,7 @@
           <a:prstGeom prst="line">
             <a:avLst/>
           </a:prstGeom>
+          <a:ln w="19050"/>
         </p:spPr>
         <p:style>
           <a:lnRef idx="1">
@@ -7575,6 +7456,7 @@
           <a:prstGeom prst="line">
             <a:avLst/>
           </a:prstGeom>
+          <a:ln w="19050"/>
         </p:spPr>
         <p:style>
           <a:lnRef idx="1">
